--- a/Section05/5.2-Python_DataTypes1.pptx
+++ b/Section05/5.2-Python_DataTypes1.pptx
@@ -279,7 +279,7 @@
       <p15:sldGuideLst xmlns:p15="http://schemas.microsoft.com/office/powerpoint/2012/main"/>
     </p:ext>
     <p:ext uri="http://customooxmlschemas.google.com/">
-      <go:slidesCustomData xmlns="" xmlns:mc="http://schemas.openxmlformats.org/markup-compatibility/2006" xmlns:mv="urn:schemas-microsoft-com:mac:vml" xmlns:c="http://schemas.openxmlformats.org/drawingml/2006/chart" xmlns:dgm="http://schemas.openxmlformats.org/drawingml/2006/diagram" xmlns:o="urn:schemas-microsoft-com:office:office" xmlns:v="urn:schemas-microsoft-com:vml" xmlns:pvml="urn:schemas-microsoft-com:office:powerpoint" xmlns:com="http://schemas.openxmlformats.org/drawingml/2006/compatibility" xmlns:p14="http://schemas.microsoft.com/office/powerpoint/2010/main" xmlns:p15="http://schemas.microsoft.com/office/powerpoint/2012/main" xmlns:ahyp="http://schemas.microsoft.com/office/drawing/2018/hyperlinkcolor" xmlns:go="http://customooxmlschemas.google.com/" r:id="rId86" roundtripDataSignature="AMtx7mgaKZtO0drwPbXTu692r2s2N2s7Kw=="/>
+      <go:slidesCustomData xmlns:go="http://customooxmlschemas.google.com/" xmlns:ahyp="http://schemas.microsoft.com/office/drawing/2018/hyperlinkcolor" xmlns:p15="http://schemas.microsoft.com/office/powerpoint/2012/main" xmlns:p14="http://schemas.microsoft.com/office/powerpoint/2010/main" xmlns:com="http://schemas.openxmlformats.org/drawingml/2006/compatibility" xmlns:pvml="urn:schemas-microsoft-com:office:powerpoint" xmlns:v="urn:schemas-microsoft-com:vml" xmlns:o="urn:schemas-microsoft-com:office:office" xmlns:dgm="http://schemas.openxmlformats.org/drawingml/2006/diagram" xmlns:c="http://schemas.openxmlformats.org/drawingml/2006/chart" xmlns:mv="urn:schemas-microsoft-com:mac:vml" xmlns:mc="http://schemas.openxmlformats.org/markup-compatibility/2006" xmlns="" r:id="rId86" roundtripDataSignature="AMtx7mgaKZtO0drwPbXTu692r2s2N2s7Kw=="/>
     </p:ext>
   </p:extLst>
 </p:presentation>
@@ -23676,7 +23676,7 @@
               <a:buNone/>
             </a:pPr>
             <a:r>
-              <a:rPr lang="en-US" sz="6000" b="1">
+              <a:rPr lang="en-US" sz="6000" b="1" dirty="0">
                 <a:solidFill>
                   <a:schemeClr val="dk1"/>
                 </a:solidFill>
@@ -23688,7 +23688,7 @@
               <a:t>Checking</a:t>
             </a:r>
             <a:r>
-              <a:rPr lang="en-US" sz="5400" b="1">
+              <a:rPr lang="en-US" sz="5400" b="1" dirty="0">
                 <a:solidFill>
                   <a:schemeClr val="dk1"/>
                 </a:solidFill>
@@ -23697,9 +23697,9 @@
                 <a:cs typeface="Calibri"/>
                 <a:sym typeface="Calibri"/>
               </a:rPr>
-              <a:t> a string</a:t>
+              <a:t> a string for a sub-string</a:t>
             </a:r>
-            <a:endParaRPr/>
+            <a:endParaRPr dirty="0"/>
           </a:p>
         </p:txBody>
       </p:sp>
@@ -23711,7 +23711,7 @@
         </p:nvSpPr>
         <p:spPr>
           <a:xfrm>
-            <a:off x="2837213" y="2727030"/>
+            <a:off x="2384737" y="2749333"/>
             <a:ext cx="7422523" cy="2910372"/>
           </a:xfrm>
           <a:prstGeom prst="rect">
@@ -23746,7 +23746,7 @@
               <a:buNone/>
             </a:pPr>
             <a:r>
-              <a:rPr lang="en-US" sz="3600">
+              <a:rPr lang="en-US" sz="4000" dirty="0">
                 <a:solidFill>
                   <a:schemeClr val="dk1"/>
                 </a:solidFill>
@@ -23757,7 +23757,7 @@
               </a:rPr>
               <a:t>txt = “The best class in Saint Louis”</a:t>
             </a:r>
-            <a:endParaRPr/>
+            <a:endParaRPr sz="1600" dirty="0"/>
           </a:p>
           <a:p>
             <a:pPr marL="0" marR="0" lvl="0" indent="0" algn="l" rtl="0">
@@ -23778,7 +23778,7 @@
               <a:buNone/>
             </a:pPr>
             <a:r>
-              <a:rPr lang="en-US" sz="3600">
+              <a:rPr lang="en-US" sz="4000" dirty="0">
                 <a:solidFill>
                   <a:schemeClr val="dk1"/>
                 </a:solidFill>
@@ -23789,7 +23789,7 @@
               </a:rPr>
               <a:t>if “best” in txt:</a:t>
             </a:r>
-            <a:endParaRPr/>
+            <a:endParaRPr sz="1600" dirty="0"/>
           </a:p>
           <a:p>
             <a:pPr marL="0" marR="0" lvl="0" indent="0" algn="l" rtl="0">
@@ -23810,7 +23810,7 @@
               <a:buNone/>
             </a:pPr>
             <a:r>
-              <a:rPr lang="en-US" sz="3600">
+              <a:rPr lang="en-US" sz="4000" dirty="0">
                 <a:solidFill>
                   <a:schemeClr val="dk1"/>
                 </a:solidFill>
@@ -23821,7 +23821,7 @@
               </a:rPr>
               <a:t>	print(“Yes, ‘best’ is present.”)</a:t>
             </a:r>
-            <a:endParaRPr/>
+            <a:endParaRPr sz="1600" dirty="0"/>
           </a:p>
         </p:txBody>
       </p:sp>
@@ -24017,10 +24017,10 @@
               <a:buNone/>
             </a:pPr>
             <a:r>
-              <a:rPr lang="en-US" sz="3600"/>
+              <a:rPr lang="en-US" sz="3600" dirty="0"/>
               <a:t>Slicing a string:</a:t>
             </a:r>
-            <a:endParaRPr/>
+            <a:endParaRPr dirty="0"/>
           </a:p>
           <a:p>
             <a:pPr marL="0" lvl="0" indent="0" algn="ctr" rtl="0">
@@ -24040,10 +24040,10 @@
               <a:buNone/>
             </a:pPr>
             <a:r>
-              <a:rPr lang="en-US" sz="3600"/>
+              <a:rPr lang="en-US" sz="3600" dirty="0"/>
               <a:t>Return a range of characters</a:t>
             </a:r>
-            <a:endParaRPr/>
+            <a:endParaRPr dirty="0"/>
           </a:p>
         </p:txBody>
       </p:sp>
@@ -24093,10 +24093,10 @@
               <a:buNone/>
             </a:pPr>
             <a:r>
-              <a:rPr lang="en-US" sz="3600"/>
+              <a:rPr lang="en-US" sz="3600" dirty="0"/>
               <a:t>b = “Hello World!”</a:t>
             </a:r>
-            <a:endParaRPr/>
+            <a:endParaRPr dirty="0"/>
           </a:p>
           <a:p>
             <a:pPr marL="0" lvl="0" indent="0" algn="l" rtl="0">
@@ -24116,10 +24116,10 @@
               <a:buNone/>
             </a:pPr>
             <a:r>
-              <a:rPr lang="en-US" sz="3600"/>
+              <a:rPr lang="en-US" sz="3600" dirty="0"/>
               <a:t>print(b[2:5])</a:t>
             </a:r>
-            <a:endParaRPr/>
+            <a:endParaRPr dirty="0"/>
           </a:p>
         </p:txBody>
       </p:sp>
@@ -24166,7 +24166,7 @@
               <a:buNone/>
             </a:pPr>
             <a:r>
-              <a:rPr lang="en-US" sz="3600" b="1">
+              <a:rPr lang="en-US" sz="3600" b="1" dirty="0">
                 <a:solidFill>
                   <a:schemeClr val="dk1"/>
                 </a:solidFill>
@@ -24177,7 +24177,7 @@
               </a:rPr>
               <a:t>Slicing a string</a:t>
             </a:r>
-            <a:endParaRPr/>
+            <a:endParaRPr dirty="0"/>
           </a:p>
           <a:p>
             <a:pPr marL="0" marR="0" lvl="0" indent="0" algn="ctr" rtl="0">
@@ -24198,7 +24198,7 @@
               <a:buNone/>
             </a:pPr>
             <a:r>
-              <a:rPr lang="en-US" sz="3600" b="1">
+              <a:rPr lang="en-US" sz="3600" b="1" dirty="0">
                 <a:solidFill>
                   <a:schemeClr val="dk1"/>
                 </a:solidFill>
@@ -24209,7 +24209,7 @@
               </a:rPr>
               <a:t>From the start</a:t>
             </a:r>
-            <a:endParaRPr/>
+            <a:endParaRPr dirty="0"/>
           </a:p>
         </p:txBody>
       </p:sp>
@@ -24256,7 +24256,7 @@
               <a:buNone/>
             </a:pPr>
             <a:r>
-              <a:rPr lang="en-US" sz="3600">
+              <a:rPr lang="en-US" sz="3600" dirty="0">
                 <a:solidFill>
                   <a:schemeClr val="dk1"/>
                 </a:solidFill>
@@ -24267,7 +24267,7 @@
               </a:rPr>
               <a:t>b = “Hello World!”</a:t>
             </a:r>
-            <a:endParaRPr/>
+            <a:endParaRPr dirty="0"/>
           </a:p>
           <a:p>
             <a:pPr marL="0" marR="0" lvl="0" indent="0" algn="l" rtl="0">
@@ -24288,7 +24288,7 @@
               <a:buNone/>
             </a:pPr>
             <a:r>
-              <a:rPr lang="en-US" sz="3600">
+              <a:rPr lang="en-US" sz="3600" dirty="0">
                 <a:solidFill>
                   <a:schemeClr val="dk1"/>
                 </a:solidFill>
@@ -24299,7 +24299,7 @@
               </a:rPr>
               <a:t>print(b[:5])</a:t>
             </a:r>
-            <a:endParaRPr/>
+            <a:endParaRPr dirty="0"/>
           </a:p>
         </p:txBody>
       </p:sp>
@@ -24392,7 +24392,7 @@
               <a:buNone/>
             </a:pPr>
             <a:r>
-              <a:rPr lang="en-US" sz="1800">
+              <a:rPr lang="en-US" sz="1800" dirty="0">
                 <a:solidFill>
                   <a:schemeClr val="dk1"/>
                 </a:solidFill>
@@ -24403,7 +24403,7 @@
               </a:rPr>
               <a:t>Ranges start at the number on the left but doesn’t include the number on the right.</a:t>
             </a:r>
-            <a:endParaRPr/>
+            <a:endParaRPr dirty="0"/>
           </a:p>
         </p:txBody>
       </p:sp>
@@ -24496,7 +24496,7 @@
               <a:buNone/>
             </a:pPr>
             <a:r>
-              <a:rPr lang="en-US" sz="1800">
+              <a:rPr lang="en-US" sz="1800" dirty="0">
                 <a:solidFill>
                   <a:schemeClr val="dk1"/>
                 </a:solidFill>
@@ -24507,7 +24507,7 @@
               </a:rPr>
               <a:t>No number on the </a:t>
             </a:r>
-            <a:endParaRPr/>
+            <a:endParaRPr dirty="0"/>
           </a:p>
           <a:p>
             <a:pPr marL="0" marR="0" lvl="0" indent="0" algn="l" rtl="0">
@@ -24520,7 +24520,7 @@
               <a:buNone/>
             </a:pPr>
             <a:r>
-              <a:rPr lang="en-US" sz="1800">
+              <a:rPr lang="en-US" sz="1800" dirty="0">
                 <a:solidFill>
                   <a:schemeClr val="dk1"/>
                 </a:solidFill>
@@ -24531,7 +24531,7 @@
               </a:rPr>
               <a:t>left? Means count </a:t>
             </a:r>
-            <a:endParaRPr/>
+            <a:endParaRPr dirty="0"/>
           </a:p>
           <a:p>
             <a:pPr marL="0" marR="0" lvl="0" indent="0" algn="l" rtl="0">
@@ -24544,7 +24544,7 @@
               <a:buNone/>
             </a:pPr>
             <a:r>
-              <a:rPr lang="en-US" sz="1800">
+              <a:rPr lang="en-US" sz="1800" dirty="0">
                 <a:solidFill>
                   <a:schemeClr val="dk1"/>
                 </a:solidFill>
@@ -24555,7 +24555,7 @@
               </a:rPr>
               <a:t>starts at the </a:t>
             </a:r>
-            <a:endParaRPr/>
+            <a:endParaRPr dirty="0"/>
           </a:p>
           <a:p>
             <a:pPr marL="0" marR="0" lvl="0" indent="0" algn="l" rtl="0">
@@ -24568,7 +24568,7 @@
               <a:buNone/>
             </a:pPr>
             <a:r>
-              <a:rPr lang="en-US" sz="1800">
+              <a:rPr lang="en-US" sz="1800" dirty="0">
                 <a:solidFill>
                   <a:schemeClr val="dk1"/>
                 </a:solidFill>
@@ -24579,7 +24579,7 @@
               </a:rPr>
               <a:t>beginning.</a:t>
             </a:r>
-            <a:endParaRPr/>
+            <a:endParaRPr dirty="0"/>
           </a:p>
         </p:txBody>
       </p:sp>
@@ -25320,7 +25320,7 @@
               <a:buNone/>
             </a:pPr>
             <a:r>
-              <a:rPr lang="en-US" sz="3600">
+              <a:rPr lang="en-US" sz="3600" dirty="0">
                 <a:solidFill>
                   <a:schemeClr val="dk1"/>
                 </a:solidFill>
@@ -25331,7 +25331,7 @@
               </a:rPr>
               <a:t>b=“Hello World!”</a:t>
             </a:r>
-            <a:endParaRPr/>
+            <a:endParaRPr dirty="0"/>
           </a:p>
           <a:p>
             <a:pPr marL="0" marR="0" lvl="0" indent="0" algn="l" rtl="0">
@@ -25352,7 +25352,7 @@
               <a:buNone/>
             </a:pPr>
             <a:r>
-              <a:rPr lang="en-US" sz="3600">
+              <a:rPr lang="en-US" sz="3600" dirty="0">
                 <a:solidFill>
                   <a:schemeClr val="dk1"/>
                 </a:solidFill>
@@ -25363,7 +25363,7 @@
               </a:rPr>
               <a:t>print(b[2:])</a:t>
             </a:r>
-            <a:endParaRPr/>
+            <a:endParaRPr dirty="0"/>
           </a:p>
         </p:txBody>
       </p:sp>
@@ -25410,7 +25410,7 @@
               <a:buNone/>
             </a:pPr>
             <a:r>
-              <a:rPr lang="en-US" sz="3600" b="1">
+              <a:rPr lang="en-US" sz="3600" b="1" dirty="0">
                 <a:solidFill>
                   <a:schemeClr val="dk1"/>
                 </a:solidFill>
@@ -25421,7 +25421,7 @@
               </a:rPr>
               <a:t>Slicing to the end</a:t>
             </a:r>
-            <a:endParaRPr/>
+            <a:endParaRPr dirty="0"/>
           </a:p>
         </p:txBody>
       </p:sp>
@@ -25468,7 +25468,7 @@
               <a:buNone/>
             </a:pPr>
             <a:r>
-              <a:rPr lang="en-US" sz="3600">
+              <a:rPr lang="en-US" sz="3600" dirty="0">
                 <a:solidFill>
                   <a:schemeClr val="dk1"/>
                 </a:solidFill>
@@ -25479,7 +25479,7 @@
               </a:rPr>
               <a:t>b=“Hello World!”</a:t>
             </a:r>
-            <a:endParaRPr/>
+            <a:endParaRPr dirty="0"/>
           </a:p>
           <a:p>
             <a:pPr marL="0" marR="0" lvl="0" indent="0" algn="l" rtl="0">
@@ -25500,7 +25500,7 @@
               <a:buNone/>
             </a:pPr>
             <a:r>
-              <a:rPr lang="en-US" sz="3600">
+              <a:rPr lang="en-US" sz="3600" dirty="0">
                 <a:solidFill>
                   <a:schemeClr val="dk1"/>
                 </a:solidFill>
@@ -25511,7 +25511,7 @@
               </a:rPr>
               <a:t>print(b[-5:-2])</a:t>
             </a:r>
-            <a:endParaRPr/>
+            <a:endParaRPr dirty="0"/>
           </a:p>
           <a:p>
             <a:pPr marL="0" marR="0" lvl="0" indent="0" algn="l" rtl="0">
@@ -25531,7 +25531,7 @@
               <a:buFont typeface="Arial"/>
               <a:buNone/>
             </a:pPr>
-            <a:endParaRPr sz="3600">
+            <a:endParaRPr sz="3600" dirty="0">
               <a:solidFill>
                 <a:schemeClr val="dk1"/>
               </a:solidFill>
@@ -25586,7 +25586,7 @@
               <a:buNone/>
             </a:pPr>
             <a:r>
-              <a:rPr lang="en-US" sz="3600" b="1">
+              <a:rPr lang="en-US" sz="3600" b="1" dirty="0">
                 <a:solidFill>
                   <a:schemeClr val="dk1"/>
                 </a:solidFill>
@@ -25597,7 +25597,7 @@
               </a:rPr>
               <a:t>Negative Indexing</a:t>
             </a:r>
-            <a:endParaRPr/>
+            <a:endParaRPr dirty="0"/>
           </a:p>
         </p:txBody>
       </p:sp>
@@ -25818,7 +25818,7 @@
               <a:buNone/>
             </a:pPr>
             <a:r>
-              <a:rPr lang="en-US" sz="2800">
+              <a:rPr lang="en-US" sz="2800" dirty="0">
                 <a:solidFill>
                   <a:schemeClr val="dk1"/>
                 </a:solidFill>
@@ -25829,7 +25829,7 @@
               </a:rPr>
               <a:t>Count back 5</a:t>
             </a:r>
-            <a:endParaRPr/>
+            <a:endParaRPr dirty="0"/>
           </a:p>
           <a:p>
             <a:pPr marL="0" marR="0" lvl="0" indent="0" algn="l" rtl="0">
@@ -25842,7 +25842,7 @@
               <a:buNone/>
             </a:pPr>
             <a:r>
-              <a:rPr lang="en-US" sz="2800">
+              <a:rPr lang="en-US" sz="2800" dirty="0">
                 <a:solidFill>
                   <a:schemeClr val="dk1"/>
                 </a:solidFill>
@@ -25853,7 +25853,7 @@
               </a:rPr>
               <a:t>DO NOT include </a:t>
             </a:r>
-            <a:endParaRPr/>
+            <a:endParaRPr dirty="0"/>
           </a:p>
           <a:p>
             <a:pPr marL="0" marR="0" lvl="0" indent="0" algn="l" rtl="0">
@@ -25866,7 +25866,7 @@
               <a:buNone/>
             </a:pPr>
             <a:r>
-              <a:rPr lang="en-US" sz="2800">
+              <a:rPr lang="en-US" sz="2800" dirty="0">
                 <a:solidFill>
                   <a:schemeClr val="dk1"/>
                 </a:solidFill>
@@ -25877,7 +25877,7 @@
               </a:rPr>
               <a:t>the last 2</a:t>
             </a:r>
-            <a:endParaRPr/>
+            <a:endParaRPr dirty="0"/>
           </a:p>
         </p:txBody>
       </p:sp>
@@ -31116,10 +31116,10 @@
               <a:buNone/>
             </a:pPr>
             <a:r>
-              <a:rPr lang="en-US" sz="6000" b="1"/>
+              <a:rPr lang="en-US" sz="6000" b="1" dirty="0"/>
               <a:t>Variable Names</a:t>
             </a:r>
-            <a:endParaRPr/>
+            <a:endParaRPr dirty="0"/>
           </a:p>
         </p:txBody>
       </p:sp>
@@ -31169,10 +31169,10 @@
               <a:buChar char="•"/>
             </a:pPr>
             <a:r>
-              <a:rPr lang="en-US" sz="4000"/>
+              <a:rPr lang="en-US" sz="4000" dirty="0"/>
               <a:t>Containers for storing data values</a:t>
             </a:r>
-            <a:endParaRPr/>
+            <a:endParaRPr dirty="0"/>
           </a:p>
           <a:p>
             <a:pPr marL="228600" lvl="0" indent="-254000" algn="l" rtl="0">
@@ -31192,10 +31192,10 @@
               <a:buChar char="•"/>
             </a:pPr>
             <a:r>
-              <a:rPr lang="en-US" sz="4000"/>
+              <a:rPr lang="en-US" sz="4000" dirty="0"/>
               <a:t>No command for declaring a variable</a:t>
             </a:r>
-            <a:endParaRPr/>
+            <a:endParaRPr dirty="0"/>
           </a:p>
           <a:p>
             <a:pPr marL="228600" lvl="0" indent="-254000" algn="l" rtl="0">
@@ -31215,10 +31215,10 @@
               <a:buChar char="•"/>
             </a:pPr>
             <a:r>
-              <a:rPr lang="en-US" sz="4000"/>
+              <a:rPr lang="en-US" sz="4000" dirty="0"/>
               <a:t>YOU create it as soon as you assign a value to it!</a:t>
             </a:r>
-            <a:endParaRPr/>
+            <a:endParaRPr dirty="0"/>
           </a:p>
         </p:txBody>
       </p:sp>
@@ -31251,7 +31251,7 @@
           </a:bodyPr>
           <a:lstStyle/>
           <a:p>
-            <a:pPr marL="228600" lvl="0" indent="-254000" algn="l" rtl="0">
+            <a:pPr marL="0" lvl="0" indent="0" algn="l" rtl="0">
               <a:lnSpc>
                 <a:spcPct val="90000"/>
               </a:lnSpc>
@@ -31265,36 +31265,13 @@
                 <a:schemeClr val="dk1"/>
               </a:buClr>
               <a:buSzPts val="4000"/>
-              <a:buChar char="•"/>
+              <a:buNone/>
             </a:pPr>
             <a:r>
-              <a:rPr lang="en-US" sz="4000"/>
-              <a:t> x = 8</a:t>
+              <a:rPr lang="en-US" sz="4000" dirty="0"/>
+              <a:t>x = 8</a:t>
             </a:r>
-            <a:endParaRPr/>
-          </a:p>
-          <a:p>
-            <a:pPr marL="228600" lvl="0" indent="-254000" algn="l" rtl="0">
-              <a:lnSpc>
-                <a:spcPct val="90000"/>
-              </a:lnSpc>
-              <a:spcBef>
-                <a:spcPts val="1000"/>
-              </a:spcBef>
-              <a:spcAft>
-                <a:spcPts val="0"/>
-              </a:spcAft>
-              <a:buClr>
-                <a:schemeClr val="dk1"/>
-              </a:buClr>
-              <a:buSzPts val="4000"/>
-              <a:buChar char="•"/>
-            </a:pPr>
-            <a:r>
-              <a:rPr lang="en-US" sz="4000"/>
-              <a:t> y = brothers</a:t>
-            </a:r>
-            <a:endParaRPr/>
+            <a:endParaRPr dirty="0"/>
           </a:p>
           <a:p>
             <a:pPr marL="0" lvl="0" indent="0" algn="l" rtl="0">
@@ -31314,10 +31291,10 @@
               <a:buNone/>
             </a:pPr>
             <a:r>
-              <a:rPr lang="en-US" sz="4000"/>
-              <a:t>print(x)</a:t>
+              <a:rPr lang="en-US" sz="4000" dirty="0"/>
+              <a:t>y = brothers</a:t>
             </a:r>
-            <a:endParaRPr/>
+            <a:endParaRPr dirty="0"/>
           </a:p>
           <a:p>
             <a:pPr marL="0" lvl="0" indent="0" algn="l" rtl="0">
@@ -31337,10 +31314,33 @@
               <a:buNone/>
             </a:pPr>
             <a:r>
-              <a:rPr lang="en-US" sz="4000"/>
+              <a:rPr lang="en-US" sz="4000" dirty="0"/>
+              <a:t>print(x)</a:t>
+            </a:r>
+            <a:endParaRPr dirty="0"/>
+          </a:p>
+          <a:p>
+            <a:pPr marL="0" lvl="0" indent="0" algn="l" rtl="0">
+              <a:lnSpc>
+                <a:spcPct val="90000"/>
+              </a:lnSpc>
+              <a:spcBef>
+                <a:spcPts val="1000"/>
+              </a:spcBef>
+              <a:spcAft>
+                <a:spcPts val="0"/>
+              </a:spcAft>
+              <a:buClr>
+                <a:schemeClr val="dk1"/>
+              </a:buClr>
+              <a:buSzPts val="4000"/>
+              <a:buNone/>
+            </a:pPr>
+            <a:r>
+              <a:rPr lang="en-US" sz="4000" dirty="0"/>
               <a:t>print(y)</a:t>
             </a:r>
-            <a:endParaRPr/>
+            <a:endParaRPr dirty="0"/>
           </a:p>
         </p:txBody>
       </p:sp>
@@ -32001,10 +32001,10 @@
               <a:buNone/>
             </a:pPr>
             <a:r>
-              <a:rPr lang="en-US" sz="6000" b="1"/>
+              <a:rPr lang="en-US" sz="6000" b="1" dirty="0"/>
               <a:t>Multi Word Variable Names</a:t>
             </a:r>
-            <a:endParaRPr/>
+            <a:endParaRPr dirty="0"/>
           </a:p>
         </p:txBody>
       </p:sp>
@@ -32054,10 +32054,10 @@
               <a:buNone/>
             </a:pPr>
             <a:r>
-              <a:rPr lang="en-US"/>
+              <a:rPr lang="en-US" sz="3600" dirty="0"/>
               <a:t>fruits = [“apple”, “banana”, “cherry”]</a:t>
             </a:r>
-            <a:endParaRPr/>
+            <a:endParaRPr sz="3600" dirty="0"/>
           </a:p>
           <a:p>
             <a:pPr marL="0" lvl="0" indent="0" algn="l" rtl="0">
@@ -32077,10 +32077,10 @@
               <a:buNone/>
             </a:pPr>
             <a:r>
-              <a:rPr lang="en-US"/>
+              <a:rPr lang="en-US" sz="3600" dirty="0"/>
               <a:t>x = y = z = fruits </a:t>
             </a:r>
-            <a:endParaRPr/>
+            <a:endParaRPr sz="3600" dirty="0"/>
           </a:p>
           <a:p>
             <a:pPr marL="0" lvl="0" indent="0" algn="l" rtl="0">
@@ -32100,10 +32100,10 @@
               <a:buNone/>
             </a:pPr>
             <a:r>
-              <a:rPr lang="en-US"/>
+              <a:rPr lang="en-US" sz="3600" dirty="0"/>
               <a:t>print(x)</a:t>
             </a:r>
-            <a:endParaRPr/>
+            <a:endParaRPr sz="3600" dirty="0"/>
           </a:p>
           <a:p>
             <a:pPr marL="0" lvl="0" indent="0" algn="l" rtl="0">
@@ -32123,10 +32123,10 @@
               <a:buNone/>
             </a:pPr>
             <a:r>
-              <a:rPr lang="en-US"/>
+              <a:rPr lang="en-US" sz="3600" dirty="0"/>
               <a:t>print(y)</a:t>
             </a:r>
-            <a:endParaRPr/>
+            <a:endParaRPr sz="3600" dirty="0"/>
           </a:p>
           <a:p>
             <a:pPr marL="0" lvl="0" indent="0" algn="l" rtl="0">
@@ -32146,29 +32146,10 @@
               <a:buNone/>
             </a:pPr>
             <a:r>
-              <a:rPr lang="en-US"/>
+              <a:rPr lang="en-US" sz="3600" dirty="0"/>
               <a:t>print(z)</a:t>
             </a:r>
-            <a:endParaRPr/>
-          </a:p>
-          <a:p>
-            <a:pPr marL="0" lvl="0" indent="0" algn="l" rtl="0">
-              <a:lnSpc>
-                <a:spcPct val="90000"/>
-              </a:lnSpc>
-              <a:spcBef>
-                <a:spcPts val="1000"/>
-              </a:spcBef>
-              <a:spcAft>
-                <a:spcPts val="0"/>
-              </a:spcAft>
-              <a:buClr>
-                <a:schemeClr val="dk1"/>
-              </a:buClr>
-              <a:buSzPts val="2800"/>
-              <a:buNone/>
-            </a:pPr>
-            <a:endParaRPr/>
+            <a:endParaRPr sz="3600" dirty="0"/>
           </a:p>
         </p:txBody>
       </p:sp>
@@ -32197,7 +32178,7 @@
         </p:spPr>
         <p:txBody>
           <a:bodyPr spcFirstLastPara="1" wrap="square" lIns="91425" tIns="45700" rIns="91425" bIns="45700" anchor="t" anchorCtr="0">
-            <a:normAutofit/>
+            <a:noAutofit/>
           </a:bodyPr>
           <a:lstStyle/>
           <a:p>
@@ -32218,10 +32199,9 @@
               <a:buNone/>
             </a:pPr>
             <a:r>
-              <a:rPr lang="en-US"/>
+              <a:rPr lang="en-US" sz="4000" dirty="0"/>
               <a:t>x, y, z = “Orange”, “Banana”, “Cherry”</a:t>
             </a:r>
-            <a:endParaRPr/>
           </a:p>
           <a:p>
             <a:pPr marL="0" lvl="0" indent="0" algn="l" rtl="0">
@@ -32229,7 +32209,7 @@
                 <a:spcPct val="90000"/>
               </a:lnSpc>
               <a:spcBef>
-                <a:spcPts val="1000"/>
+                <a:spcPts val="0"/>
               </a:spcBef>
               <a:spcAft>
                 <a:spcPts val="0"/>
@@ -32240,11 +32220,7 @@
               <a:buSzPts val="2800"/>
               <a:buNone/>
             </a:pPr>
-            <a:r>
-              <a:rPr lang="en-US"/>
-              <a:t>print(x)</a:t>
-            </a:r>
-            <a:endParaRPr/>
+            <a:endParaRPr sz="4000" dirty="0"/>
           </a:p>
           <a:p>
             <a:pPr marL="0" lvl="0" indent="0" algn="l" rtl="0">
@@ -32264,10 +32240,10 @@
               <a:buNone/>
             </a:pPr>
             <a:r>
-              <a:rPr lang="en-US"/>
-              <a:t>print(y)</a:t>
+              <a:rPr lang="en-US" sz="4000" dirty="0"/>
+              <a:t>print(x, y, z)</a:t>
             </a:r>
-            <a:endParaRPr/>
+            <a:endParaRPr sz="4000" dirty="0"/>
           </a:p>
           <a:p>
             <a:pPr marL="0" lvl="0" indent="0" algn="l" rtl="0">
@@ -32286,11 +32262,7 @@
               <a:buSzPts val="2800"/>
               <a:buNone/>
             </a:pPr>
-            <a:r>
-              <a:rPr lang="en-US"/>
-              <a:t>print(z)</a:t>
-            </a:r>
-            <a:endParaRPr/>
+            <a:endParaRPr sz="4000" dirty="0"/>
           </a:p>
           <a:p>
             <a:pPr marL="0" lvl="0" indent="0" algn="l" rtl="0">
@@ -32309,7 +32281,19 @@
               <a:buSzPts val="2800"/>
               <a:buNone/>
             </a:pPr>
-            <a:endParaRPr/>
+            <a:r>
+              <a:rPr lang="en-US" sz="4000" dirty="0"/>
+              <a:t>g = h = </a:t>
+            </a:r>
+            <a:r>
+              <a:rPr lang="en-US" sz="4000" dirty="0" err="1"/>
+              <a:t>i</a:t>
+            </a:r>
+            <a:r>
+              <a:rPr lang="en-US" sz="4000" dirty="0"/>
+              <a:t> = “Orange”</a:t>
+            </a:r>
+            <a:endParaRPr sz="4000" dirty="0"/>
           </a:p>
           <a:p>
             <a:pPr marL="0" lvl="0" indent="0" algn="l" rtl="0">
@@ -32329,79 +32313,18 @@
               <a:buNone/>
             </a:pPr>
             <a:r>
-              <a:rPr lang="en-US"/>
-              <a:t>x = y = z = “Orange”</a:t>
+              <a:rPr lang="en-US" sz="4000" dirty="0"/>
+              <a:t>print(g, h, </a:t>
             </a:r>
-            <a:endParaRPr/>
-          </a:p>
-          <a:p>
-            <a:pPr marL="0" lvl="0" indent="0" algn="l" rtl="0">
-              <a:lnSpc>
-                <a:spcPct val="90000"/>
-              </a:lnSpc>
-              <a:spcBef>
-                <a:spcPts val="1000"/>
-              </a:spcBef>
-              <a:spcAft>
-                <a:spcPts val="0"/>
-              </a:spcAft>
-              <a:buClr>
-                <a:schemeClr val="dk1"/>
-              </a:buClr>
-              <a:buSzPts val="2800"/>
-              <a:buNone/>
-            </a:pPr>
             <a:r>
-              <a:rPr lang="en-US"/>
-              <a:t>print(x)</a:t>
+              <a:rPr lang="en-US" sz="4000" dirty="0" err="1"/>
+              <a:t>i</a:t>
             </a:r>
-            <a:endParaRPr/>
-          </a:p>
-          <a:p>
-            <a:pPr marL="0" lvl="0" indent="0" algn="l" rtl="0">
-              <a:lnSpc>
-                <a:spcPct val="90000"/>
-              </a:lnSpc>
-              <a:spcBef>
-                <a:spcPts val="1000"/>
-              </a:spcBef>
-              <a:spcAft>
-                <a:spcPts val="0"/>
-              </a:spcAft>
-              <a:buClr>
-                <a:schemeClr val="dk1"/>
-              </a:buClr>
-              <a:buSzPts val="2800"/>
-              <a:buNone/>
-            </a:pPr>
             <a:r>
-              <a:rPr lang="en-US"/>
-              <a:t>print(y)</a:t>
+              <a:rPr lang="en-US" sz="4000" dirty="0"/>
+              <a:t>)</a:t>
             </a:r>
-            <a:endParaRPr/>
-          </a:p>
-          <a:p>
-            <a:pPr marL="0" lvl="0" indent="0" algn="l" rtl="0">
-              <a:lnSpc>
-                <a:spcPct val="90000"/>
-              </a:lnSpc>
-              <a:spcBef>
-                <a:spcPts val="1000"/>
-              </a:spcBef>
-              <a:spcAft>
-                <a:spcPts val="0"/>
-              </a:spcAft>
-              <a:buClr>
-                <a:schemeClr val="dk1"/>
-              </a:buClr>
-              <a:buSzPts val="2800"/>
-              <a:buNone/>
-            </a:pPr>
-            <a:r>
-              <a:rPr lang="en-US"/>
-              <a:t>print(z)</a:t>
-            </a:r>
-            <a:endParaRPr/>
+            <a:endParaRPr sz="4000" dirty="0"/>
           </a:p>
         </p:txBody>
       </p:sp>
@@ -32836,9 +32759,9 @@
                                           </p:stCondLst>
                                         </p:cTn>
                                         <p:tgtEl>
-                                          <p:spTgt spid="179">
+                                          <p:spTgt spid="180">
                                             <p:txEl>
-                                              <p:pRg st="5" end="5"/>
+                                              <p:pRg st="0" end="0"/>
                                             </p:txEl>
                                           </p:spTgt>
                                         </p:tgtEl>
@@ -32854,9 +32777,9 @@
                                       <p:cBhvr additive="base">
                                         <p:cTn id="32" dur="500"/>
                                         <p:tgtEl>
-                                          <p:spTgt spid="179">
+                                          <p:spTgt spid="180">
                                             <p:txEl>
-                                              <p:pRg st="5" end="5"/>
+                                              <p:pRg st="0" end="0"/>
                                             </p:txEl>
                                           </p:spTgt>
                                         </p:tgtEl>
@@ -32914,7 +32837,7 @@
                                         <p:tgtEl>
                                           <p:spTgt spid="180">
                                             <p:txEl>
-                                              <p:pRg st="0" end="0"/>
+                                              <p:pRg st="2" end="2"/>
                                             </p:txEl>
                                           </p:spTgt>
                                         </p:tgtEl>
@@ -32932,7 +32855,7 @@
                                         <p:tgtEl>
                                           <p:spTgt spid="180">
                                             <p:txEl>
-                                              <p:pRg st="0" end="0"/>
+                                              <p:pRg st="2" end="2"/>
                                             </p:txEl>
                                           </p:spTgt>
                                         </p:tgtEl>
@@ -32990,7 +32913,7 @@
                                         <p:tgtEl>
                                           <p:spTgt spid="180">
                                             <p:txEl>
-                                              <p:pRg st="1" end="1"/>
+                                              <p:pRg st="4" end="4"/>
                                             </p:txEl>
                                           </p:spTgt>
                                         </p:tgtEl>
@@ -33008,7 +32931,7 @@
                                         <p:tgtEl>
                                           <p:spTgt spid="180">
                                             <p:txEl>
-                                              <p:pRg st="1" end="1"/>
+                                              <p:pRg st="4" end="4"/>
                                             </p:txEl>
                                           </p:spTgt>
                                         </p:tgtEl>
@@ -33066,7 +32989,7 @@
                                         <p:tgtEl>
                                           <p:spTgt spid="180">
                                             <p:txEl>
-                                              <p:pRg st="2" end="2"/>
+                                              <p:pRg st="5" end="5"/>
                                             </p:txEl>
                                           </p:spTgt>
                                         </p:tgtEl>
@@ -33084,463 +33007,7 @@
                                         <p:tgtEl>
                                           <p:spTgt spid="180">
                                             <p:txEl>
-                                              <p:pRg st="2" end="2"/>
-                                            </p:txEl>
-                                          </p:spTgt>
-                                        </p:tgtEl>
-                                        <p:attrNameLst>
-                                          <p:attrName>ppt_y</p:attrName>
-                                        </p:attrNameLst>
-                                      </p:cBhvr>
-                                      <p:tavLst>
-                                        <p:tav tm="0">
-                                          <p:val>
-                                            <p:strVal val="#ppt_y+1"/>
-                                          </p:val>
-                                        </p:tav>
-                                        <p:tav tm="100000">
-                                          <p:val>
-                                            <p:strVal val="#ppt_y"/>
-                                          </p:val>
-                                        </p:tav>
-                                      </p:tavLst>
-                                    </p:anim>
-                                  </p:childTnLst>
-                                </p:cTn>
-                              </p:par>
-                            </p:childTnLst>
-                          </p:cTn>
-                        </p:par>
-                      </p:childTnLst>
-                    </p:cTn>
-                  </p:par>
-                  <p:par>
-                    <p:cTn id="48" fill="hold">
-                      <p:stCondLst>
-                        <p:cond delay="indefinite"/>
-                      </p:stCondLst>
-                      <p:childTnLst>
-                        <p:par>
-                          <p:cTn id="49" fill="hold">
-                            <p:stCondLst>
-                              <p:cond delay="0"/>
-                            </p:stCondLst>
-                            <p:childTnLst>
-                              <p:par>
-                                <p:cTn id="50" presetID="2" presetClass="entr" presetSubtype="4" fill="hold" nodeType="clickEffect">
-                                  <p:stCondLst>
-                                    <p:cond delay="0"/>
-                                  </p:stCondLst>
-                                  <p:childTnLst>
-                                    <p:set>
-                                      <p:cBhvr>
-                                        <p:cTn id="51" dur="1" fill="hold">
-                                          <p:stCondLst>
-                                            <p:cond delay="0"/>
-                                          </p:stCondLst>
-                                        </p:cTn>
-                                        <p:tgtEl>
-                                          <p:spTgt spid="180">
-                                            <p:txEl>
-                                              <p:pRg st="3" end="3"/>
-                                            </p:txEl>
-                                          </p:spTgt>
-                                        </p:tgtEl>
-                                        <p:attrNameLst>
-                                          <p:attrName>style.visibility</p:attrName>
-                                        </p:attrNameLst>
-                                      </p:cBhvr>
-                                      <p:to>
-                                        <p:strVal val="visible"/>
-                                      </p:to>
-                                    </p:set>
-                                    <p:anim calcmode="lin" valueType="num">
-                                      <p:cBhvr additive="base">
-                                        <p:cTn id="52" dur="500"/>
-                                        <p:tgtEl>
-                                          <p:spTgt spid="180">
-                                            <p:txEl>
-                                              <p:pRg st="3" end="3"/>
-                                            </p:txEl>
-                                          </p:spTgt>
-                                        </p:tgtEl>
-                                        <p:attrNameLst>
-                                          <p:attrName>ppt_y</p:attrName>
-                                        </p:attrNameLst>
-                                      </p:cBhvr>
-                                      <p:tavLst>
-                                        <p:tav tm="0">
-                                          <p:val>
-                                            <p:strVal val="#ppt_y+1"/>
-                                          </p:val>
-                                        </p:tav>
-                                        <p:tav tm="100000">
-                                          <p:val>
-                                            <p:strVal val="#ppt_y"/>
-                                          </p:val>
-                                        </p:tav>
-                                      </p:tavLst>
-                                    </p:anim>
-                                  </p:childTnLst>
-                                </p:cTn>
-                              </p:par>
-                            </p:childTnLst>
-                          </p:cTn>
-                        </p:par>
-                      </p:childTnLst>
-                    </p:cTn>
-                  </p:par>
-                  <p:par>
-                    <p:cTn id="53" fill="hold">
-                      <p:stCondLst>
-                        <p:cond delay="indefinite"/>
-                      </p:stCondLst>
-                      <p:childTnLst>
-                        <p:par>
-                          <p:cTn id="54" fill="hold">
-                            <p:stCondLst>
-                              <p:cond delay="0"/>
-                            </p:stCondLst>
-                            <p:childTnLst>
-                              <p:par>
-                                <p:cTn id="55" presetID="2" presetClass="entr" presetSubtype="4" fill="hold" nodeType="clickEffect">
-                                  <p:stCondLst>
-                                    <p:cond delay="0"/>
-                                  </p:stCondLst>
-                                  <p:childTnLst>
-                                    <p:set>
-                                      <p:cBhvr>
-                                        <p:cTn id="56" dur="1" fill="hold">
-                                          <p:stCondLst>
-                                            <p:cond delay="0"/>
-                                          </p:stCondLst>
-                                        </p:cTn>
-                                        <p:tgtEl>
-                                          <p:spTgt spid="180">
-                                            <p:txEl>
-                                              <p:pRg st="4" end="4"/>
-                                            </p:txEl>
-                                          </p:spTgt>
-                                        </p:tgtEl>
-                                        <p:attrNameLst>
-                                          <p:attrName>style.visibility</p:attrName>
-                                        </p:attrNameLst>
-                                      </p:cBhvr>
-                                      <p:to>
-                                        <p:strVal val="visible"/>
-                                      </p:to>
-                                    </p:set>
-                                    <p:anim calcmode="lin" valueType="num">
-                                      <p:cBhvr additive="base">
-                                        <p:cTn id="57" dur="500"/>
-                                        <p:tgtEl>
-                                          <p:spTgt spid="180">
-                                            <p:txEl>
-                                              <p:pRg st="4" end="4"/>
-                                            </p:txEl>
-                                          </p:spTgt>
-                                        </p:tgtEl>
-                                        <p:attrNameLst>
-                                          <p:attrName>ppt_y</p:attrName>
-                                        </p:attrNameLst>
-                                      </p:cBhvr>
-                                      <p:tavLst>
-                                        <p:tav tm="0">
-                                          <p:val>
-                                            <p:strVal val="#ppt_y+1"/>
-                                          </p:val>
-                                        </p:tav>
-                                        <p:tav tm="100000">
-                                          <p:val>
-                                            <p:strVal val="#ppt_y"/>
-                                          </p:val>
-                                        </p:tav>
-                                      </p:tavLst>
-                                    </p:anim>
-                                  </p:childTnLst>
-                                </p:cTn>
-                              </p:par>
-                            </p:childTnLst>
-                          </p:cTn>
-                        </p:par>
-                      </p:childTnLst>
-                    </p:cTn>
-                  </p:par>
-                  <p:par>
-                    <p:cTn id="58" fill="hold">
-                      <p:stCondLst>
-                        <p:cond delay="indefinite"/>
-                      </p:stCondLst>
-                      <p:childTnLst>
-                        <p:par>
-                          <p:cTn id="59" fill="hold">
-                            <p:stCondLst>
-                              <p:cond delay="0"/>
-                            </p:stCondLst>
-                            <p:childTnLst>
-                              <p:par>
-                                <p:cTn id="60" presetID="2" presetClass="entr" presetSubtype="4" fill="hold" nodeType="clickEffect">
-                                  <p:stCondLst>
-                                    <p:cond delay="0"/>
-                                  </p:stCondLst>
-                                  <p:childTnLst>
-                                    <p:set>
-                                      <p:cBhvr>
-                                        <p:cTn id="61" dur="1" fill="hold">
-                                          <p:stCondLst>
-                                            <p:cond delay="0"/>
-                                          </p:stCondLst>
-                                        </p:cTn>
-                                        <p:tgtEl>
-                                          <p:spTgt spid="180">
-                                            <p:txEl>
                                               <p:pRg st="5" end="5"/>
-                                            </p:txEl>
-                                          </p:spTgt>
-                                        </p:tgtEl>
-                                        <p:attrNameLst>
-                                          <p:attrName>style.visibility</p:attrName>
-                                        </p:attrNameLst>
-                                      </p:cBhvr>
-                                      <p:to>
-                                        <p:strVal val="visible"/>
-                                      </p:to>
-                                    </p:set>
-                                    <p:anim calcmode="lin" valueType="num">
-                                      <p:cBhvr additive="base">
-                                        <p:cTn id="62" dur="500"/>
-                                        <p:tgtEl>
-                                          <p:spTgt spid="180">
-                                            <p:txEl>
-                                              <p:pRg st="5" end="5"/>
-                                            </p:txEl>
-                                          </p:spTgt>
-                                        </p:tgtEl>
-                                        <p:attrNameLst>
-                                          <p:attrName>ppt_y</p:attrName>
-                                        </p:attrNameLst>
-                                      </p:cBhvr>
-                                      <p:tavLst>
-                                        <p:tav tm="0">
-                                          <p:val>
-                                            <p:strVal val="#ppt_y+1"/>
-                                          </p:val>
-                                        </p:tav>
-                                        <p:tav tm="100000">
-                                          <p:val>
-                                            <p:strVal val="#ppt_y"/>
-                                          </p:val>
-                                        </p:tav>
-                                      </p:tavLst>
-                                    </p:anim>
-                                  </p:childTnLst>
-                                </p:cTn>
-                              </p:par>
-                            </p:childTnLst>
-                          </p:cTn>
-                        </p:par>
-                      </p:childTnLst>
-                    </p:cTn>
-                  </p:par>
-                  <p:par>
-                    <p:cTn id="63" fill="hold">
-                      <p:stCondLst>
-                        <p:cond delay="indefinite"/>
-                      </p:stCondLst>
-                      <p:childTnLst>
-                        <p:par>
-                          <p:cTn id="64" fill="hold">
-                            <p:stCondLst>
-                              <p:cond delay="0"/>
-                            </p:stCondLst>
-                            <p:childTnLst>
-                              <p:par>
-                                <p:cTn id="65" presetID="2" presetClass="entr" presetSubtype="4" fill="hold" nodeType="clickEffect">
-                                  <p:stCondLst>
-                                    <p:cond delay="0"/>
-                                  </p:stCondLst>
-                                  <p:childTnLst>
-                                    <p:set>
-                                      <p:cBhvr>
-                                        <p:cTn id="66" dur="1" fill="hold">
-                                          <p:stCondLst>
-                                            <p:cond delay="0"/>
-                                          </p:stCondLst>
-                                        </p:cTn>
-                                        <p:tgtEl>
-                                          <p:spTgt spid="180">
-                                            <p:txEl>
-                                              <p:pRg st="6" end="6"/>
-                                            </p:txEl>
-                                          </p:spTgt>
-                                        </p:tgtEl>
-                                        <p:attrNameLst>
-                                          <p:attrName>style.visibility</p:attrName>
-                                        </p:attrNameLst>
-                                      </p:cBhvr>
-                                      <p:to>
-                                        <p:strVal val="visible"/>
-                                      </p:to>
-                                    </p:set>
-                                    <p:anim calcmode="lin" valueType="num">
-                                      <p:cBhvr additive="base">
-                                        <p:cTn id="67" dur="500"/>
-                                        <p:tgtEl>
-                                          <p:spTgt spid="180">
-                                            <p:txEl>
-                                              <p:pRg st="6" end="6"/>
-                                            </p:txEl>
-                                          </p:spTgt>
-                                        </p:tgtEl>
-                                        <p:attrNameLst>
-                                          <p:attrName>ppt_y</p:attrName>
-                                        </p:attrNameLst>
-                                      </p:cBhvr>
-                                      <p:tavLst>
-                                        <p:tav tm="0">
-                                          <p:val>
-                                            <p:strVal val="#ppt_y+1"/>
-                                          </p:val>
-                                        </p:tav>
-                                        <p:tav tm="100000">
-                                          <p:val>
-                                            <p:strVal val="#ppt_y"/>
-                                          </p:val>
-                                        </p:tav>
-                                      </p:tavLst>
-                                    </p:anim>
-                                  </p:childTnLst>
-                                </p:cTn>
-                              </p:par>
-                            </p:childTnLst>
-                          </p:cTn>
-                        </p:par>
-                      </p:childTnLst>
-                    </p:cTn>
-                  </p:par>
-                  <p:par>
-                    <p:cTn id="68" fill="hold">
-                      <p:stCondLst>
-                        <p:cond delay="indefinite"/>
-                      </p:stCondLst>
-                      <p:childTnLst>
-                        <p:par>
-                          <p:cTn id="69" fill="hold">
-                            <p:stCondLst>
-                              <p:cond delay="0"/>
-                            </p:stCondLst>
-                            <p:childTnLst>
-                              <p:par>
-                                <p:cTn id="70" presetID="2" presetClass="entr" presetSubtype="4" fill="hold" nodeType="clickEffect">
-                                  <p:stCondLst>
-                                    <p:cond delay="0"/>
-                                  </p:stCondLst>
-                                  <p:childTnLst>
-                                    <p:set>
-                                      <p:cBhvr>
-                                        <p:cTn id="71" dur="1" fill="hold">
-                                          <p:stCondLst>
-                                            <p:cond delay="0"/>
-                                          </p:stCondLst>
-                                        </p:cTn>
-                                        <p:tgtEl>
-                                          <p:spTgt spid="180">
-                                            <p:txEl>
-                                              <p:pRg st="7" end="7"/>
-                                            </p:txEl>
-                                          </p:spTgt>
-                                        </p:tgtEl>
-                                        <p:attrNameLst>
-                                          <p:attrName>style.visibility</p:attrName>
-                                        </p:attrNameLst>
-                                      </p:cBhvr>
-                                      <p:to>
-                                        <p:strVal val="visible"/>
-                                      </p:to>
-                                    </p:set>
-                                    <p:anim calcmode="lin" valueType="num">
-                                      <p:cBhvr additive="base">
-                                        <p:cTn id="72" dur="500"/>
-                                        <p:tgtEl>
-                                          <p:spTgt spid="180">
-                                            <p:txEl>
-                                              <p:pRg st="7" end="7"/>
-                                            </p:txEl>
-                                          </p:spTgt>
-                                        </p:tgtEl>
-                                        <p:attrNameLst>
-                                          <p:attrName>ppt_y</p:attrName>
-                                        </p:attrNameLst>
-                                      </p:cBhvr>
-                                      <p:tavLst>
-                                        <p:tav tm="0">
-                                          <p:val>
-                                            <p:strVal val="#ppt_y+1"/>
-                                          </p:val>
-                                        </p:tav>
-                                        <p:tav tm="100000">
-                                          <p:val>
-                                            <p:strVal val="#ppt_y"/>
-                                          </p:val>
-                                        </p:tav>
-                                      </p:tavLst>
-                                    </p:anim>
-                                  </p:childTnLst>
-                                </p:cTn>
-                              </p:par>
-                            </p:childTnLst>
-                          </p:cTn>
-                        </p:par>
-                      </p:childTnLst>
-                    </p:cTn>
-                  </p:par>
-                  <p:par>
-                    <p:cTn id="73" fill="hold">
-                      <p:stCondLst>
-                        <p:cond delay="indefinite"/>
-                      </p:stCondLst>
-                      <p:childTnLst>
-                        <p:par>
-                          <p:cTn id="74" fill="hold">
-                            <p:stCondLst>
-                              <p:cond delay="0"/>
-                            </p:stCondLst>
-                            <p:childTnLst>
-                              <p:par>
-                                <p:cTn id="75" presetID="2" presetClass="entr" presetSubtype="4" fill="hold" nodeType="clickEffect">
-                                  <p:stCondLst>
-                                    <p:cond delay="0"/>
-                                  </p:stCondLst>
-                                  <p:childTnLst>
-                                    <p:set>
-                                      <p:cBhvr>
-                                        <p:cTn id="76" dur="1" fill="hold">
-                                          <p:stCondLst>
-                                            <p:cond delay="0"/>
-                                          </p:stCondLst>
-                                        </p:cTn>
-                                        <p:tgtEl>
-                                          <p:spTgt spid="180">
-                                            <p:txEl>
-                                              <p:pRg st="8" end="8"/>
-                                            </p:txEl>
-                                          </p:spTgt>
-                                        </p:tgtEl>
-                                        <p:attrNameLst>
-                                          <p:attrName>style.visibility</p:attrName>
-                                        </p:attrNameLst>
-                                      </p:cBhvr>
-                                      <p:to>
-                                        <p:strVal val="visible"/>
-                                      </p:to>
-                                    </p:set>
-                                    <p:anim calcmode="lin" valueType="num">
-                                      <p:cBhvr additive="base">
-                                        <p:cTn id="77" dur="500"/>
-                                        <p:tgtEl>
-                                          <p:spTgt spid="180">
-                                            <p:txEl>
-                                              <p:pRg st="8" end="8"/>
                                             </p:txEl>
                                           </p:spTgt>
                                         </p:tgtEl>
@@ -33670,10 +33137,10 @@
               <a:buNone/>
             </a:pPr>
             <a:r>
-              <a:rPr lang="en-US" sz="6600" b="1"/>
-              <a:t>Output Variables</a:t>
+              <a:rPr lang="en-US" sz="6600" b="1" dirty="0"/>
+              <a:t>Output and Variables</a:t>
             </a:r>
-            <a:endParaRPr/>
+            <a:endParaRPr dirty="0"/>
           </a:p>
         </p:txBody>
       </p:sp>
@@ -33723,10 +33190,10 @@
               <a:buNone/>
             </a:pPr>
             <a:r>
-              <a:rPr lang="en-US"/>
+              <a:rPr lang="en-US" sz="3600" dirty="0"/>
               <a:t>x = “awesome”</a:t>
             </a:r>
-            <a:endParaRPr/>
+            <a:endParaRPr sz="3600" dirty="0"/>
           </a:p>
           <a:p>
             <a:pPr marL="0" lvl="0" indent="0" algn="l" rtl="0">
@@ -33746,10 +33213,10 @@
               <a:buNone/>
             </a:pPr>
             <a:r>
-              <a:rPr lang="en-US"/>
+              <a:rPr lang="en-US" sz="3600" dirty="0"/>
               <a:t>print(“Python is “ + x)</a:t>
             </a:r>
-            <a:endParaRPr/>
+            <a:endParaRPr sz="3600" dirty="0"/>
           </a:p>
           <a:p>
             <a:pPr marL="0" lvl="0" indent="0" algn="l" rtl="0">
@@ -33768,7 +33235,7 @@
               <a:buSzPts val="2800"/>
               <a:buNone/>
             </a:pPr>
-            <a:endParaRPr/>
+            <a:endParaRPr sz="3600" dirty="0"/>
           </a:p>
           <a:p>
             <a:pPr marL="0" lvl="0" indent="0" algn="l" rtl="0">
@@ -33788,10 +33255,10 @@
               <a:buNone/>
             </a:pPr>
             <a:r>
-              <a:rPr lang="en-US"/>
+              <a:rPr lang="en-US" sz="3600" dirty="0"/>
               <a:t>x = “Python is “</a:t>
             </a:r>
-            <a:endParaRPr/>
+            <a:endParaRPr sz="3600" dirty="0"/>
           </a:p>
           <a:p>
             <a:pPr marL="0" lvl="0" indent="0" algn="l" rtl="0">
@@ -33811,10 +33278,10 @@
               <a:buNone/>
             </a:pPr>
             <a:r>
-              <a:rPr lang="en-US"/>
+              <a:rPr lang="en-US" sz="3600" dirty="0"/>
               <a:t>y = “awesome”</a:t>
             </a:r>
-            <a:endParaRPr/>
+            <a:endParaRPr sz="3600" dirty="0"/>
           </a:p>
           <a:p>
             <a:pPr marL="0" lvl="0" indent="0" algn="l" rtl="0">
@@ -33834,10 +33301,10 @@
               <a:buNone/>
             </a:pPr>
             <a:r>
-              <a:rPr lang="en-US"/>
+              <a:rPr lang="en-US" sz="3600" dirty="0"/>
               <a:t>z = x + y</a:t>
             </a:r>
-            <a:endParaRPr/>
+            <a:endParaRPr sz="3600" dirty="0"/>
           </a:p>
           <a:p>
             <a:pPr marL="0" lvl="0" indent="0" algn="l" rtl="0">
@@ -33857,10 +33324,10 @@
               <a:buNone/>
             </a:pPr>
             <a:r>
-              <a:rPr lang="en-US"/>
+              <a:rPr lang="en-US" sz="3600" dirty="0"/>
               <a:t>print(z) </a:t>
             </a:r>
-            <a:endParaRPr/>
+            <a:endParaRPr sz="3600" dirty="0"/>
           </a:p>
         </p:txBody>
       </p:sp>
@@ -33910,10 +33377,10 @@
               <a:buNone/>
             </a:pPr>
             <a:r>
-              <a:rPr lang="en-US"/>
+              <a:rPr lang="en-US" sz="3600" dirty="0"/>
               <a:t>x = 5</a:t>
             </a:r>
-            <a:endParaRPr/>
+            <a:endParaRPr sz="3600" dirty="0"/>
           </a:p>
           <a:p>
             <a:pPr marL="0" lvl="0" indent="0" algn="l" rtl="0">
@@ -33933,10 +33400,10 @@
               <a:buNone/>
             </a:pPr>
             <a:r>
-              <a:rPr lang="en-US"/>
+              <a:rPr lang="en-US" sz="3600" dirty="0"/>
               <a:t>y= 10</a:t>
             </a:r>
-            <a:endParaRPr/>
+            <a:endParaRPr sz="3600" dirty="0"/>
           </a:p>
           <a:p>
             <a:pPr marL="0" lvl="0" indent="0" algn="l" rtl="0">
@@ -33956,10 +33423,18 @@
               <a:buNone/>
             </a:pPr>
             <a:r>
-              <a:rPr lang="en-US"/>
-              <a:t>print(x+y)</a:t>
+              <a:rPr lang="en-US" sz="3600" dirty="0"/>
+              <a:t>print(</a:t>
             </a:r>
-            <a:endParaRPr/>
+            <a:r>
+              <a:rPr lang="en-US" sz="3600" dirty="0" err="1"/>
+              <a:t>x+y</a:t>
+            </a:r>
+            <a:r>
+              <a:rPr lang="en-US" sz="3600" dirty="0"/>
+              <a:t>)</a:t>
+            </a:r>
+            <a:endParaRPr sz="3600" dirty="0"/>
           </a:p>
           <a:p>
             <a:pPr marL="0" lvl="0" indent="0" algn="l" rtl="0">
@@ -33978,7 +33453,7 @@
               <a:buSzPts val="2800"/>
               <a:buNone/>
             </a:pPr>
-            <a:endParaRPr/>
+            <a:endParaRPr sz="3600" dirty="0"/>
           </a:p>
           <a:p>
             <a:pPr marL="0" lvl="0" indent="0" algn="l" rtl="0">
@@ -33998,10 +33473,10 @@
               <a:buNone/>
             </a:pPr>
             <a:r>
-              <a:rPr lang="en-US"/>
+              <a:rPr lang="en-US" sz="3600" dirty="0"/>
               <a:t>x = 5</a:t>
             </a:r>
-            <a:endParaRPr/>
+            <a:endParaRPr sz="3600" dirty="0"/>
           </a:p>
           <a:p>
             <a:pPr marL="0" lvl="0" indent="0" algn="l" rtl="0">
@@ -34021,10 +33496,10 @@
               <a:buNone/>
             </a:pPr>
             <a:r>
-              <a:rPr lang="en-US"/>
+              <a:rPr lang="en-US" sz="3600" dirty="0"/>
               <a:t>y = “John”</a:t>
             </a:r>
-            <a:endParaRPr/>
+            <a:endParaRPr sz="3600" dirty="0"/>
           </a:p>
           <a:p>
             <a:pPr marL="0" lvl="0" indent="0" algn="l" rtl="0">
@@ -34044,10 +33519,10 @@
               <a:buNone/>
             </a:pPr>
             <a:r>
-              <a:rPr lang="en-US"/>
+              <a:rPr lang="en-US" sz="3600" dirty="0"/>
               <a:t>Print(x + y)</a:t>
             </a:r>
-            <a:endParaRPr/>
+            <a:endParaRPr sz="3600" dirty="0"/>
           </a:p>
         </p:txBody>
       </p:sp>
@@ -35240,10 +34715,10 @@
               <a:buNone/>
             </a:pPr>
             <a:r>
-              <a:rPr lang="en-US" sz="6600" b="1"/>
+              <a:rPr lang="en-US" sz="6600" b="1" dirty="0"/>
               <a:t>Global Variables</a:t>
             </a:r>
-            <a:endParaRPr/>
+            <a:endParaRPr dirty="0"/>
           </a:p>
         </p:txBody>
       </p:sp>
@@ -35259,8 +34734,8 @@
         </p:nvSpPr>
         <p:spPr>
           <a:xfrm>
-            <a:off x="838200" y="2850861"/>
-            <a:ext cx="5181600" cy="2645707"/>
+            <a:off x="390294" y="2213909"/>
+            <a:ext cx="5140712" cy="4278966"/>
           </a:xfrm>
           <a:prstGeom prst="rect">
             <a:avLst/>
@@ -35293,7 +34768,7 @@
               <a:buNone/>
             </a:pPr>
             <a:r>
-              <a:rPr lang="en-US" b="0" i="0">
+              <a:rPr lang="en-US" sz="3600" b="0" i="0" dirty="0">
                 <a:latin typeface="Consolas"/>
                 <a:ea typeface="Consolas"/>
                 <a:cs typeface="Consolas"/>
@@ -35302,25 +34777,43 @@
               <a:t>x = "awesome"</a:t>
             </a:r>
             <a:br>
-              <a:rPr lang="en-US"/>
+              <a:rPr lang="en-US" sz="3600" dirty="0"/>
             </a:br>
             <a:br>
-              <a:rPr lang="en-US"/>
+              <a:rPr lang="en-US" sz="3600" dirty="0"/>
             </a:br>
             <a:r>
-              <a:rPr lang="en-US" b="0" i="0">
+              <a:rPr lang="en-US" sz="3600" b="0" i="0" dirty="0">
                 <a:latin typeface="Consolas"/>
                 <a:ea typeface="Consolas"/>
                 <a:cs typeface="Consolas"/>
                 <a:sym typeface="Consolas"/>
               </a:rPr>
-              <a:t>def myfunc():</a:t>
+              <a:t>def </a:t>
+            </a:r>
+            <a:r>
+              <a:rPr lang="en-US" sz="3600" b="0" i="0" dirty="0" err="1">
+                <a:latin typeface="Consolas"/>
+                <a:ea typeface="Consolas"/>
+                <a:cs typeface="Consolas"/>
+                <a:sym typeface="Consolas"/>
+              </a:rPr>
+              <a:t>myfunc</a:t>
+            </a:r>
+            <a:r>
+              <a:rPr lang="en-US" sz="3600" b="0" i="0" dirty="0">
+                <a:latin typeface="Consolas"/>
+                <a:ea typeface="Consolas"/>
+                <a:cs typeface="Consolas"/>
+                <a:sym typeface="Consolas"/>
+              </a:rPr>
+              <a:t>():</a:t>
             </a:r>
             <a:br>
-              <a:rPr lang="en-US"/>
+              <a:rPr lang="en-US" sz="3600" dirty="0"/>
             </a:br>
             <a:r>
-              <a:rPr lang="en-US" b="0" i="0">
+              <a:rPr lang="en-US" sz="3600" b="0" i="0" dirty="0">
                 <a:latin typeface="Consolas"/>
                 <a:ea typeface="Consolas"/>
                 <a:cs typeface="Consolas"/>
@@ -35329,21 +34822,30 @@
               <a:t>  print("Python is " + x)</a:t>
             </a:r>
             <a:br>
-              <a:rPr lang="en-US"/>
+              <a:rPr lang="en-US" sz="3600" dirty="0"/>
             </a:br>
             <a:br>
-              <a:rPr lang="en-US"/>
+              <a:rPr lang="en-US" sz="3600" dirty="0"/>
             </a:br>
             <a:r>
-              <a:rPr lang="en-US" b="0" i="0">
+              <a:rPr lang="en-US" sz="3600" b="0" i="0" dirty="0" err="1">
                 <a:latin typeface="Consolas"/>
                 <a:ea typeface="Consolas"/>
                 <a:cs typeface="Consolas"/>
                 <a:sym typeface="Consolas"/>
               </a:rPr>
-              <a:t>myfunc()</a:t>
+              <a:t>myfunc</a:t>
             </a:r>
-            <a:endParaRPr/>
+            <a:r>
+              <a:rPr lang="en-US" sz="3600" b="0" i="0" dirty="0">
+                <a:latin typeface="Consolas"/>
+                <a:ea typeface="Consolas"/>
+                <a:cs typeface="Consolas"/>
+                <a:sym typeface="Consolas"/>
+              </a:rPr>
+              <a:t>()</a:t>
+            </a:r>
+            <a:endParaRPr sz="3600" dirty="0"/>
           </a:p>
         </p:txBody>
       </p:sp>
@@ -35359,8 +34861,8 @@
         </p:nvSpPr>
         <p:spPr>
           <a:xfrm>
-            <a:off x="7446819" y="2850861"/>
-            <a:ext cx="5181600" cy="2718666"/>
+            <a:off x="6333893" y="2213908"/>
+            <a:ext cx="5467813" cy="4278966"/>
           </a:xfrm>
           <a:prstGeom prst="rect">
             <a:avLst/>
@@ -35393,10 +34895,18 @@
               <a:buNone/>
             </a:pPr>
             <a:r>
-              <a:rPr lang="en-US"/>
-              <a:t>def myfunc():</a:t>
+              <a:rPr lang="en-US" sz="3600" dirty="0"/>
+              <a:t>def </a:t>
             </a:r>
-            <a:endParaRPr/>
+            <a:r>
+              <a:rPr lang="en-US" sz="3600" dirty="0" err="1"/>
+              <a:t>myfunc</a:t>
+            </a:r>
+            <a:r>
+              <a:rPr lang="en-US" sz="3600" dirty="0"/>
+              <a:t>():</a:t>
+            </a:r>
+            <a:endParaRPr sz="3600" dirty="0"/>
           </a:p>
           <a:p>
             <a:pPr marL="0" lvl="0" indent="0" algn="l" rtl="0">
@@ -35416,10 +34926,10 @@
               <a:buNone/>
             </a:pPr>
             <a:r>
-              <a:rPr lang="en-US"/>
+              <a:rPr lang="en-US" sz="3600" dirty="0"/>
               <a:t>  	x = "fantastic"</a:t>
             </a:r>
-            <a:endParaRPr/>
+            <a:endParaRPr sz="3600" dirty="0"/>
           </a:p>
           <a:p>
             <a:pPr marL="0" lvl="0" indent="0" algn="l" rtl="0">
@@ -35439,10 +34949,10 @@
               <a:buNone/>
             </a:pPr>
             <a:r>
-              <a:rPr lang="en-US"/>
+              <a:rPr lang="en-US" sz="3600" dirty="0"/>
               <a:t>  	print("Python is " + x)</a:t>
             </a:r>
-            <a:endParaRPr/>
+            <a:endParaRPr sz="3600" dirty="0"/>
           </a:p>
           <a:p>
             <a:pPr marL="0" lvl="0" indent="0" algn="l" rtl="0">
@@ -35461,7 +34971,7 @@
               <a:buSzPts val="2800"/>
               <a:buNone/>
             </a:pPr>
-            <a:endParaRPr/>
+            <a:endParaRPr sz="3600" dirty="0"/>
           </a:p>
           <a:p>
             <a:pPr marL="0" lvl="0" indent="0" algn="l" rtl="0">
@@ -35481,10 +34991,14 @@
               <a:buNone/>
             </a:pPr>
             <a:r>
-              <a:rPr lang="en-US"/>
-              <a:t>myfunc()</a:t>
+              <a:rPr lang="en-US" sz="3600" dirty="0" err="1"/>
+              <a:t>myfunc</a:t>
             </a:r>
-            <a:endParaRPr/>
+            <a:r>
+              <a:rPr lang="en-US" sz="3600" dirty="0"/>
+              <a:t>()</a:t>
+            </a:r>
+            <a:endParaRPr sz="3600" dirty="0"/>
           </a:p>
         </p:txBody>
       </p:sp>
@@ -35496,7 +35010,7 @@
         </p:nvSpPr>
         <p:spPr>
           <a:xfrm>
-            <a:off x="1783825" y="1485944"/>
+            <a:off x="1783825" y="1690688"/>
             <a:ext cx="8624349" cy="523220"/>
           </a:xfrm>
           <a:prstGeom prst="rect">
@@ -35523,7 +35037,7 @@
               <a:buNone/>
             </a:pPr>
             <a:r>
-              <a:rPr lang="en-US" sz="2800" b="1" i="0" u="none" strike="noStrike" cap="none">
+              <a:rPr lang="en-US" sz="2800" b="1" i="0" u="none" strike="noStrike" cap="none" dirty="0">
                 <a:solidFill>
                   <a:srgbClr val="FF0000"/>
                 </a:solidFill>
@@ -35534,7 +35048,7 @@
               </a:rPr>
               <a:t>It holds its value throughout the lifetime of the program.</a:t>
             </a:r>
-            <a:endParaRPr/>
+            <a:endParaRPr dirty="0"/>
           </a:p>
         </p:txBody>
       </p:sp>
@@ -36084,8 +35598,8 @@
         </p:nvSpPr>
         <p:spPr>
           <a:xfrm>
-            <a:off x="838200" y="365125"/>
-            <a:ext cx="10515600" cy="1325563"/>
+            <a:off x="838200" y="331671"/>
+            <a:ext cx="10515600" cy="872661"/>
           </a:xfrm>
           <a:prstGeom prst="rect">
             <a:avLst/>
@@ -36097,7 +35611,7 @@
         </p:spPr>
         <p:txBody>
           <a:bodyPr spcFirstLastPara="1" wrap="square" lIns="91425" tIns="45700" rIns="91425" bIns="45700" anchor="ctr" anchorCtr="0">
-            <a:normAutofit/>
+            <a:normAutofit fontScale="90000"/>
           </a:bodyPr>
           <a:lstStyle/>
           <a:p>
@@ -36119,10 +35633,10 @@
               <a:buNone/>
             </a:pPr>
             <a:r>
-              <a:rPr lang="en-US" sz="7200" b="1"/>
+              <a:rPr lang="en-US" sz="7200" b="1" dirty="0"/>
               <a:t>Data Types</a:t>
             </a:r>
-            <a:endParaRPr/>
+            <a:endParaRPr dirty="0"/>
           </a:p>
         </p:txBody>
       </p:sp>
@@ -36138,8 +35652,8 @@
         </p:nvSpPr>
         <p:spPr>
           <a:xfrm>
-            <a:off x="185530" y="1825624"/>
-            <a:ext cx="11728174" cy="5032375"/>
+            <a:off x="185530" y="1382752"/>
+            <a:ext cx="11728174" cy="5475248"/>
           </a:xfrm>
           <a:prstGeom prst="rect">
             <a:avLst/>
@@ -36172,10 +35686,10 @@
               <a:buNone/>
             </a:pPr>
             <a:r>
-              <a:rPr lang="en-US" sz="3600"/>
+              <a:rPr lang="en-US" sz="3600" dirty="0"/>
               <a:t>x = “Hello World”					string (str)</a:t>
             </a:r>
-            <a:endParaRPr/>
+            <a:endParaRPr dirty="0"/>
           </a:p>
           <a:p>
             <a:pPr marL="0" lvl="0" indent="0" algn="l" rtl="0">
@@ -36195,10 +35709,10 @@
               <a:buNone/>
             </a:pPr>
             <a:r>
-              <a:rPr lang="en-US" sz="3600"/>
+              <a:rPr lang="en-US" sz="3600" dirty="0"/>
               <a:t>x = 20							integer (int)</a:t>
             </a:r>
-            <a:endParaRPr/>
+            <a:endParaRPr dirty="0"/>
           </a:p>
           <a:p>
             <a:pPr marL="0" lvl="0" indent="0" algn="l" rtl="0">
@@ -36218,10 +35732,10 @@
               <a:buNone/>
             </a:pPr>
             <a:r>
-              <a:rPr lang="en-US" sz="3600"/>
+              <a:rPr lang="en-US" sz="3600" dirty="0"/>
               <a:t>x = 20.5							float</a:t>
             </a:r>
-            <a:endParaRPr/>
+            <a:endParaRPr dirty="0"/>
           </a:p>
           <a:p>
             <a:pPr marL="0" lvl="0" indent="0" algn="l" rtl="0">
@@ -36241,10 +35755,10 @@
               <a:buNone/>
             </a:pPr>
             <a:r>
-              <a:rPr lang="en-US" sz="3600"/>
+              <a:rPr lang="en-US" sz="3600" dirty="0"/>
               <a:t>x = [“apple”, “banana”, “cherry”]		list</a:t>
             </a:r>
-            <a:endParaRPr/>
+            <a:endParaRPr dirty="0"/>
           </a:p>
           <a:p>
             <a:pPr marL="0" lvl="0" indent="0" algn="l" rtl="0">
@@ -36264,10 +35778,10 @@
               <a:buNone/>
             </a:pPr>
             <a:r>
-              <a:rPr lang="en-US" sz="3600"/>
+              <a:rPr lang="en-US" sz="3600" dirty="0"/>
               <a:t>x = (“apple”, “banana”, “cherry”)		tuple</a:t>
             </a:r>
-            <a:endParaRPr/>
+            <a:endParaRPr dirty="0"/>
           </a:p>
           <a:p>
             <a:pPr marL="0" lvl="0" indent="0" algn="l" rtl="0">
@@ -36287,10 +35801,10 @@
               <a:buNone/>
             </a:pPr>
             <a:r>
-              <a:rPr lang="en-US" sz="3600"/>
+              <a:rPr lang="en-US" sz="3600" dirty="0"/>
               <a:t>x = range(5)						range</a:t>
             </a:r>
-            <a:endParaRPr/>
+            <a:endParaRPr dirty="0"/>
           </a:p>
           <a:p>
             <a:pPr marL="0" lvl="0" indent="0" algn="l" rtl="0">
@@ -36310,10 +35824,18 @@
               <a:buNone/>
             </a:pPr>
             <a:r>
-              <a:rPr lang="en-US" sz="3600"/>
-              <a:t>x = {“name” : “John”,  “age” : 36}		dictionary (dict)</a:t>
+              <a:rPr lang="en-US" sz="3600" dirty="0"/>
+              <a:t>x = {“name” : “John”,  “age” : 36}		dictionary (</a:t>
             </a:r>
-            <a:endParaRPr/>
+            <a:r>
+              <a:rPr lang="en-US" sz="3600" dirty="0" err="1"/>
+              <a:t>dict</a:t>
+            </a:r>
+            <a:r>
+              <a:rPr lang="en-US" sz="3600" dirty="0"/>
+              <a:t>)</a:t>
+            </a:r>
+            <a:endParaRPr dirty="0"/>
           </a:p>
           <a:p>
             <a:pPr marL="0" lvl="0" indent="0" algn="l" rtl="0">
@@ -36333,10 +35855,18 @@
               <a:buNone/>
             </a:pPr>
             <a:r>
-              <a:rPr lang="en-US" sz="3600"/>
-              <a:t>x = True							boolean  </a:t>
+              <a:rPr lang="en-US" sz="3600" dirty="0"/>
+              <a:t>x = True							</a:t>
             </a:r>
-            <a:endParaRPr/>
+            <a:r>
+              <a:rPr lang="en-US" sz="3600" dirty="0" err="1"/>
+              <a:t>boolean</a:t>
+            </a:r>
+            <a:r>
+              <a:rPr lang="en-US" sz="3600" dirty="0"/>
+              <a:t>  </a:t>
+            </a:r>
+            <a:endParaRPr dirty="0"/>
           </a:p>
         </p:txBody>
       </p:sp>
@@ -37073,10 +36603,10 @@
               <a:buNone/>
             </a:pPr>
             <a:r>
-              <a:rPr lang="en-US" b="1"/>
+              <a:rPr lang="en-US" b="1" dirty="0"/>
               <a:t>You can put the data type in front if you want to specify</a:t>
             </a:r>
-            <a:endParaRPr/>
+            <a:endParaRPr dirty="0"/>
           </a:p>
         </p:txBody>
       </p:sp>
@@ -37126,10 +36656,10 @@
               <a:buNone/>
             </a:pPr>
             <a:r>
-              <a:rPr lang="en-US"/>
+              <a:rPr lang="en-US" dirty="0"/>
               <a:t>x = str(“hello, world!”)</a:t>
             </a:r>
-            <a:endParaRPr/>
+            <a:endParaRPr dirty="0"/>
           </a:p>
           <a:p>
             <a:pPr marL="0" lvl="0" indent="0" algn="ctr" rtl="0">
@@ -37149,10 +36679,10 @@
               <a:buNone/>
             </a:pPr>
             <a:r>
-              <a:rPr lang="en-US"/>
+              <a:rPr lang="en-US" dirty="0"/>
               <a:t>print(x)</a:t>
             </a:r>
-            <a:endParaRPr/>
+            <a:endParaRPr dirty="0"/>
           </a:p>
           <a:p>
             <a:pPr marL="0" lvl="0" indent="0" algn="ctr" rtl="0">
@@ -37172,10 +36702,10 @@
               <a:buNone/>
             </a:pPr>
             <a:r>
-              <a:rPr lang="en-US"/>
+              <a:rPr lang="en-US" dirty="0"/>
               <a:t>y = int(20.5)</a:t>
             </a:r>
-            <a:endParaRPr/>
+            <a:endParaRPr dirty="0"/>
           </a:p>
           <a:p>
             <a:pPr marL="0" lvl="0" indent="0" algn="ctr" rtl="0">
@@ -37195,10 +36725,10 @@
               <a:buNone/>
             </a:pPr>
             <a:r>
-              <a:rPr lang="en-US"/>
+              <a:rPr lang="en-US" dirty="0"/>
               <a:t>print(y)</a:t>
             </a:r>
-            <a:endParaRPr/>
+            <a:endParaRPr dirty="0"/>
           </a:p>
           <a:p>
             <a:pPr marL="0" lvl="0" indent="0" algn="ctr" rtl="0">
@@ -37218,10 +36748,10 @@
               <a:buNone/>
             </a:pPr>
             <a:r>
-              <a:rPr lang="en-US"/>
+              <a:rPr lang="en-US" dirty="0"/>
               <a:t>z = float(20)</a:t>
             </a:r>
-            <a:endParaRPr/>
+            <a:endParaRPr dirty="0"/>
           </a:p>
           <a:p>
             <a:pPr marL="0" lvl="0" indent="0" algn="ctr" rtl="0">
@@ -37241,10 +36771,10 @@
               <a:buNone/>
             </a:pPr>
             <a:r>
-              <a:rPr lang="en-US"/>
+              <a:rPr lang="en-US" dirty="0"/>
               <a:t>print(z)</a:t>
             </a:r>
-            <a:endParaRPr/>
+            <a:endParaRPr dirty="0"/>
           </a:p>
         </p:txBody>
       </p:sp>
@@ -37291,7 +36821,7 @@
               <a:buChar char="•"/>
             </a:pPr>
             <a:r>
-              <a:rPr lang="en-US" sz="2800">
+              <a:rPr lang="en-US" sz="2800" dirty="0">
                 <a:solidFill>
                   <a:srgbClr val="000000"/>
                 </a:solidFill>
@@ -37302,7 +36832,7 @@
               </a:rPr>
               <a:t>You can check the data type of a value by writing this:</a:t>
             </a:r>
-            <a:endParaRPr/>
+            <a:endParaRPr dirty="0"/>
           </a:p>
           <a:p>
             <a:pPr marL="0" marR="0" lvl="0" indent="0" algn="l" rtl="0">
@@ -37317,7 +36847,7 @@
               </a:spcAft>
               <a:buNone/>
             </a:pPr>
-            <a:endParaRPr sz="2800">
+            <a:endParaRPr sz="2800" dirty="0">
               <a:solidFill>
                 <a:srgbClr val="000000"/>
               </a:solidFill>
@@ -37367,7 +36897,7 @@
               <a:buNone/>
             </a:pPr>
             <a:r>
-              <a:rPr lang="en-US" sz="2800">
+              <a:rPr lang="en-US" sz="2800" dirty="0">
                 <a:solidFill>
                   <a:srgbClr val="000000"/>
                 </a:solidFill>
@@ -37378,7 +36908,7 @@
               </a:rPr>
               <a:t>x = 1</a:t>
             </a:r>
-            <a:endParaRPr/>
+            <a:endParaRPr dirty="0"/>
           </a:p>
           <a:p>
             <a:pPr marL="0" marR="0" lvl="0" indent="0" algn="l" rtl="0">
@@ -37394,7 +36924,7 @@
               <a:buNone/>
             </a:pPr>
             <a:r>
-              <a:rPr lang="en-US" sz="2800">
+              <a:rPr lang="en-US" sz="2800" dirty="0">
                 <a:solidFill>
                   <a:srgbClr val="000000"/>
                 </a:solidFill>
@@ -37405,7 +36935,7 @@
               </a:rPr>
               <a:t>y = 4.5</a:t>
             </a:r>
-            <a:endParaRPr/>
+            <a:endParaRPr dirty="0"/>
           </a:p>
           <a:p>
             <a:pPr marL="0" marR="0" lvl="0" indent="0" algn="l" rtl="0">
@@ -37421,7 +36951,7 @@
               <a:buNone/>
             </a:pPr>
             <a:r>
-              <a:rPr lang="en-US" sz="2800">
+              <a:rPr lang="en-US" sz="2800" dirty="0">
                 <a:solidFill>
                   <a:srgbClr val="000000"/>
                 </a:solidFill>
@@ -37432,7 +36962,7 @@
               </a:rPr>
               <a:t>print(type(x))</a:t>
             </a:r>
-            <a:endParaRPr/>
+            <a:endParaRPr dirty="0"/>
           </a:p>
           <a:p>
             <a:pPr marL="0" marR="0" lvl="0" indent="0" algn="l" rtl="0">
@@ -37448,7 +36978,7 @@
               <a:buNone/>
             </a:pPr>
             <a:r>
-              <a:rPr lang="en-US" sz="2800">
+              <a:rPr lang="en-US" sz="2800" dirty="0">
                 <a:solidFill>
                   <a:srgbClr val="000000"/>
                 </a:solidFill>
@@ -37459,7 +36989,7 @@
               </a:rPr>
               <a:t>print(type(y))</a:t>
             </a:r>
-            <a:endParaRPr/>
+            <a:endParaRPr dirty="0"/>
           </a:p>
         </p:txBody>
       </p:sp>
@@ -38542,12 +38072,44 @@
           </a:bodyPr>
           <a:lstStyle/>
           <a:p>
+            <a:pPr marL="228600" lvl="0" indent="-228600">
+              <a:spcBef>
+                <a:spcPts val="0"/>
+              </a:spcBef>
+              <a:buSzPts val="3600"/>
+            </a:pPr>
+            <a:r>
+              <a:rPr lang="en-US" sz="3600" dirty="0"/>
+              <a:t>are surrounded by either single or double quotation marks</a:t>
+            </a:r>
+            <a:endParaRPr dirty="0"/>
+          </a:p>
+          <a:p>
+            <a:pPr marL="228600" lvl="0" indent="0" algn="l" rtl="0">
+              <a:lnSpc>
+                <a:spcPct val="90000"/>
+              </a:lnSpc>
+              <a:spcBef>
+                <a:spcPts val="1000"/>
+              </a:spcBef>
+              <a:spcAft>
+                <a:spcPts val="0"/>
+              </a:spcAft>
+              <a:buClr>
+                <a:schemeClr val="dk1"/>
+              </a:buClr>
+              <a:buSzPts val="3600"/>
+              <a:buNone/>
+            </a:pPr>
+            <a:endParaRPr sz="3600" dirty="0"/>
+          </a:p>
+          <a:p>
             <a:pPr marL="228600" lvl="0" indent="-228600" algn="l" rtl="0">
               <a:lnSpc>
                 <a:spcPct val="90000"/>
               </a:lnSpc>
               <a:spcBef>
-                <a:spcPts val="0"/>
+                <a:spcPts val="1000"/>
               </a:spcBef>
               <a:spcAft>
                 <a:spcPts val="0"/>
@@ -38559,13 +38121,13 @@
               <a:buChar char="•"/>
             </a:pPr>
             <a:r>
-              <a:rPr lang="en-US" sz="3600"/>
-              <a:t>are surrounded by either single quotation marks or double</a:t>
+              <a:rPr lang="en-US" sz="3600" dirty="0"/>
+              <a:t>You can assign a variable to them		a = “Hello”</a:t>
             </a:r>
-            <a:endParaRPr/>
+            <a:endParaRPr dirty="0"/>
           </a:p>
           <a:p>
-            <a:pPr marL="228600" lvl="0" indent="0" algn="l" rtl="0">
+            <a:pPr marL="0" lvl="0" indent="0" algn="l" rtl="0">
               <a:lnSpc>
                 <a:spcPct val="90000"/>
               </a:lnSpc>
@@ -38581,7 +38143,30 @@
               <a:buSzPts val="3600"/>
               <a:buNone/>
             </a:pPr>
-            <a:endParaRPr sz="3600"/>
+            <a:r>
+              <a:rPr lang="en-US" sz="3600" dirty="0"/>
+              <a:t>							         print(a)</a:t>
+            </a:r>
+            <a:endParaRPr dirty="0"/>
+          </a:p>
+          <a:p>
+            <a:pPr marL="0" lvl="0" indent="0" algn="l" rtl="0">
+              <a:lnSpc>
+                <a:spcPct val="90000"/>
+              </a:lnSpc>
+              <a:spcBef>
+                <a:spcPts val="1000"/>
+              </a:spcBef>
+              <a:spcAft>
+                <a:spcPts val="0"/>
+              </a:spcAft>
+              <a:buClr>
+                <a:schemeClr val="dk1"/>
+              </a:buClr>
+              <a:buSzPts val="3600"/>
+              <a:buNone/>
+            </a:pPr>
+            <a:endParaRPr sz="3600" dirty="0"/>
           </a:p>
           <a:p>
             <a:pPr marL="228600" lvl="0" indent="-228600" algn="l" rtl="0">
@@ -38601,75 +38186,10 @@
               <a:buChar char="•"/>
             </a:pPr>
             <a:r>
-              <a:rPr lang="en-US" sz="3600"/>
-              <a:t>You can assign a variable to them		a = “Hello”</a:t>
-            </a:r>
-            <a:endParaRPr/>
-          </a:p>
-          <a:p>
-            <a:pPr marL="0" lvl="0" indent="0" algn="l" rtl="0">
-              <a:lnSpc>
-                <a:spcPct val="90000"/>
-              </a:lnSpc>
-              <a:spcBef>
-                <a:spcPts val="1000"/>
-              </a:spcBef>
-              <a:spcAft>
-                <a:spcPts val="0"/>
-              </a:spcAft>
-              <a:buClr>
-                <a:schemeClr val="dk1"/>
-              </a:buClr>
-              <a:buSzPts val="3600"/>
-              <a:buNone/>
-            </a:pPr>
-            <a:r>
-              <a:rPr lang="en-US" sz="3600"/>
-              <a:t>							         print(a)</a:t>
-            </a:r>
-            <a:endParaRPr/>
-          </a:p>
-          <a:p>
-            <a:pPr marL="0" lvl="0" indent="0" algn="l" rtl="0">
-              <a:lnSpc>
-                <a:spcPct val="90000"/>
-              </a:lnSpc>
-              <a:spcBef>
-                <a:spcPts val="1000"/>
-              </a:spcBef>
-              <a:spcAft>
-                <a:spcPts val="0"/>
-              </a:spcAft>
-              <a:buClr>
-                <a:schemeClr val="dk1"/>
-              </a:buClr>
-              <a:buSzPts val="3600"/>
-              <a:buNone/>
-            </a:pPr>
-            <a:endParaRPr sz="3600"/>
-          </a:p>
-          <a:p>
-            <a:pPr marL="228600" lvl="0" indent="-228600" algn="l" rtl="0">
-              <a:lnSpc>
-                <a:spcPct val="90000"/>
-              </a:lnSpc>
-              <a:spcBef>
-                <a:spcPts val="1000"/>
-              </a:spcBef>
-              <a:spcAft>
-                <a:spcPts val="0"/>
-              </a:spcAft>
-              <a:buClr>
-                <a:schemeClr val="dk1"/>
-              </a:buClr>
-              <a:buSzPts val="3600"/>
-              <a:buChar char="•"/>
-            </a:pPr>
-            <a:r>
-              <a:rPr lang="en-US" sz="3600"/>
+              <a:rPr lang="en-US" sz="3600" dirty="0"/>
               <a:t>Multi-line strings are designated with “””””/”””” or ‘’’/’’’</a:t>
             </a:r>
-            <a:endParaRPr/>
+            <a:endParaRPr dirty="0"/>
           </a:p>
         </p:txBody>
       </p:sp>
@@ -38802,7 +38322,7 @@
                                         <p:tgtEl>
                                           <p:spTgt spid="218">
                                             <p:txEl>
-                                              <p:pRg st="1" end="1"/>
+                                              <p:pRg st="2" end="2"/>
                                             </p:txEl>
                                           </p:spTgt>
                                         </p:tgtEl>
@@ -38820,7 +38340,7 @@
                                         <p:tgtEl>
                                           <p:spTgt spid="218">
                                             <p:txEl>
-                                              <p:pRg st="1" end="1"/>
+                                              <p:pRg st="2" end="2"/>
                                             </p:txEl>
                                           </p:spTgt>
                                         </p:tgtEl>
@@ -38878,7 +38398,7 @@
                                         <p:tgtEl>
                                           <p:spTgt spid="218">
                                             <p:txEl>
-                                              <p:pRg st="2" end="2"/>
+                                              <p:pRg st="3" end="3"/>
                                             </p:txEl>
                                           </p:spTgt>
                                         </p:tgtEl>
@@ -38896,7 +38416,7 @@
                                         <p:tgtEl>
                                           <p:spTgt spid="218">
                                             <p:txEl>
-                                              <p:pRg st="2" end="2"/>
+                                              <p:pRg st="3" end="3"/>
                                             </p:txEl>
                                           </p:spTgt>
                                         </p:tgtEl>
@@ -38954,7 +38474,7 @@
                                         <p:tgtEl>
                                           <p:spTgt spid="218">
                                             <p:txEl>
-                                              <p:pRg st="3" end="3"/>
+                                              <p:pRg st="5" end="5"/>
                                             </p:txEl>
                                           </p:spTgt>
                                         </p:tgtEl>
@@ -38969,158 +38489,6 @@
                                     <p:anim calcmode="lin" valueType="num">
                                       <p:cBhvr additive="base">
                                         <p:cTn id="22" dur="500"/>
-                                        <p:tgtEl>
-                                          <p:spTgt spid="218">
-                                            <p:txEl>
-                                              <p:pRg st="3" end="3"/>
-                                            </p:txEl>
-                                          </p:spTgt>
-                                        </p:tgtEl>
-                                        <p:attrNameLst>
-                                          <p:attrName>ppt_y</p:attrName>
-                                        </p:attrNameLst>
-                                      </p:cBhvr>
-                                      <p:tavLst>
-                                        <p:tav tm="0">
-                                          <p:val>
-                                            <p:strVal val="#ppt_y+1"/>
-                                          </p:val>
-                                        </p:tav>
-                                        <p:tav tm="100000">
-                                          <p:val>
-                                            <p:strVal val="#ppt_y"/>
-                                          </p:val>
-                                        </p:tav>
-                                      </p:tavLst>
-                                    </p:anim>
-                                  </p:childTnLst>
-                                </p:cTn>
-                              </p:par>
-                            </p:childTnLst>
-                          </p:cTn>
-                        </p:par>
-                      </p:childTnLst>
-                    </p:cTn>
-                  </p:par>
-                  <p:par>
-                    <p:cTn id="23" fill="hold">
-                      <p:stCondLst>
-                        <p:cond delay="indefinite"/>
-                      </p:stCondLst>
-                      <p:childTnLst>
-                        <p:par>
-                          <p:cTn id="24" fill="hold">
-                            <p:stCondLst>
-                              <p:cond delay="0"/>
-                            </p:stCondLst>
-                            <p:childTnLst>
-                              <p:par>
-                                <p:cTn id="25" presetID="2" presetClass="entr" presetSubtype="4" fill="hold" nodeType="clickEffect">
-                                  <p:stCondLst>
-                                    <p:cond delay="0"/>
-                                  </p:stCondLst>
-                                  <p:childTnLst>
-                                    <p:set>
-                                      <p:cBhvr>
-                                        <p:cTn id="26" dur="1" fill="hold">
-                                          <p:stCondLst>
-                                            <p:cond delay="0"/>
-                                          </p:stCondLst>
-                                        </p:cTn>
-                                        <p:tgtEl>
-                                          <p:spTgt spid="218">
-                                            <p:txEl>
-                                              <p:pRg st="4" end="4"/>
-                                            </p:txEl>
-                                          </p:spTgt>
-                                        </p:tgtEl>
-                                        <p:attrNameLst>
-                                          <p:attrName>style.visibility</p:attrName>
-                                        </p:attrNameLst>
-                                      </p:cBhvr>
-                                      <p:to>
-                                        <p:strVal val="visible"/>
-                                      </p:to>
-                                    </p:set>
-                                    <p:anim calcmode="lin" valueType="num">
-                                      <p:cBhvr additive="base">
-                                        <p:cTn id="27" dur="500"/>
-                                        <p:tgtEl>
-                                          <p:spTgt spid="218">
-                                            <p:txEl>
-                                              <p:pRg st="4" end="4"/>
-                                            </p:txEl>
-                                          </p:spTgt>
-                                        </p:tgtEl>
-                                        <p:attrNameLst>
-                                          <p:attrName>ppt_y</p:attrName>
-                                        </p:attrNameLst>
-                                      </p:cBhvr>
-                                      <p:tavLst>
-                                        <p:tav tm="0">
-                                          <p:val>
-                                            <p:strVal val="#ppt_y+1"/>
-                                          </p:val>
-                                        </p:tav>
-                                        <p:tav tm="100000">
-                                          <p:val>
-                                            <p:strVal val="#ppt_y"/>
-                                          </p:val>
-                                        </p:tav>
-                                      </p:tavLst>
-                                    </p:anim>
-                                  </p:childTnLst>
-                                </p:cTn>
-                              </p:par>
-                            </p:childTnLst>
-                          </p:cTn>
-                        </p:par>
-                      </p:childTnLst>
-                    </p:cTn>
-                  </p:par>
-                  <p:par>
-                    <p:cTn id="28" fill="hold">
-                      <p:stCondLst>
-                        <p:cond delay="indefinite"/>
-                      </p:stCondLst>
-                      <p:childTnLst>
-                        <p:par>
-                          <p:cTn id="29" fill="hold">
-                            <p:stCondLst>
-                              <p:cond delay="0"/>
-                            </p:stCondLst>
-                            <p:childTnLst>
-                              <p:par>
-                                <p:cTn id="30" presetID="2" presetClass="entr" presetSubtype="4" fill="hold" nodeType="clickEffect">
-                                  <p:stCondLst>
-                                    <p:cond delay="0"/>
-                                  </p:stCondLst>
-                                  <p:childTnLst>
-                                    <p:set>
-                                      <p:cBhvr>
-                                        <p:cTn id="31" dur="1" fill="hold">
-                                          <p:stCondLst>
-                                            <p:cond delay="0"/>
-                                          </p:stCondLst>
-                                        </p:cTn>
-                                        <p:tgtEl>
-                                          <p:spTgt spid="218">
-                                            <p:txEl>
-                                              <p:pRg st="5" end="5"/>
-                                            </p:txEl>
-                                          </p:spTgt>
-                                        </p:tgtEl>
-                                        <p:attrNameLst>
-                                          <p:attrName>style.visibility</p:attrName>
-                                        </p:attrNameLst>
-                                      </p:cBhvr>
-                                      <p:to>
-                                        <p:strVal val="visible"/>
-                                      </p:to>
-                                    </p:set>
-                                    <p:anim calcmode="lin" valueType="num">
-                                      <p:cBhvr additive="base">
-                                        <p:cTn id="32" dur="500"/>
                                         <p:tgtEl>
                                           <p:spTgt spid="218">
                                             <p:txEl>
@@ -39219,7 +38587,7 @@
         </p:nvSpPr>
         <p:spPr>
           <a:xfrm>
-            <a:off x="6126431" y="2451747"/>
+            <a:off x="6096000" y="858596"/>
             <a:ext cx="5905568" cy="1179028"/>
           </a:xfrm>
           <a:prstGeom prst="rect">
@@ -39253,10 +38621,10 @@
               <a:buNone/>
             </a:pPr>
             <a:r>
-              <a:rPr lang="en-US" sz="4000"/>
+              <a:rPr lang="en-US" sz="4000" dirty="0"/>
               <a:t>Getting the character </a:t>
             </a:r>
-            <a:endParaRPr/>
+            <a:endParaRPr dirty="0"/>
           </a:p>
           <a:p>
             <a:pPr marL="0" lvl="0" indent="0" algn="ctr" rtl="0">
@@ -39276,10 +38644,10 @@
               <a:buNone/>
             </a:pPr>
             <a:r>
-              <a:rPr lang="en-US" sz="4000"/>
+              <a:rPr lang="en-US" sz="4000" dirty="0"/>
               <a:t>position of a string</a:t>
             </a:r>
-            <a:endParaRPr/>
+            <a:endParaRPr dirty="0"/>
           </a:p>
         </p:txBody>
       </p:sp>
@@ -39295,8 +38663,8 @@
         </p:nvSpPr>
         <p:spPr>
           <a:xfrm>
-            <a:off x="6874212" y="3652247"/>
-            <a:ext cx="5157787" cy="4201338"/>
+            <a:off x="6469890" y="2497872"/>
+            <a:ext cx="5157787" cy="3638007"/>
           </a:xfrm>
           <a:prstGeom prst="rect">
             <a:avLst/>
@@ -39329,10 +38697,10 @@
               <a:buNone/>
             </a:pPr>
             <a:r>
-              <a:rPr lang="en-US" sz="3600"/>
+              <a:rPr lang="en-US" sz="3600" dirty="0"/>
               <a:t>a = “Hello World!”</a:t>
             </a:r>
-            <a:endParaRPr/>
+            <a:endParaRPr dirty="0"/>
           </a:p>
           <a:p>
             <a:pPr marL="0" lvl="0" indent="0" algn="l" rtl="0">
@@ -39352,10 +38720,10 @@
               <a:buNone/>
             </a:pPr>
             <a:r>
-              <a:rPr lang="en-US" sz="3600"/>
+              <a:rPr lang="en-US" sz="3600" dirty="0"/>
               <a:t>print(a[1])</a:t>
             </a:r>
-            <a:endParaRPr/>
+            <a:endParaRPr dirty="0"/>
           </a:p>
           <a:p>
             <a:pPr marL="0" lvl="0" indent="0" algn="l" rtl="0">
@@ -39375,10 +38743,10 @@
               <a:buNone/>
             </a:pPr>
             <a:r>
-              <a:rPr lang="en-US" sz="3600"/>
+              <a:rPr lang="en-US" sz="3600" dirty="0"/>
               <a:t>print(a[-1])</a:t>
             </a:r>
-            <a:endParaRPr/>
+            <a:endParaRPr dirty="0"/>
           </a:p>
           <a:p>
             <a:pPr marL="0" lvl="0" indent="0" algn="l" rtl="0">
@@ -39397,7 +38765,7 @@
               <a:buSzPts val="3600"/>
               <a:buNone/>
             </a:pPr>
-            <a:endParaRPr sz="3600"/>
+            <a:endParaRPr sz="3600" dirty="0"/>
           </a:p>
           <a:p>
             <a:pPr marL="0" lvl="0" indent="0" algn="ctr" rtl="0">
@@ -39417,10 +38785,10 @@
               <a:buNone/>
             </a:pPr>
             <a:r>
-              <a:rPr lang="en-US" sz="3600"/>
+              <a:rPr lang="en-US" sz="3600" dirty="0"/>
               <a:t>Try with another number!</a:t>
             </a:r>
-            <a:endParaRPr/>
+            <a:endParaRPr dirty="0"/>
           </a:p>
           <a:p>
             <a:pPr marL="0" lvl="0" indent="0" algn="l" rtl="0">
@@ -39439,7 +38807,7 @@
               <a:buSzPts val="3600"/>
               <a:buNone/>
             </a:pPr>
-            <a:endParaRPr sz="3600"/>
+            <a:endParaRPr sz="3600" dirty="0"/>
           </a:p>
           <a:p>
             <a:pPr marL="0" lvl="0" indent="0" algn="l" rtl="0">
@@ -39458,7 +38826,7 @@
               <a:buSzPts val="3600"/>
               <a:buNone/>
             </a:pPr>
-            <a:endParaRPr sz="3600"/>
+            <a:endParaRPr sz="3600" dirty="0"/>
           </a:p>
         </p:txBody>
       </p:sp>
@@ -39470,8 +38838,8 @@
         </p:nvSpPr>
         <p:spPr>
           <a:xfrm>
-            <a:off x="-253951" y="37171"/>
-            <a:ext cx="5534508" cy="1073771"/>
+            <a:off x="190432" y="409061"/>
+            <a:ext cx="5183189" cy="899069"/>
           </a:xfrm>
           <a:prstGeom prst="rect">
             <a:avLst/>
@@ -39483,7 +38851,7 @@
         </p:spPr>
         <p:txBody>
           <a:bodyPr spcFirstLastPara="1" wrap="square" lIns="91425" tIns="45700" rIns="91425" bIns="45700" anchor="b" anchorCtr="0">
-            <a:normAutofit fontScale="92500" lnSpcReduction="10000"/>
+            <a:normAutofit fontScale="92500" lnSpcReduction="20000"/>
           </a:bodyPr>
           <a:lstStyle/>
           <a:p>
@@ -39505,7 +38873,7 @@
               <a:buNone/>
             </a:pPr>
             <a:r>
-              <a:rPr lang="en-US" sz="4000" b="1">
+              <a:rPr lang="en-US" sz="4000" b="1" dirty="0">
                 <a:solidFill>
                   <a:schemeClr val="dk1"/>
                 </a:solidFill>
@@ -39516,7 +38884,7 @@
               </a:rPr>
               <a:t>Finding the length of a string</a:t>
             </a:r>
-            <a:endParaRPr/>
+            <a:endParaRPr dirty="0"/>
           </a:p>
         </p:txBody>
       </p:sp>
@@ -39528,7 +38896,7 @@
         </p:nvSpPr>
         <p:spPr>
           <a:xfrm>
-            <a:off x="581295" y="1448110"/>
+            <a:off x="681445" y="1648726"/>
             <a:ext cx="5183188" cy="1179029"/>
           </a:xfrm>
           <a:prstGeom prst="rect">
@@ -39563,7 +38931,7 @@
               <a:buNone/>
             </a:pPr>
             <a:r>
-              <a:rPr lang="en-US" sz="3600">
+              <a:rPr lang="en-US" sz="3600" dirty="0">
                 <a:solidFill>
                   <a:schemeClr val="dk1"/>
                 </a:solidFill>
@@ -39574,7 +38942,7 @@
               </a:rPr>
               <a:t>a = “Hello World!”</a:t>
             </a:r>
-            <a:endParaRPr/>
+            <a:endParaRPr dirty="0"/>
           </a:p>
           <a:p>
             <a:pPr marL="0" marR="0" lvl="0" indent="0" algn="l" rtl="0">
@@ -39595,7 +38963,7 @@
               <a:buNone/>
             </a:pPr>
             <a:r>
-              <a:rPr lang="en-US" sz="3600">
+              <a:rPr lang="en-US" sz="3600" dirty="0">
                 <a:solidFill>
                   <a:schemeClr val="dk1"/>
                 </a:solidFill>
@@ -39604,9 +38972,33 @@
                 <a:cs typeface="Calibri"/>
                 <a:sym typeface="Calibri"/>
               </a:rPr>
-              <a:t>print(len(a))</a:t>
+              <a:t>print(</a:t>
             </a:r>
-            <a:endParaRPr/>
+            <a:r>
+              <a:rPr lang="en-US" sz="3600" dirty="0" err="1">
+                <a:solidFill>
+                  <a:schemeClr val="dk1"/>
+                </a:solidFill>
+                <a:latin typeface="Calibri"/>
+                <a:ea typeface="Calibri"/>
+                <a:cs typeface="Calibri"/>
+                <a:sym typeface="Calibri"/>
+              </a:rPr>
+              <a:t>len</a:t>
+            </a:r>
+            <a:r>
+              <a:rPr lang="en-US" sz="3600" dirty="0">
+                <a:solidFill>
+                  <a:schemeClr val="dk1"/>
+                </a:solidFill>
+                <a:latin typeface="Calibri"/>
+                <a:ea typeface="Calibri"/>
+                <a:cs typeface="Calibri"/>
+                <a:sym typeface="Calibri"/>
+              </a:rPr>
+              <a:t>(a))</a:t>
+            </a:r>
+            <a:endParaRPr dirty="0"/>
           </a:p>
         </p:txBody>
       </p:sp>
@@ -39628,7 +39020,9 @@
             </a:avLst>
           </a:prstGeom>
           <a:solidFill>
-            <a:schemeClr val="dk1"/>
+            <a:schemeClr val="accent5">
+              <a:lumMod val="75000"/>
+            </a:schemeClr>
           </a:solidFill>
           <a:ln w="12700" cap="flat" cmpd="sng">
             <a:solidFill>
@@ -39702,9 +39096,9 @@
               <a:buNone/>
             </a:pPr>
             <a:r>
-              <a:rPr lang="en-US" sz="2400">
+              <a:rPr lang="en-US" sz="2400" b="1" dirty="0">
                 <a:solidFill>
-                  <a:srgbClr val="FFFF00"/>
+                  <a:schemeClr val="accent4"/>
                 </a:solidFill>
                 <a:latin typeface="Calibri"/>
                 <a:ea typeface="Calibri"/>
@@ -39713,7 +39107,11 @@
               </a:rPr>
               <a:t>Counting in Python starts with 0</a:t>
             </a:r>
-            <a:endParaRPr/>
+            <a:endParaRPr b="1" dirty="0">
+              <a:solidFill>
+                <a:schemeClr val="accent4"/>
+              </a:solidFill>
+            </a:endParaRPr>
           </a:p>
           <a:p>
             <a:pPr marL="0" marR="0" lvl="0" indent="0" algn="l" rtl="0">
@@ -39726,9 +39124,9 @@
               <a:buNone/>
             </a:pPr>
             <a:r>
-              <a:rPr lang="en-US" sz="2400">
+              <a:rPr lang="en-US" sz="2400" b="1" dirty="0">
                 <a:solidFill>
-                  <a:srgbClr val="FFFF00"/>
+                  <a:schemeClr val="accent4"/>
                 </a:solidFill>
                 <a:latin typeface="Calibri"/>
                 <a:ea typeface="Calibri"/>
@@ -39737,7 +39135,11 @@
               </a:rPr>
               <a:t>It includes ALL spaces inside the “ “</a:t>
             </a:r>
-            <a:endParaRPr/>
+            <a:endParaRPr b="1" dirty="0">
+              <a:solidFill>
+                <a:schemeClr val="accent4"/>
+              </a:solidFill>
+            </a:endParaRPr>
           </a:p>
           <a:p>
             <a:pPr marL="0" marR="0" lvl="0" indent="0" algn="l" rtl="0">
@@ -39749,9 +39151,9 @@
               </a:spcAft>
               <a:buNone/>
             </a:pPr>
-            <a:endParaRPr sz="2400">
+            <a:endParaRPr sz="2400" b="1" dirty="0">
               <a:solidFill>
-                <a:srgbClr val="FFFF00"/>
+                <a:schemeClr val="accent4"/>
               </a:solidFill>
               <a:latin typeface="Calibri"/>
               <a:ea typeface="Calibri"/>
@@ -39770,9 +39172,9 @@
               <a:buNone/>
             </a:pPr>
             <a:r>
-              <a:rPr lang="en-US" sz="2400">
+              <a:rPr lang="en-US" sz="2400" b="1" dirty="0">
                 <a:solidFill>
-                  <a:srgbClr val="FFFF00"/>
+                  <a:schemeClr val="accent4"/>
                 </a:solidFill>
                 <a:latin typeface="Calibri"/>
                 <a:ea typeface="Calibri"/>
@@ -39781,7 +39183,11 @@
               </a:rPr>
               <a:t>Exemption: when you are counting backwards.</a:t>
             </a:r>
-            <a:endParaRPr/>
+            <a:endParaRPr b="1" dirty="0">
+              <a:solidFill>
+                <a:schemeClr val="accent4"/>
+              </a:solidFill>
+            </a:endParaRPr>
           </a:p>
         </p:txBody>
       </p:sp>

--- a/Section05/5.2-Python_DataTypes1.pptx
+++ b/Section05/5.2-Python_DataTypes1.pptx
@@ -1,12 +1,12 @@
 
 <file path=ppt/presentation.xml><?xml version="1.0" encoding="utf-8"?>
-<p:presentation xmlns:a="http://schemas.openxmlformats.org/drawingml/2006/main" xmlns:r="http://schemas.openxmlformats.org/officeDocument/2006/relationships" xmlns:p="http://schemas.openxmlformats.org/presentationml/2006/main" strictFirstAndLastChars="0" embedTrueTypeFonts="1" saveSubsetFonts="1" autoCompressPictures="0">
+<p:presentation xmlns:a="http://schemas.openxmlformats.org/drawingml/2006/main" xmlns:r="http://schemas.openxmlformats.org/officeDocument/2006/relationships" xmlns:p="http://schemas.openxmlformats.org/presentationml/2006/main" showSpecialPlsOnTitleSld="0" strictFirstAndLastChars="0" embedTrueTypeFonts="1" saveSubsetFonts="1" autoCompressPictures="0">
   <p:sldMasterIdLst>
     <p:sldMasterId id="2147483648" r:id="rId1"/>
     <p:sldMasterId id="2147483660" r:id="rId2"/>
   </p:sldMasterIdLst>
   <p:notesMasterIdLst>
-    <p:notesMasterId r:id="rId20"/>
+    <p:notesMasterId r:id="rId19"/>
   </p:notesMasterIdLst>
   <p:sldIdLst>
     <p:sldId id="256" r:id="rId3"/>
@@ -25,24 +25,23 @@
     <p:sldId id="280" r:id="rId16"/>
     <p:sldId id="281" r:id="rId17"/>
     <p:sldId id="282" r:id="rId18"/>
-    <p:sldId id="283" r:id="rId19"/>
   </p:sldIdLst>
   <p:sldSz cx="12192000" cy="6858000"/>
   <p:notesSz cx="6858000" cy="9144000"/>
   <p:embeddedFontLst>
     <p:embeddedFont>
       <p:font typeface="Calibri" panose="020F0502020204030204" pitchFamily="34" charset="0"/>
-      <p:regular r:id="rId21"/>
-      <p:bold r:id="rId22"/>
-      <p:italic r:id="rId23"/>
-      <p:boldItalic r:id="rId24"/>
+      <p:regular r:id="rId20"/>
+      <p:bold r:id="rId21"/>
+      <p:italic r:id="rId22"/>
+      <p:boldItalic r:id="rId23"/>
     </p:embeddedFont>
     <p:embeddedFont>
       <p:font typeface="Consolas" panose="020B0609020204030204" pitchFamily="49" charset="0"/>
-      <p:regular r:id="rId25"/>
-      <p:bold r:id="rId26"/>
-      <p:italic r:id="rId27"/>
-      <p:boldItalic r:id="rId28"/>
+      <p:regular r:id="rId24"/>
+      <p:bold r:id="rId25"/>
+      <p:italic r:id="rId26"/>
+      <p:boldItalic r:id="rId27"/>
     </p:embeddedFont>
   </p:embeddedFontLst>
   <p:defaultTextStyle>
@@ -1558,110 +1557,6 @@
 </p:notes>
 </file>
 
-<file path=ppt/notesSlides/notesSlide17.xml><?xml version="1.0" encoding="utf-8"?>
-<p:notes xmlns:a="http://schemas.openxmlformats.org/drawingml/2006/main" xmlns:r="http://schemas.openxmlformats.org/officeDocument/2006/relationships" xmlns:p="http://schemas.openxmlformats.org/presentationml/2006/main" showMasterSp="0" showMasterPhAnim="0">
-  <p:cSld>
-    <p:spTree>
-      <p:nvGrpSpPr>
-        <p:cNvPr id="1" name="Shape 288"/>
-        <p:cNvGrpSpPr/>
-        <p:nvPr/>
-      </p:nvGrpSpPr>
-      <p:grpSpPr>
-        <a:xfrm>
-          <a:off x="0" y="0"/>
-          <a:ext cx="0" cy="0"/>
-          <a:chOff x="0" y="0"/>
-          <a:chExt cx="0" cy="0"/>
-        </a:xfrm>
-      </p:grpSpPr>
-      <p:sp>
-        <p:nvSpPr>
-          <p:cNvPr id="289" name="Google Shape;289;p29:notes"/>
-          <p:cNvSpPr txBox="1">
-            <a:spLocks noGrp="1"/>
-          </p:cNvSpPr>
-          <p:nvPr>
-            <p:ph type="body" idx="1"/>
-          </p:nvPr>
-        </p:nvSpPr>
-        <p:spPr>
-          <a:xfrm>
-            <a:off x="685800" y="4343400"/>
-            <a:ext cx="5486400" cy="4114800"/>
-          </a:xfrm>
-          <a:prstGeom prst="rect">
-            <a:avLst/>
-          </a:prstGeom>
-        </p:spPr>
-        <p:txBody>
-          <a:bodyPr spcFirstLastPara="1" wrap="square" lIns="91425" tIns="91425" rIns="91425" bIns="91425" anchor="t" anchorCtr="0">
-            <a:noAutofit/>
-          </a:bodyPr>
-          <a:lstStyle/>
-          <a:p>
-            <a:pPr marL="0" lvl="0" indent="0" algn="l" rtl="0">
-              <a:spcBef>
-                <a:spcPts val="0"/>
-              </a:spcBef>
-              <a:spcAft>
-                <a:spcPts val="0"/>
-              </a:spcAft>
-              <a:buNone/>
-            </a:pPr>
-            <a:endParaRPr/>
-          </a:p>
-        </p:txBody>
-      </p:sp>
-      <p:sp>
-        <p:nvSpPr>
-          <p:cNvPr id="290" name="Google Shape;290;p29:notes"/>
-          <p:cNvSpPr>
-            <a:spLocks noGrp="1" noRot="1" noChangeAspect="1"/>
-          </p:cNvSpPr>
-          <p:nvPr>
-            <p:ph type="sldImg" idx="2"/>
-          </p:nvPr>
-        </p:nvSpPr>
-        <p:spPr>
-          <a:xfrm>
-            <a:off x="381000" y="685800"/>
-            <a:ext cx="6096000" cy="3429000"/>
-          </a:xfrm>
-          <a:custGeom>
-            <a:avLst/>
-            <a:gdLst/>
-            <a:ahLst/>
-            <a:cxnLst/>
-            <a:rect l="l" t="t" r="r" b="b"/>
-            <a:pathLst>
-              <a:path w="120000" h="120000" extrusionOk="0">
-                <a:moveTo>
-                  <a:pt x="0" y="0"/>
-                </a:moveTo>
-                <a:lnTo>
-                  <a:pt x="120000" y="0"/>
-                </a:lnTo>
-                <a:lnTo>
-                  <a:pt x="120000" y="120000"/>
-                </a:lnTo>
-                <a:lnTo>
-                  <a:pt x="0" y="120000"/>
-                </a:lnTo>
-                <a:close/>
-              </a:path>
-            </a:pathLst>
-          </a:custGeom>
-        </p:spPr>
-      </p:sp>
-    </p:spTree>
-  </p:cSld>
-  <p:clrMapOvr>
-    <a:masterClrMapping/>
-  </p:clrMapOvr>
-</p:notes>
-</file>
-
 <file path=ppt/notesSlides/notesSlide2.xml><?xml version="1.0" encoding="utf-8"?>
 <p:notes xmlns:a="http://schemas.openxmlformats.org/drawingml/2006/main" xmlns:r="http://schemas.openxmlformats.org/officeDocument/2006/relationships" xmlns:p="http://schemas.openxmlformats.org/presentationml/2006/main" showMasterSp="0" showMasterPhAnim="0">
   <p:cSld>
@@ -3527,6 +3422,10 @@
             </a:lvl9pPr>
           </a:lstStyle>
           <a:p>
+            <a:fld id="{B637E86D-EE1A-4F8A-8E0D-61B51A584C68}" type="datetime1">
+              <a:rPr lang="en-US" smtClean="0"/>
+              <a:t>10/20/2022</a:t>
+            </a:fld>
             <a:endParaRPr/>
           </a:p>
         </p:txBody>
@@ -4453,6 +4352,10 @@
             </a:lvl9pPr>
           </a:lstStyle>
           <a:p>
+            <a:fld id="{1CD25946-28AE-43BB-A215-1DFE167C4169}" type="datetime1">
+              <a:rPr lang="en-US" smtClean="0"/>
+              <a:t>10/20/2022</a:t>
+            </a:fld>
             <a:endParaRPr/>
           </a:p>
         </p:txBody>
@@ -5188,6 +5091,10 @@
             </a:lvl9pPr>
           </a:lstStyle>
           <a:p>
+            <a:fld id="{A099BB6B-9E26-4C9A-8747-CE422FBDCFDA}" type="datetime1">
+              <a:rPr lang="en-US" smtClean="0"/>
+              <a:t>10/20/2022</a:t>
+            </a:fld>
             <a:endParaRPr/>
           </a:p>
         </p:txBody>
@@ -5736,6 +5643,10 @@
             </a:lvl9pPr>
           </a:lstStyle>
           <a:p>
+            <a:fld id="{A471A313-B79A-4E4D-ABA7-146881E4B1E9}" type="datetime1">
+              <a:rPr lang="en-US" smtClean="0"/>
+              <a:t>10/20/2022</a:t>
+            </a:fld>
             <a:endParaRPr/>
           </a:p>
         </p:txBody>
@@ -6145,6 +6056,10 @@
             </a:lvl9pPr>
           </a:lstStyle>
           <a:p>
+            <a:fld id="{975875A7-C6D3-4B27-B36E-80CA66DE1D51}" type="datetime1">
+              <a:rPr lang="en-US" smtClean="0"/>
+              <a:t>10/20/2022</a:t>
+            </a:fld>
             <a:endParaRPr/>
           </a:p>
         </p:txBody>
@@ -6919,6 +6834,10 @@
             </a:lvl9pPr>
           </a:lstStyle>
           <a:p>
+            <a:fld id="{9AC315A0-3FAA-430A-B30F-834A6CAAD3FD}" type="datetime1">
+              <a:rPr lang="en-US" smtClean="0"/>
+              <a:t>10/20/2022</a:t>
+            </a:fld>
             <a:endParaRPr/>
           </a:p>
         </p:txBody>
@@ -8219,6 +8138,10 @@
             </a:lvl9pPr>
           </a:lstStyle>
           <a:p>
+            <a:fld id="{119209FF-9E87-48F7-8FCB-482761813873}" type="datetime1">
+              <a:rPr lang="en-US" smtClean="0"/>
+              <a:t>10/20/2022</a:t>
+            </a:fld>
             <a:endParaRPr/>
           </a:p>
         </p:txBody>
@@ -9146,6 +9069,10 @@
             </a:lvl9pPr>
           </a:lstStyle>
           <a:p>
+            <a:fld id="{3102366F-F4B2-42DD-8BE2-0D07717C05A0}" type="datetime1">
+              <a:rPr lang="en-US" smtClean="0"/>
+              <a:t>10/20/2022</a:t>
+            </a:fld>
             <a:endParaRPr/>
           </a:p>
         </p:txBody>
@@ -9908,6 +9835,10 @@
             </a:lvl9pPr>
           </a:lstStyle>
           <a:p>
+            <a:fld id="{3AF5206C-32CF-413F-8046-692B6B1F4CDF}" type="datetime1">
+              <a:rPr lang="en-US" smtClean="0"/>
+              <a:t>10/20/2022</a:t>
+            </a:fld>
             <a:endParaRPr/>
           </a:p>
         </p:txBody>
@@ -11167,6 +11098,10 @@
             </a:lvl9pPr>
           </a:lstStyle>
           <a:p>
+            <a:fld id="{D2DA7FC3-B50F-4BA3-B71C-C2116B7A6A38}" type="datetime1">
+              <a:rPr lang="en-US" smtClean="0"/>
+              <a:t>10/20/2022</a:t>
+            </a:fld>
             <a:endParaRPr/>
           </a:p>
         </p:txBody>
@@ -12426,6 +12361,10 @@
             </a:lvl9pPr>
           </a:lstStyle>
           <a:p>
+            <a:fld id="{D4838D0F-92C5-4938-B519-D6481B37C4CF}" type="datetime1">
+              <a:rPr lang="en-US" smtClean="0"/>
+              <a:t>10/20/2022</a:t>
+            </a:fld>
             <a:endParaRPr/>
           </a:p>
         </p:txBody>
@@ -13161,6 +13100,10 @@
             </a:lvl9pPr>
           </a:lstStyle>
           <a:p>
+            <a:fld id="{6FA29494-1DDF-4D3A-B663-86F48975C71C}" type="datetime1">
+              <a:rPr lang="en-US" smtClean="0"/>
+              <a:t>10/20/2022</a:t>
+            </a:fld>
             <a:endParaRPr/>
           </a:p>
         </p:txBody>
@@ -14087,6 +14030,10 @@
             </a:lvl9pPr>
           </a:lstStyle>
           <a:p>
+            <a:fld id="{97A4B3CC-C1D5-404A-9C1F-D52E498A79B6}" type="datetime1">
+              <a:rPr lang="en-US" smtClean="0"/>
+              <a:t>10/20/2022</a:t>
+            </a:fld>
             <a:endParaRPr/>
           </a:p>
         </p:txBody>
@@ -14639,6 +14586,10 @@
             </a:lvl9pPr>
           </a:lstStyle>
           <a:p>
+            <a:fld id="{671DFD63-6548-445E-8F97-3FD3D6D6F631}" type="datetime1">
+              <a:rPr lang="en-US" smtClean="0"/>
+              <a:t>10/20/2022</a:t>
+            </a:fld>
             <a:endParaRPr/>
           </a:p>
         </p:txBody>
@@ -15566,6 +15517,10 @@
             </a:lvl9pPr>
           </a:lstStyle>
           <a:p>
+            <a:fld id="{E505B898-26CC-4CF1-B049-16C0D752685D}" type="datetime1">
+              <a:rPr lang="en-US" smtClean="0"/>
+              <a:t>10/20/2022</a:t>
+            </a:fld>
             <a:endParaRPr/>
           </a:p>
         </p:txBody>
@@ -16330,6 +16285,10 @@
             </a:lvl9pPr>
           </a:lstStyle>
           <a:p>
+            <a:fld id="{F551CC5D-D8FC-4EE6-9315-09289C6F173A}" type="datetime1">
+              <a:rPr lang="en-US" smtClean="0"/>
+              <a:t>10/20/2022</a:t>
+            </a:fld>
             <a:endParaRPr/>
           </a:p>
         </p:txBody>
@@ -17069,6 +17028,10 @@
             </a:lvl9pPr>
           </a:lstStyle>
           <a:p>
+            <a:fld id="{883E67BC-E905-43A8-A093-A5CE439C9EA7}" type="datetime1">
+              <a:rPr lang="en-US" smtClean="0"/>
+              <a:t>10/20/2022</a:t>
+            </a:fld>
             <a:endParaRPr/>
           </a:p>
         </p:txBody>
@@ -17808,6 +17771,10 @@
             </a:lvl9pPr>
           </a:lstStyle>
           <a:p>
+            <a:fld id="{F8073376-F125-4D30-95A4-4ECC33F316D9}" type="datetime1">
+              <a:rPr lang="en-US" smtClean="0"/>
+              <a:t>10/20/2022</a:t>
+            </a:fld>
             <a:endParaRPr/>
           </a:p>
         </p:txBody>
@@ -18550,6 +18517,10 @@
             </a:lvl9pPr>
           </a:lstStyle>
           <a:p>
+            <a:fld id="{BCD90274-86F4-4D5C-9E84-9850D5035D98}" type="datetime1">
+              <a:rPr lang="en-US" smtClean="0"/>
+              <a:t>10/20/2022</a:t>
+            </a:fld>
             <a:endParaRPr/>
           </a:p>
         </p:txBody>
@@ -19455,6 +19426,10 @@
             </a:lvl9pPr>
           </a:lstStyle>
           <a:p>
+            <a:fld id="{E61480EA-3014-409D-9DD1-CA5A010DF7F4}" type="datetime1">
+              <a:rPr lang="en-US" smtClean="0"/>
+              <a:t>10/20/2022</a:t>
+            </a:fld>
             <a:endParaRPr/>
           </a:p>
         </p:txBody>
@@ -19871,7 +19846,7 @@
       </p:transition>
     </mc:Fallback>
   </mc:AlternateContent>
-  <p:hf sldNum="0" hdr="0" ftr="0" dt="0"/>
+  <p:hf hdr="0" ftr="0"/>
   <p:txStyles>
     <p:titleStyle>
       <a:defPPr marR="0" lvl="0" algn="l" rtl="0">
@@ -21730,6 +21705,10 @@
             </a:lvl9pPr>
           </a:lstStyle>
           <a:p>
+            <a:fld id="{180E3450-8D5C-40CF-B132-DCDFE9FE9D45}" type="datetime1">
+              <a:rPr lang="en-US" smtClean="0"/>
+              <a:t>10/20/2022</a:t>
+            </a:fld>
             <a:endParaRPr/>
           </a:p>
         </p:txBody>
@@ -22145,7 +22124,7 @@
   <p:transition spd="slow">
     <p:wipe/>
   </p:transition>
-  <p:hf sldNum="0" hdr="0" ftr="0" dt="0"/>
+  <p:hf hdr="0" ftr="0"/>
   <p:txStyles>
     <p:titleStyle>
       <a:defPPr marR="0" lvl="0" algn="l" rtl="0">
@@ -23642,7 +23621,7 @@
         <p:spPr>
           <a:xfrm>
             <a:off x="1011252" y="498036"/>
-            <a:ext cx="10169495" cy="1039788"/>
+            <a:ext cx="10169495" cy="918169"/>
           </a:xfrm>
           <a:prstGeom prst="rect">
             <a:avLst/>
@@ -23711,8 +23690,8 @@
         </p:nvSpPr>
         <p:spPr>
           <a:xfrm>
-            <a:off x="2384737" y="2749333"/>
-            <a:ext cx="7422523" cy="2910372"/>
+            <a:off x="2384737" y="2029522"/>
+            <a:ext cx="7422523" cy="3630183"/>
           </a:xfrm>
           <a:prstGeom prst="rect">
             <a:avLst/>
@@ -23757,6 +23736,25 @@
               </a:rPr>
               <a:t>txt = “The best class in Saint Louis”</a:t>
             </a:r>
+          </a:p>
+          <a:p>
+            <a:pPr marL="0" marR="0" lvl="0" indent="0" algn="l" rtl="0">
+              <a:lnSpc>
+                <a:spcPct val="90000"/>
+              </a:lnSpc>
+              <a:spcBef>
+                <a:spcPts val="0"/>
+              </a:spcBef>
+              <a:spcAft>
+                <a:spcPts val="0"/>
+              </a:spcAft>
+              <a:buClr>
+                <a:schemeClr val="dk1"/>
+              </a:buClr>
+              <a:buSzPts val="3600"/>
+              <a:buFont typeface="Arial"/>
+              <a:buNone/>
+            </a:pPr>
             <a:endParaRPr sz="1600" dirty="0"/>
           </a:p>
           <a:p>
@@ -26522,7 +26520,7 @@
               <a:buNone/>
             </a:pPr>
             <a:r>
-              <a:rPr lang="en-US" sz="3600">
+              <a:rPr lang="en-US" sz="3600" dirty="0">
                 <a:solidFill>
                   <a:schemeClr val="dk1"/>
                 </a:solidFill>
@@ -26533,7 +26531,7 @@
               </a:rPr>
               <a:t>c = “Hello World!”</a:t>
             </a:r>
-            <a:endParaRPr/>
+            <a:endParaRPr dirty="0"/>
           </a:p>
           <a:p>
             <a:pPr marL="0" marR="0" lvl="0" indent="0" algn="l" rtl="0">
@@ -26554,7 +26552,7 @@
               <a:buNone/>
             </a:pPr>
             <a:r>
-              <a:rPr lang="en-US" sz="3600">
+              <a:rPr lang="en-US" sz="3600" dirty="0">
                 <a:solidFill>
                   <a:schemeClr val="dk1"/>
                 </a:solidFill>
@@ -26563,9 +26561,33 @@
                 <a:cs typeface="Calibri"/>
                 <a:sym typeface="Calibri"/>
               </a:rPr>
-              <a:t>print(c.replace(“H” , “J”))</a:t>
+              <a:t>print(</a:t>
             </a:r>
-            <a:endParaRPr/>
+            <a:r>
+              <a:rPr lang="en-US" sz="3600" dirty="0" err="1">
+                <a:solidFill>
+                  <a:schemeClr val="dk1"/>
+                </a:solidFill>
+                <a:latin typeface="Calibri"/>
+                <a:ea typeface="Calibri"/>
+                <a:cs typeface="Calibri"/>
+                <a:sym typeface="Calibri"/>
+              </a:rPr>
+              <a:t>c.replace</a:t>
+            </a:r>
+            <a:r>
+              <a:rPr lang="en-US" sz="3600" dirty="0">
+                <a:solidFill>
+                  <a:schemeClr val="dk1"/>
+                </a:solidFill>
+                <a:latin typeface="Calibri"/>
+                <a:ea typeface="Calibri"/>
+                <a:cs typeface="Calibri"/>
+                <a:sym typeface="Calibri"/>
+              </a:rPr>
+              <a:t>(“H” , “J”))</a:t>
+            </a:r>
+            <a:endParaRPr dirty="0"/>
           </a:p>
         </p:txBody>
       </p:sp>
@@ -26666,7 +26688,7 @@
               <a:buNone/>
             </a:pPr>
             <a:r>
-              <a:rPr lang="en-US" sz="4000" b="1">
+              <a:rPr lang="en-US" sz="4000" b="1" dirty="0">
                 <a:solidFill>
                   <a:schemeClr val="dk1"/>
                 </a:solidFill>
@@ -26677,7 +26699,7 @@
               </a:rPr>
               <a:t>Concatenation</a:t>
             </a:r>
-            <a:endParaRPr/>
+            <a:endParaRPr dirty="0"/>
           </a:p>
         </p:txBody>
       </p:sp>
@@ -26716,7 +26738,7 @@
               <a:buNone/>
             </a:pPr>
             <a:r>
-              <a:rPr lang="en-US" sz="3600" b="0" i="0">
+              <a:rPr lang="en-US" sz="3600" b="0" i="0" dirty="0">
                 <a:solidFill>
                   <a:srgbClr val="000000"/>
                 </a:solidFill>
@@ -26728,7 +26750,7 @@
               <a:t>a = </a:t>
             </a:r>
             <a:r>
-              <a:rPr lang="en-US" sz="3600" b="0" i="0">
+              <a:rPr lang="en-US" sz="3600" b="0" i="0" dirty="0">
                 <a:solidFill>
                   <a:srgbClr val="A52A2A"/>
                 </a:solidFill>
@@ -26740,7 +26762,7 @@
               <a:t>"Hello"</a:t>
             </a:r>
             <a:br>
-              <a:rPr lang="en-US" sz="3600">
+              <a:rPr lang="en-US" sz="3600" dirty="0">
                 <a:solidFill>
                   <a:schemeClr val="dk1"/>
                 </a:solidFill>
@@ -26751,7 +26773,7 @@
               </a:rPr>
             </a:br>
             <a:r>
-              <a:rPr lang="en-US" sz="3600" b="0" i="0">
+              <a:rPr lang="en-US" sz="3600" b="0" i="0" dirty="0">
                 <a:solidFill>
                   <a:srgbClr val="000000"/>
                 </a:solidFill>
@@ -26763,7 +26785,7 @@
               <a:t>b = </a:t>
             </a:r>
             <a:r>
-              <a:rPr lang="en-US" sz="3600" b="0" i="0">
+              <a:rPr lang="en-US" sz="3600" b="0" i="0" dirty="0">
                 <a:solidFill>
                   <a:srgbClr val="A52A2A"/>
                 </a:solidFill>
@@ -26775,7 +26797,7 @@
               <a:t>"World"</a:t>
             </a:r>
             <a:br>
-              <a:rPr lang="en-US" sz="3600">
+              <a:rPr lang="en-US" sz="3600" dirty="0">
                 <a:solidFill>
                   <a:schemeClr val="dk1"/>
                 </a:solidFill>
@@ -26786,7 +26808,7 @@
               </a:rPr>
             </a:br>
             <a:r>
-              <a:rPr lang="en-US" sz="3600" b="0" i="0">
+              <a:rPr lang="en-US" sz="3600" b="0" i="0" dirty="0">
                 <a:solidFill>
                   <a:srgbClr val="000000"/>
                 </a:solidFill>
@@ -26798,7 +26820,7 @@
               <a:t>c = a + b</a:t>
             </a:r>
             <a:br>
-              <a:rPr lang="en-US" sz="3600">
+              <a:rPr lang="en-US" sz="3600" dirty="0">
                 <a:solidFill>
                   <a:schemeClr val="dk1"/>
                 </a:solidFill>
@@ -26809,7 +26831,7 @@
               </a:rPr>
             </a:br>
             <a:r>
-              <a:rPr lang="en-US" sz="3600" b="0" i="0">
+              <a:rPr lang="en-US" sz="3600" b="0" i="0" dirty="0">
                 <a:solidFill>
                   <a:srgbClr val="0000CD"/>
                 </a:solidFill>
@@ -26821,7 +26843,7 @@
               <a:t>print</a:t>
             </a:r>
             <a:r>
-              <a:rPr lang="en-US" sz="3600" b="0" i="0">
+              <a:rPr lang="en-US" sz="3600" b="0" i="0" dirty="0">
                 <a:solidFill>
                   <a:srgbClr val="000000"/>
                 </a:solidFill>
@@ -26832,7 +26854,7 @@
               </a:rPr>
               <a:t>(c)</a:t>
             </a:r>
-            <a:endParaRPr sz="3600">
+            <a:endParaRPr sz="3600" dirty="0">
               <a:solidFill>
                 <a:schemeClr val="dk1"/>
               </a:solidFill>
@@ -27241,10 +27263,10 @@
               <a:buNone/>
             </a:pPr>
             <a:r>
-              <a:rPr lang="en-US" b="1"/>
+              <a:rPr lang="en-US" b="1" dirty="0"/>
               <a:t>Formatting a String</a:t>
             </a:r>
-            <a:endParaRPr/>
+            <a:endParaRPr dirty="0"/>
           </a:p>
         </p:txBody>
       </p:sp>
@@ -27294,7 +27316,7 @@
               <a:buNone/>
             </a:pPr>
             <a:r>
-              <a:rPr lang="en-US" b="0" i="0">
+              <a:rPr lang="en-US" b="0" i="0" dirty="0">
                 <a:solidFill>
                   <a:srgbClr val="000000"/>
                 </a:solidFill>
@@ -27306,7 +27328,7 @@
               <a:t>age = ”</a:t>
             </a:r>
             <a:r>
-              <a:rPr lang="en-US" b="0" i="0">
+              <a:rPr lang="en-US" b="0" i="0" dirty="0">
                 <a:solidFill>
                   <a:srgbClr val="FF0000"/>
                 </a:solidFill>
@@ -27318,10 +27340,10 @@
               <a:t>36”</a:t>
             </a:r>
             <a:br>
-              <a:rPr lang="en-US"/>
+              <a:rPr lang="en-US" dirty="0"/>
             </a:br>
             <a:r>
-              <a:rPr lang="en-US" b="0" i="0">
+              <a:rPr lang="en-US" b="0" i="0" dirty="0">
                 <a:solidFill>
                   <a:srgbClr val="000000"/>
                 </a:solidFill>
@@ -27333,7 +27355,7 @@
               <a:t>txt = </a:t>
             </a:r>
             <a:r>
-              <a:rPr lang="en-US" b="0" i="0">
+              <a:rPr lang="en-US" b="0" i="0" dirty="0">
                 <a:solidFill>
                   <a:srgbClr val="A52A2A"/>
                 </a:solidFill>
@@ -27345,7 +27367,7 @@
               <a:t>"My name is John, I am "</a:t>
             </a:r>
             <a:r>
-              <a:rPr lang="en-US" b="0" i="0">
+              <a:rPr lang="en-US" b="0" i="0" dirty="0">
                 <a:solidFill>
                   <a:srgbClr val="000000"/>
                 </a:solidFill>
@@ -27357,10 +27379,10 @@
               <a:t> + age</a:t>
             </a:r>
             <a:br>
-              <a:rPr lang="en-US"/>
+              <a:rPr lang="en-US" dirty="0"/>
             </a:br>
             <a:r>
-              <a:rPr lang="en-US" b="0" i="0">
+              <a:rPr lang="en-US" b="0" i="0" dirty="0">
                 <a:solidFill>
                   <a:srgbClr val="0000CD"/>
                 </a:solidFill>
@@ -27372,7 +27394,7 @@
               <a:t>print</a:t>
             </a:r>
             <a:r>
-              <a:rPr lang="en-US" b="0" i="0">
+              <a:rPr lang="en-US" b="0" i="0" dirty="0">
                 <a:solidFill>
                   <a:srgbClr val="000000"/>
                 </a:solidFill>
@@ -27383,7 +27405,7 @@
               </a:rPr>
               <a:t>(txt)</a:t>
             </a:r>
-            <a:endParaRPr/>
+            <a:endParaRPr dirty="0"/>
           </a:p>
           <a:p>
             <a:pPr marL="0" lvl="0" indent="0" algn="l" rtl="0">
@@ -27402,7 +27424,7 @@
               <a:buSzPct val="100000"/>
               <a:buNone/>
             </a:pPr>
-            <a:endParaRPr>
+            <a:endParaRPr dirty="0">
               <a:solidFill>
                 <a:srgbClr val="000000"/>
               </a:solidFill>
@@ -27430,7 +27452,7 @@
               <a:buNone/>
             </a:pPr>
             <a:r>
-              <a:rPr lang="en-US" b="0" i="0">
+              <a:rPr lang="en-US" b="0" i="0" dirty="0">
                 <a:solidFill>
                   <a:srgbClr val="000000"/>
                 </a:solidFill>
@@ -27442,7 +27464,7 @@
               <a:t>age = </a:t>
             </a:r>
             <a:r>
-              <a:rPr lang="en-US" b="0" i="0">
+              <a:rPr lang="en-US" b="0" i="0" dirty="0">
                 <a:solidFill>
                   <a:srgbClr val="FF0000"/>
                 </a:solidFill>
@@ -27454,10 +27476,10 @@
               <a:t>36</a:t>
             </a:r>
             <a:br>
-              <a:rPr lang="en-US"/>
+              <a:rPr lang="en-US" dirty="0"/>
             </a:br>
             <a:r>
-              <a:rPr lang="en-US" b="0" i="0">
+              <a:rPr lang="en-US" b="0" i="0" dirty="0">
                 <a:solidFill>
                   <a:srgbClr val="000000"/>
                 </a:solidFill>
@@ -27469,7 +27491,7 @@
               <a:t>txt = </a:t>
             </a:r>
             <a:r>
-              <a:rPr lang="en-US" b="0" i="0">
+              <a:rPr lang="en-US" b="0" i="0" dirty="0">
                 <a:solidFill>
                   <a:srgbClr val="A52A2A"/>
                 </a:solidFill>
@@ -27481,10 +27503,10 @@
               <a:t>"My name is John, and I am {}"</a:t>
             </a:r>
             <a:br>
-              <a:rPr lang="en-US"/>
+              <a:rPr lang="en-US" dirty="0"/>
             </a:br>
             <a:r>
-              <a:rPr lang="en-US" b="0" i="0">
+              <a:rPr lang="en-US" b="0" i="0" dirty="0">
                 <a:solidFill>
                   <a:srgbClr val="0000CD"/>
                 </a:solidFill>
@@ -27496,7 +27518,7 @@
               <a:t>print</a:t>
             </a:r>
             <a:r>
-              <a:rPr lang="en-US" b="0" i="0">
+              <a:rPr lang="en-US" b="0" i="0" dirty="0">
                 <a:solidFill>
                   <a:srgbClr val="000000"/>
                 </a:solidFill>
@@ -27505,10 +27527,22 @@
                 <a:cs typeface="Consolas"/>
                 <a:sym typeface="Consolas"/>
               </a:rPr>
-              <a:t>(txt.</a:t>
+              <a:t>(</a:t>
             </a:r>
             <a:r>
-              <a:rPr lang="en-US" b="0" i="0">
+              <a:rPr lang="en-US" b="0" i="0" dirty="0" err="1">
+                <a:solidFill>
+                  <a:srgbClr val="000000"/>
+                </a:solidFill>
+                <a:latin typeface="Consolas"/>
+                <a:ea typeface="Consolas"/>
+                <a:cs typeface="Consolas"/>
+                <a:sym typeface="Consolas"/>
+              </a:rPr>
+              <a:t>txt.</a:t>
+            </a:r>
+            <a:r>
+              <a:rPr lang="en-US" b="0" i="0" dirty="0" err="1">
                 <a:solidFill>
                   <a:srgbClr val="0000CD"/>
                 </a:solidFill>
@@ -27520,7 +27554,7 @@
               <a:t>format</a:t>
             </a:r>
             <a:r>
-              <a:rPr lang="en-US" b="0" i="0">
+              <a:rPr lang="en-US" b="0" i="0" dirty="0">
                 <a:solidFill>
                   <a:srgbClr val="000000"/>
                 </a:solidFill>
@@ -27531,7 +27565,7 @@
               </a:rPr>
               <a:t>(age))</a:t>
             </a:r>
-            <a:endParaRPr/>
+            <a:endParaRPr dirty="0"/>
           </a:p>
           <a:p>
             <a:pPr marL="0" lvl="0" indent="0" algn="l" rtl="0">
@@ -27550,7 +27584,7 @@
               <a:buSzPct val="100000"/>
               <a:buNone/>
             </a:pPr>
-            <a:endParaRPr>
+            <a:endParaRPr dirty="0">
               <a:solidFill>
                 <a:srgbClr val="000000"/>
               </a:solidFill>
@@ -27578,7 +27612,7 @@
               <a:buNone/>
             </a:pPr>
             <a:r>
-              <a:rPr lang="en-US" b="0" i="0">
+              <a:rPr lang="en-US" b="0" i="0" dirty="0">
                 <a:solidFill>
                   <a:srgbClr val="000000"/>
                 </a:solidFill>
@@ -27590,7 +27624,7 @@
               <a:t>quantity = </a:t>
             </a:r>
             <a:r>
-              <a:rPr lang="en-US" b="0" i="0">
+              <a:rPr lang="en-US" b="0" i="0" dirty="0">
                 <a:solidFill>
                   <a:srgbClr val="FF0000"/>
                 </a:solidFill>
@@ -27602,10 +27636,10 @@
               <a:t>3</a:t>
             </a:r>
             <a:br>
-              <a:rPr lang="en-US"/>
+              <a:rPr lang="en-US" dirty="0"/>
             </a:br>
             <a:r>
-              <a:rPr lang="en-US" b="0" i="0">
+              <a:rPr lang="en-US" b="0" i="0" dirty="0" err="1">
                 <a:solidFill>
                   <a:srgbClr val="000000"/>
                 </a:solidFill>
@@ -27614,10 +27648,22 @@
                 <a:cs typeface="Consolas"/>
                 <a:sym typeface="Consolas"/>
               </a:rPr>
-              <a:t>itemno = </a:t>
+              <a:t>itemno</a:t>
             </a:r>
             <a:r>
-              <a:rPr lang="en-US" b="0" i="0">
+              <a:rPr lang="en-US" b="0" i="0" dirty="0">
+                <a:solidFill>
+                  <a:srgbClr val="000000"/>
+                </a:solidFill>
+                <a:latin typeface="Consolas"/>
+                <a:ea typeface="Consolas"/>
+                <a:cs typeface="Consolas"/>
+                <a:sym typeface="Consolas"/>
+              </a:rPr>
+              <a:t> = </a:t>
+            </a:r>
+            <a:r>
+              <a:rPr lang="en-US" b="0" i="0" dirty="0">
                 <a:solidFill>
                   <a:srgbClr val="FF0000"/>
                 </a:solidFill>
@@ -27629,10 +27675,10 @@
               <a:t>567</a:t>
             </a:r>
             <a:br>
-              <a:rPr lang="en-US"/>
+              <a:rPr lang="en-US" dirty="0"/>
             </a:br>
             <a:r>
-              <a:rPr lang="en-US" b="0" i="0">
+              <a:rPr lang="en-US" b="0" i="0" dirty="0">
                 <a:solidFill>
                   <a:srgbClr val="000000"/>
                 </a:solidFill>
@@ -27644,7 +27690,7 @@
               <a:t>price = </a:t>
             </a:r>
             <a:r>
-              <a:rPr lang="en-US" b="0" i="0">
+              <a:rPr lang="en-US" b="0" i="0" dirty="0">
                 <a:solidFill>
                   <a:srgbClr val="FF0000"/>
                 </a:solidFill>
@@ -27656,10 +27702,10 @@
               <a:t>49.95</a:t>
             </a:r>
             <a:br>
-              <a:rPr lang="en-US"/>
+              <a:rPr lang="en-US" dirty="0"/>
             </a:br>
             <a:r>
-              <a:rPr lang="en-US" b="0" i="0">
+              <a:rPr lang="en-US" b="0" i="0" dirty="0" err="1">
                 <a:solidFill>
                   <a:srgbClr val="000000"/>
                 </a:solidFill>
@@ -27668,10 +27714,22 @@
                 <a:cs typeface="Consolas"/>
                 <a:sym typeface="Consolas"/>
               </a:rPr>
-              <a:t>myorder = </a:t>
+              <a:t>myorder</a:t>
             </a:r>
             <a:r>
-              <a:rPr lang="en-US" b="0" i="0">
+              <a:rPr lang="en-US" b="0" i="0" dirty="0">
+                <a:solidFill>
+                  <a:srgbClr val="000000"/>
+                </a:solidFill>
+                <a:latin typeface="Consolas"/>
+                <a:ea typeface="Consolas"/>
+                <a:cs typeface="Consolas"/>
+                <a:sym typeface="Consolas"/>
+              </a:rPr>
+              <a:t> = </a:t>
+            </a:r>
+            <a:r>
+              <a:rPr lang="en-US" b="0" i="0" dirty="0">
                 <a:solidFill>
                   <a:srgbClr val="A52A2A"/>
                 </a:solidFill>
@@ -27683,10 +27741,10 @@
               <a:t>"I want {} pieces of item {} for {} dollars."</a:t>
             </a:r>
             <a:br>
-              <a:rPr lang="en-US"/>
+              <a:rPr lang="en-US" dirty="0"/>
             </a:br>
             <a:r>
-              <a:rPr lang="en-US" b="0" i="0">
+              <a:rPr lang="en-US" b="0" i="0" dirty="0">
                 <a:solidFill>
                   <a:srgbClr val="0000CD"/>
                 </a:solidFill>
@@ -27698,7 +27756,7 @@
               <a:t>print</a:t>
             </a:r>
             <a:r>
-              <a:rPr lang="en-US" b="0" i="0">
+              <a:rPr lang="en-US" b="0" i="0" dirty="0">
                 <a:solidFill>
                   <a:srgbClr val="000000"/>
                 </a:solidFill>
@@ -27707,10 +27765,22 @@
                 <a:cs typeface="Consolas"/>
                 <a:sym typeface="Consolas"/>
               </a:rPr>
-              <a:t>(myorder.</a:t>
+              <a:t>(</a:t>
             </a:r>
             <a:r>
-              <a:rPr lang="en-US" b="0" i="0">
+              <a:rPr lang="en-US" b="0" i="0" dirty="0" err="1">
+                <a:solidFill>
+                  <a:srgbClr val="000000"/>
+                </a:solidFill>
+                <a:latin typeface="Consolas"/>
+                <a:ea typeface="Consolas"/>
+                <a:cs typeface="Consolas"/>
+                <a:sym typeface="Consolas"/>
+              </a:rPr>
+              <a:t>myorder.</a:t>
+            </a:r>
+            <a:r>
+              <a:rPr lang="en-US" b="0" i="0" dirty="0" err="1">
                 <a:solidFill>
                   <a:srgbClr val="0000CD"/>
                 </a:solidFill>
@@ -27722,7 +27792,7 @@
               <a:t>format</a:t>
             </a:r>
             <a:r>
-              <a:rPr lang="en-US" b="0" i="0">
+              <a:rPr lang="en-US" b="0" i="0" dirty="0">
                 <a:solidFill>
                   <a:srgbClr val="000000"/>
                 </a:solidFill>
@@ -27731,63 +27801,100 @@
                 <a:cs typeface="Consolas"/>
                 <a:sym typeface="Consolas"/>
               </a:rPr>
-              <a:t>(quantity, itemno, price))</a:t>
+              <a:t>(quantity, </a:t>
             </a:r>
-            <a:endParaRPr/>
+            <a:r>
+              <a:rPr lang="en-US" b="0" i="0" dirty="0" err="1">
+                <a:solidFill>
+                  <a:srgbClr val="000000"/>
+                </a:solidFill>
+                <a:latin typeface="Consolas"/>
+                <a:ea typeface="Consolas"/>
+                <a:cs typeface="Consolas"/>
+                <a:sym typeface="Consolas"/>
+              </a:rPr>
+              <a:t>itemno</a:t>
+            </a:r>
+            <a:r>
+              <a:rPr lang="en-US" b="0" i="0" dirty="0">
+                <a:solidFill>
+                  <a:srgbClr val="000000"/>
+                </a:solidFill>
+                <a:latin typeface="Consolas"/>
+                <a:ea typeface="Consolas"/>
+                <a:cs typeface="Consolas"/>
+                <a:sym typeface="Consolas"/>
+              </a:rPr>
+              <a:t>, price))</a:t>
+            </a:r>
+            <a:endParaRPr dirty="0"/>
           </a:p>
         </p:txBody>
       </p:sp>
       <p:sp>
         <p:nvSpPr>
-          <p:cNvPr id="274" name="Google Shape;274;p26"/>
-          <p:cNvSpPr txBox="1"/>
-          <p:nvPr/>
+          <p:cNvPr id="2" name="Date Placeholder 1">
+            <a:extLst>
+              <a:ext uri="{FF2B5EF4-FFF2-40B4-BE49-F238E27FC236}">
+                <a16:creationId xmlns:a16="http://schemas.microsoft.com/office/drawing/2014/main" id="{A2D64CE6-3D3A-DF56-F676-47D2D412CF53}"/>
+              </a:ext>
+            </a:extLst>
+          </p:cNvPr>
+          <p:cNvSpPr>
+            <a:spLocks noGrp="1"/>
+          </p:cNvSpPr>
+          <p:nvPr>
+            <p:ph type="dt" idx="10"/>
+          </p:nvPr>
         </p:nvSpPr>
-        <p:spPr>
-          <a:xfrm>
-            <a:off x="6096000" y="3896139"/>
-            <a:ext cx="5705577" cy="2844662"/>
-          </a:xfrm>
-          <a:prstGeom prst="rect">
-            <a:avLst/>
-          </a:prstGeom>
-          <a:noFill/>
-          <a:ln>
-            <a:noFill/>
-          </a:ln>
-        </p:spPr>
+        <p:spPr/>
         <p:txBody>
-          <a:bodyPr spcFirstLastPara="1" wrap="square" lIns="91425" tIns="45700" rIns="91425" bIns="45700" anchor="t" anchorCtr="0">
-            <a:normAutofit/>
-          </a:bodyPr>
+          <a:bodyPr/>
           <a:lstStyle/>
           <a:p>
-            <a:pPr marL="0" marR="0" lvl="0" indent="0" algn="l" rtl="0">
-              <a:lnSpc>
-                <a:spcPct val="90000"/>
-              </a:lnSpc>
-              <a:spcBef>
-                <a:spcPts val="0"/>
-              </a:spcBef>
-              <a:spcAft>
-                <a:spcPts val="0"/>
-              </a:spcAft>
-              <a:buClr>
-                <a:schemeClr val="dk1"/>
-              </a:buClr>
-              <a:buSzPts val="2800"/>
-              <a:buFont typeface="Arial"/>
+            <a:fld id="{4836C882-B482-405B-8946-617B22EA54BA}" type="datetime1">
+              <a:rPr lang="en-US" smtClean="0"/>
+              <a:t>10/20/2022</a:t>
+            </a:fld>
+            <a:endParaRPr lang="en-US"/>
+          </a:p>
+        </p:txBody>
+      </p:sp>
+      <p:sp>
+        <p:nvSpPr>
+          <p:cNvPr id="3" name="Slide Number Placeholder 2">
+            <a:extLst>
+              <a:ext uri="{FF2B5EF4-FFF2-40B4-BE49-F238E27FC236}">
+                <a16:creationId xmlns:a16="http://schemas.microsoft.com/office/drawing/2014/main" id="{78DFCC8C-468A-FEB1-94CA-6F55CC9AFE1C}"/>
+              </a:ext>
+            </a:extLst>
+          </p:cNvPr>
+          <p:cNvSpPr>
+            <a:spLocks noGrp="1"/>
+          </p:cNvSpPr>
+          <p:nvPr>
+            <p:ph type="sldNum" idx="12"/>
+          </p:nvPr>
+        </p:nvSpPr>
+        <p:spPr/>
+        <p:txBody>
+          <a:bodyPr/>
+          <a:lstStyle/>
+          <a:p>
+            <a:pPr marL="0" lvl="0" indent="0" algn="r" rtl="0">
+              <a:spcBef>
+                <a:spcPts val="0"/>
+              </a:spcBef>
+              <a:spcAft>
+                <a:spcPts val="0"/>
+              </a:spcAft>
               <a:buNone/>
             </a:pPr>
-            <a:endParaRPr sz="2800">
-              <a:solidFill>
-                <a:schemeClr val="dk1"/>
-              </a:solidFill>
-              <a:latin typeface="Calibri"/>
-              <a:ea typeface="Calibri"/>
-              <a:cs typeface="Calibri"/>
-              <a:sym typeface="Calibri"/>
-            </a:endParaRPr>
+            <a:fld id="{00000000-1234-1234-1234-123412341234}" type="slidenum">
+              <a:rPr lang="en-US" smtClean="0"/>
+              <a:t>14</a:t>
+            </a:fld>
+            <a:endParaRPr lang="en-US"/>
           </a:p>
         </p:txBody>
       </p:sp>
@@ -29271,6 +29378,73 @@
           </a:graphicData>
         </a:graphic>
       </p:graphicFrame>
+      <p:sp>
+        <p:nvSpPr>
+          <p:cNvPr id="2" name="Date Placeholder 1">
+            <a:extLst>
+              <a:ext uri="{FF2B5EF4-FFF2-40B4-BE49-F238E27FC236}">
+                <a16:creationId xmlns:a16="http://schemas.microsoft.com/office/drawing/2014/main" id="{9FC2C44F-5CC7-07A8-01AE-F73724F7D802}"/>
+              </a:ext>
+            </a:extLst>
+          </p:cNvPr>
+          <p:cNvSpPr>
+            <a:spLocks noGrp="1"/>
+          </p:cNvSpPr>
+          <p:nvPr>
+            <p:ph type="dt" idx="10"/>
+          </p:nvPr>
+        </p:nvSpPr>
+        <p:spPr/>
+        <p:txBody>
+          <a:bodyPr/>
+          <a:lstStyle/>
+          <a:p>
+            <a:fld id="{382A5E65-E988-46CF-AE54-3CE72EABC648}" type="datetime1">
+              <a:rPr lang="en-US" smtClean="0"/>
+              <a:t>10/20/2022</a:t>
+            </a:fld>
+            <a:endParaRPr lang="en-US"/>
+          </a:p>
+        </p:txBody>
+      </p:sp>
+      <p:sp>
+        <p:nvSpPr>
+          <p:cNvPr id="3" name="Slide Number Placeholder 2">
+            <a:extLst>
+              <a:ext uri="{FF2B5EF4-FFF2-40B4-BE49-F238E27FC236}">
+                <a16:creationId xmlns:a16="http://schemas.microsoft.com/office/drawing/2014/main" id="{53C5276A-F68F-A9DB-0D22-BDC06DD91A48}"/>
+              </a:ext>
+            </a:extLst>
+          </p:cNvPr>
+          <p:cNvSpPr>
+            <a:spLocks noGrp="1"/>
+          </p:cNvSpPr>
+          <p:nvPr>
+            <p:ph type="sldNum" idx="12"/>
+          </p:nvPr>
+        </p:nvSpPr>
+        <p:spPr/>
+        <p:txBody>
+          <a:bodyPr/>
+          <a:lstStyle/>
+          <a:p>
+            <a:pPr marL="0" lvl="0" indent="0" algn="r" rtl="0">
+              <a:spcBef>
+                <a:spcPts val="0"/>
+              </a:spcBef>
+              <a:spcAft>
+                <a:spcPts val="0"/>
+              </a:spcAft>
+              <a:buNone/>
+            </a:pPr>
+            <a:fld id="{00000000-1234-1234-1234-123412341234}" type="slidenum">
+              <a:rPr lang="en-US" smtClean="0"/>
+              <a:t>15</a:t>
+            </a:fld>
+            <a:endParaRPr lang="en-US"/>
+          </a:p>
+        </p:txBody>
+      </p:sp>
     </p:spTree>
   </p:cSld>
   <p:clrMapOvr>
@@ -29414,8 +29588,8 @@
         </p:nvSpPr>
         <p:spPr>
           <a:xfrm>
-            <a:off x="838200" y="1412488"/>
-            <a:ext cx="2899189" cy="4363844"/>
+            <a:off x="542695" y="1412489"/>
+            <a:ext cx="2899189" cy="2979234"/>
           </a:xfrm>
           <a:prstGeom prst="rect">
             <a:avLst/>
@@ -29449,7 +29623,7 @@
               <a:buNone/>
             </a:pPr>
             <a:r>
-              <a:rPr lang="en-US" sz="4000" b="1">
+              <a:rPr lang="en-US" sz="4000" b="1" dirty="0">
                 <a:solidFill>
                   <a:srgbClr val="FF0000"/>
                 </a:solidFill>
@@ -29457,28 +29631,21 @@
               <a:t>Booleans</a:t>
             </a:r>
             <a:br>
-              <a:rPr lang="en-US" sz="4000" b="1">
+              <a:rPr lang="en-US" sz="4000" b="1" dirty="0">
                 <a:solidFill>
                   <a:srgbClr val="FF0000"/>
                 </a:solidFill>
               </a:rPr>
             </a:br>
             <a:r>
-              <a:rPr lang="en-US" sz="4000" b="1">
+              <a:rPr lang="en-US" sz="4000" b="1" dirty="0">
                 <a:solidFill>
                   <a:srgbClr val="FF0000"/>
                 </a:solidFill>
               </a:rPr>
               <a:t>represent one of two values: True or False</a:t>
             </a:r>
-            <a:br>
-              <a:rPr lang="en-US" sz="4000" b="1">
-                <a:solidFill>
-                  <a:srgbClr val="FF0000"/>
-                </a:solidFill>
-              </a:rPr>
-            </a:br>
-            <a:endParaRPr sz="4000" b="1">
+            <a:endParaRPr sz="4000" b="1" dirty="0">
               <a:solidFill>
                 <a:srgbClr val="FF0000"/>
               </a:solidFill>
@@ -29498,8 +29665,8 @@
         </p:nvSpPr>
         <p:spPr>
           <a:xfrm>
-            <a:off x="4380855" y="414338"/>
-            <a:ext cx="3427283" cy="6257925"/>
+            <a:off x="3635299" y="414338"/>
+            <a:ext cx="4172840" cy="5741135"/>
           </a:xfrm>
           <a:prstGeom prst="rect">
             <a:avLst/>
@@ -29511,7 +29678,7 @@
         </p:spPr>
         <p:txBody>
           <a:bodyPr spcFirstLastPara="1" wrap="square" lIns="91425" tIns="45700" rIns="91425" bIns="45700" anchor="t" anchorCtr="0">
-            <a:normAutofit fontScale="92500" lnSpcReduction="20000"/>
+            <a:normAutofit fontScale="92500" lnSpcReduction="10000"/>
           </a:bodyPr>
           <a:lstStyle/>
           <a:p>
@@ -29532,10 +29699,10 @@
               <a:buChar char="•"/>
             </a:pPr>
             <a:r>
-              <a:rPr lang="en-US" sz="3200"/>
+              <a:rPr lang="en-US" sz="3200" dirty="0"/>
               <a:t>You often need to know if an expression is true or false</a:t>
             </a:r>
-            <a:endParaRPr/>
+            <a:endParaRPr dirty="0"/>
           </a:p>
           <a:p>
             <a:pPr marL="0" lvl="0" indent="0" algn="l" rtl="0">
@@ -29554,7 +29721,7 @@
               <a:buSzPct val="100000"/>
               <a:buNone/>
             </a:pPr>
-            <a:endParaRPr sz="3200"/>
+            <a:endParaRPr sz="3200" dirty="0"/>
           </a:p>
           <a:p>
             <a:pPr marL="228600" lvl="0" indent="-228600" algn="l" rtl="0">
@@ -29574,10 +29741,10 @@
               <a:buChar char="•"/>
             </a:pPr>
             <a:r>
-              <a:rPr lang="en-US" sz="3200"/>
+              <a:rPr lang="en-US" sz="3200" dirty="0"/>
               <a:t>You can evaluate any expression and get one of two answers</a:t>
             </a:r>
-            <a:endParaRPr/>
+            <a:endParaRPr dirty="0"/>
           </a:p>
           <a:p>
             <a:pPr marL="228600" lvl="0" indent="-40639" algn="l" rtl="0">
@@ -29596,7 +29763,7 @@
               <a:buSzPct val="100000"/>
               <a:buNone/>
             </a:pPr>
-            <a:endParaRPr sz="3200"/>
+            <a:endParaRPr sz="3200" dirty="0"/>
           </a:p>
           <a:p>
             <a:pPr marL="228600" lvl="0" indent="-228600" algn="l" rtl="0">
@@ -29616,10 +29783,10 @@
               <a:buChar char="•"/>
             </a:pPr>
             <a:r>
-              <a:rPr lang="en-US" sz="3200"/>
+              <a:rPr lang="en-US" sz="3200" dirty="0"/>
               <a:t>When you compare two values, the expression is evaluated and Python returns the BOOLEAN answer.</a:t>
             </a:r>
-            <a:endParaRPr/>
+            <a:endParaRPr dirty="0"/>
           </a:p>
         </p:txBody>
       </p:sp>
@@ -29635,8 +29802,8 @@
         </p:nvSpPr>
         <p:spPr>
           <a:xfrm>
-            <a:off x="8451604" y="1412489"/>
-            <a:ext cx="3197701" cy="4363844"/>
+            <a:off x="8451604" y="624468"/>
+            <a:ext cx="3197701" cy="5151865"/>
           </a:xfrm>
           <a:prstGeom prst="rect">
             <a:avLst/>
@@ -29669,10 +29836,10 @@
               <a:buNone/>
             </a:pPr>
             <a:r>
-              <a:rPr lang="en-US" sz="3200"/>
+              <a:rPr lang="en-US" sz="3200" dirty="0"/>
               <a:t>print(10 &gt; 9)</a:t>
             </a:r>
-            <a:endParaRPr/>
+            <a:endParaRPr dirty="0"/>
           </a:p>
           <a:p>
             <a:pPr marL="0" lvl="0" indent="0" algn="ctr" rtl="0">
@@ -29691,7 +29858,7 @@
               <a:buSzPct val="100000"/>
               <a:buNone/>
             </a:pPr>
-            <a:endParaRPr sz="3200"/>
+            <a:endParaRPr lang="en-US" sz="3200" dirty="0"/>
           </a:p>
           <a:p>
             <a:pPr marL="0" lvl="0" indent="0" algn="ctr" rtl="0">
@@ -29710,11 +29877,7 @@
               <a:buSzPct val="100000"/>
               <a:buNone/>
             </a:pPr>
-            <a:r>
-              <a:rPr lang="en-US" sz="3200"/>
-              <a:t>print(10 == 9)</a:t>
-            </a:r>
-            <a:endParaRPr/>
+            <a:endParaRPr sz="3200" dirty="0"/>
           </a:p>
           <a:p>
             <a:pPr marL="0" lvl="0" indent="0" algn="ctr" rtl="0">
@@ -29733,7 +29896,11 @@
               <a:buSzPct val="100000"/>
               <a:buNone/>
             </a:pPr>
-            <a:endParaRPr sz="3200"/>
+            <a:r>
+              <a:rPr lang="en-US" sz="3200" dirty="0"/>
+              <a:t>print(10 == 9)</a:t>
+            </a:r>
+            <a:endParaRPr dirty="0"/>
           </a:p>
           <a:p>
             <a:pPr marL="0" lvl="0" indent="0" algn="ctr" rtl="0">
@@ -29752,11 +29919,116 @@
               <a:buSzPct val="100000"/>
               <a:buNone/>
             </a:pPr>
+            <a:endParaRPr lang="en-US" sz="3200" dirty="0"/>
+          </a:p>
+          <a:p>
+            <a:pPr marL="0" lvl="0" indent="0" algn="ctr" rtl="0">
+              <a:lnSpc>
+                <a:spcPct val="90000"/>
+              </a:lnSpc>
+              <a:spcBef>
+                <a:spcPts val="1000"/>
+              </a:spcBef>
+              <a:spcAft>
+                <a:spcPts val="0"/>
+              </a:spcAft>
+              <a:buClr>
+                <a:schemeClr val="dk1"/>
+              </a:buClr>
+              <a:buSzPct val="100000"/>
+              <a:buNone/>
+            </a:pPr>
+            <a:endParaRPr sz="3200" dirty="0"/>
+          </a:p>
+          <a:p>
+            <a:pPr marL="0" lvl="0" indent="0" algn="ctr" rtl="0">
+              <a:lnSpc>
+                <a:spcPct val="90000"/>
+              </a:lnSpc>
+              <a:spcBef>
+                <a:spcPts val="1000"/>
+              </a:spcBef>
+              <a:spcAft>
+                <a:spcPts val="0"/>
+              </a:spcAft>
+              <a:buClr>
+                <a:schemeClr val="dk1"/>
+              </a:buClr>
+              <a:buSzPct val="100000"/>
+              <a:buNone/>
+            </a:pPr>
             <a:r>
-              <a:rPr lang="en-US" sz="3200"/>
+              <a:rPr lang="en-US" sz="3200" dirty="0"/>
               <a:t>print(10 &lt; 9)</a:t>
             </a:r>
-            <a:endParaRPr/>
+            <a:endParaRPr dirty="0"/>
+          </a:p>
+        </p:txBody>
+      </p:sp>
+      <p:sp>
+        <p:nvSpPr>
+          <p:cNvPr id="2" name="Date Placeholder 1">
+            <a:extLst>
+              <a:ext uri="{FF2B5EF4-FFF2-40B4-BE49-F238E27FC236}">
+                <a16:creationId xmlns:a16="http://schemas.microsoft.com/office/drawing/2014/main" id="{7406800E-8DF4-034A-2926-E92C4E9C315F}"/>
+              </a:ext>
+            </a:extLst>
+          </p:cNvPr>
+          <p:cNvSpPr>
+            <a:spLocks noGrp="1"/>
+          </p:cNvSpPr>
+          <p:nvPr>
+            <p:ph type="dt" idx="10"/>
+          </p:nvPr>
+        </p:nvSpPr>
+        <p:spPr/>
+        <p:txBody>
+          <a:bodyPr/>
+          <a:lstStyle/>
+          <a:p>
+            <a:fld id="{E69FB952-BB3D-431B-A9E9-F4CF21762576}" type="datetime1">
+              <a:rPr lang="en-US" smtClean="0"/>
+              <a:t>10/20/2022</a:t>
+            </a:fld>
+            <a:endParaRPr lang="en-US"/>
+          </a:p>
+        </p:txBody>
+      </p:sp>
+      <p:sp>
+        <p:nvSpPr>
+          <p:cNvPr id="3" name="Slide Number Placeholder 2">
+            <a:extLst>
+              <a:ext uri="{FF2B5EF4-FFF2-40B4-BE49-F238E27FC236}">
+                <a16:creationId xmlns:a16="http://schemas.microsoft.com/office/drawing/2014/main" id="{E7A86D36-C491-8EA1-EA6F-B99999D16DD2}"/>
+              </a:ext>
+            </a:extLst>
+          </p:cNvPr>
+          <p:cNvSpPr>
+            <a:spLocks noGrp="1"/>
+          </p:cNvSpPr>
+          <p:nvPr>
+            <p:ph type="sldNum" idx="12"/>
+          </p:nvPr>
+        </p:nvSpPr>
+        <p:spPr/>
+        <p:txBody>
+          <a:bodyPr/>
+          <a:lstStyle/>
+          <a:p>
+            <a:pPr marL="0" lvl="0" indent="0" algn="r" rtl="0">
+              <a:spcBef>
+                <a:spcPts val="0"/>
+              </a:spcBef>
+              <a:spcAft>
+                <a:spcPts val="0"/>
+              </a:spcAft>
+              <a:buNone/>
+            </a:pPr>
+            <a:fld id="{00000000-1234-1234-1234-123412341234}" type="slidenum">
+              <a:rPr lang="en-US" smtClean="0"/>
+              <a:t>16</a:t>
+            </a:fld>
+            <a:endParaRPr lang="en-US"/>
           </a:p>
         </p:txBody>
       </p:sp>
@@ -30269,7 +30541,7 @@
                                         <p:tgtEl>
                                           <p:spTgt spid="287">
                                             <p:txEl>
-                                              <p:pRg st="1" end="1"/>
+                                              <p:pRg st="3" end="3"/>
                                             </p:txEl>
                                           </p:spTgt>
                                         </p:tgtEl>
@@ -30287,7 +30559,7 @@
                                         <p:tgtEl>
                                           <p:spTgt spid="287">
                                             <p:txEl>
-                                              <p:pRg st="1" end="1"/>
+                                              <p:pRg st="3" end="3"/>
                                             </p:txEl>
                                           </p:spTgt>
                                         </p:tgtEl>
@@ -30345,7 +30617,7 @@
                                         <p:tgtEl>
                                           <p:spTgt spid="287">
                                             <p:txEl>
-                                              <p:pRg st="2" end="2"/>
+                                              <p:pRg st="6" end="6"/>
                                             </p:txEl>
                                           </p:spTgt>
                                         </p:tgtEl>
@@ -30363,630 +30635,7 @@
                                         <p:tgtEl>
                                           <p:spTgt spid="287">
                                             <p:txEl>
-                                              <p:pRg st="2" end="2"/>
-                                            </p:txEl>
-                                          </p:spTgt>
-                                        </p:tgtEl>
-                                        <p:attrNameLst>
-                                          <p:attrName>ppt_y</p:attrName>
-                                        </p:attrNameLst>
-                                      </p:cBhvr>
-                                      <p:tavLst>
-                                        <p:tav tm="0">
-                                          <p:val>
-                                            <p:strVal val="#ppt_y+1"/>
-                                          </p:val>
-                                        </p:tav>
-                                        <p:tav tm="100000">
-                                          <p:val>
-                                            <p:strVal val="#ppt_y"/>
-                                          </p:val>
-                                        </p:tav>
-                                      </p:tavLst>
-                                    </p:anim>
-                                  </p:childTnLst>
-                                </p:cTn>
-                              </p:par>
-                            </p:childTnLst>
-                          </p:cTn>
-                        </p:par>
-                      </p:childTnLst>
-                    </p:cTn>
-                  </p:par>
-                  <p:par>
-                    <p:cTn id="43" fill="hold">
-                      <p:stCondLst>
-                        <p:cond delay="indefinite"/>
-                      </p:stCondLst>
-                      <p:childTnLst>
-                        <p:par>
-                          <p:cTn id="44" fill="hold">
-                            <p:stCondLst>
-                              <p:cond delay="0"/>
-                            </p:stCondLst>
-                            <p:childTnLst>
-                              <p:par>
-                                <p:cTn id="45" presetID="2" presetClass="entr" presetSubtype="4" fill="hold" nodeType="clickEffect">
-                                  <p:stCondLst>
-                                    <p:cond delay="0"/>
-                                  </p:stCondLst>
-                                  <p:childTnLst>
-                                    <p:set>
-                                      <p:cBhvr>
-                                        <p:cTn id="46" dur="1" fill="hold">
-                                          <p:stCondLst>
-                                            <p:cond delay="0"/>
-                                          </p:stCondLst>
-                                        </p:cTn>
-                                        <p:tgtEl>
-                                          <p:spTgt spid="287">
-                                            <p:txEl>
-                                              <p:pRg st="3" end="3"/>
-                                            </p:txEl>
-                                          </p:spTgt>
-                                        </p:tgtEl>
-                                        <p:attrNameLst>
-                                          <p:attrName>style.visibility</p:attrName>
-                                        </p:attrNameLst>
-                                      </p:cBhvr>
-                                      <p:to>
-                                        <p:strVal val="visible"/>
-                                      </p:to>
-                                    </p:set>
-                                    <p:anim calcmode="lin" valueType="num">
-                                      <p:cBhvr additive="base">
-                                        <p:cTn id="47" dur="500"/>
-                                        <p:tgtEl>
-                                          <p:spTgt spid="287">
-                                            <p:txEl>
-                                              <p:pRg st="3" end="3"/>
-                                            </p:txEl>
-                                          </p:spTgt>
-                                        </p:tgtEl>
-                                        <p:attrNameLst>
-                                          <p:attrName>ppt_y</p:attrName>
-                                        </p:attrNameLst>
-                                      </p:cBhvr>
-                                      <p:tavLst>
-                                        <p:tav tm="0">
-                                          <p:val>
-                                            <p:strVal val="#ppt_y+1"/>
-                                          </p:val>
-                                        </p:tav>
-                                        <p:tav tm="100000">
-                                          <p:val>
-                                            <p:strVal val="#ppt_y"/>
-                                          </p:val>
-                                        </p:tav>
-                                      </p:tavLst>
-                                    </p:anim>
-                                  </p:childTnLst>
-                                </p:cTn>
-                              </p:par>
-                            </p:childTnLst>
-                          </p:cTn>
-                        </p:par>
-                      </p:childTnLst>
-                    </p:cTn>
-                  </p:par>
-                  <p:par>
-                    <p:cTn id="48" fill="hold">
-                      <p:stCondLst>
-                        <p:cond delay="indefinite"/>
-                      </p:stCondLst>
-                      <p:childTnLst>
-                        <p:par>
-                          <p:cTn id="49" fill="hold">
-                            <p:stCondLst>
-                              <p:cond delay="0"/>
-                            </p:stCondLst>
-                            <p:childTnLst>
-                              <p:par>
-                                <p:cTn id="50" presetID="2" presetClass="entr" presetSubtype="4" fill="hold" nodeType="clickEffect">
-                                  <p:stCondLst>
-                                    <p:cond delay="0"/>
-                                  </p:stCondLst>
-                                  <p:childTnLst>
-                                    <p:set>
-                                      <p:cBhvr>
-                                        <p:cTn id="51" dur="1" fill="hold">
-                                          <p:stCondLst>
-                                            <p:cond delay="0"/>
-                                          </p:stCondLst>
-                                        </p:cTn>
-                                        <p:tgtEl>
-                                          <p:spTgt spid="287">
-                                            <p:txEl>
-                                              <p:pRg st="4" end="4"/>
-                                            </p:txEl>
-                                          </p:spTgt>
-                                        </p:tgtEl>
-                                        <p:attrNameLst>
-                                          <p:attrName>style.visibility</p:attrName>
-                                        </p:attrNameLst>
-                                      </p:cBhvr>
-                                      <p:to>
-                                        <p:strVal val="visible"/>
-                                      </p:to>
-                                    </p:set>
-                                    <p:anim calcmode="lin" valueType="num">
-                                      <p:cBhvr additive="base">
-                                        <p:cTn id="52" dur="500"/>
-                                        <p:tgtEl>
-                                          <p:spTgt spid="287">
-                                            <p:txEl>
-                                              <p:pRg st="4" end="4"/>
-                                            </p:txEl>
-                                          </p:spTgt>
-                                        </p:tgtEl>
-                                        <p:attrNameLst>
-                                          <p:attrName>ppt_y</p:attrName>
-                                        </p:attrNameLst>
-                                      </p:cBhvr>
-                                      <p:tavLst>
-                                        <p:tav tm="0">
-                                          <p:val>
-                                            <p:strVal val="#ppt_y+1"/>
-                                          </p:val>
-                                        </p:tav>
-                                        <p:tav tm="100000">
-                                          <p:val>
-                                            <p:strVal val="#ppt_y"/>
-                                          </p:val>
-                                        </p:tav>
-                                      </p:tavLst>
-                                    </p:anim>
-                                  </p:childTnLst>
-                                </p:cTn>
-                              </p:par>
-                            </p:childTnLst>
-                          </p:cTn>
-                        </p:par>
-                      </p:childTnLst>
-                    </p:cTn>
-                  </p:par>
-                </p:childTnLst>
-              </p:cTn>
-              <p:prevCondLst>
-                <p:cond evt="onPrev" delay="0">
-                  <p:tgtEl>
-                    <p:sldTgt/>
-                  </p:tgtEl>
-                </p:cond>
-              </p:prevCondLst>
-              <p:nextCondLst>
-                <p:cond evt="onNext" delay="0">
-                  <p:tgtEl>
-                    <p:sldTgt/>
-                  </p:tgtEl>
-                </p:cond>
-              </p:nextCondLst>
-            </p:seq>
-          </p:childTnLst>
-        </p:cTn>
-      </p:par>
-    </p:tnLst>
-  </p:timing>
-</p:sld>
-</file>
-
-<file path=ppt/slides/slide17.xml><?xml version="1.0" encoding="utf-8"?>
-<p:sld xmlns:a="http://schemas.openxmlformats.org/drawingml/2006/main" xmlns:r="http://schemas.openxmlformats.org/officeDocument/2006/relationships" xmlns:p="http://schemas.openxmlformats.org/presentationml/2006/main">
-  <p:cSld>
-    <p:bg>
-      <p:bgPr>
-        <a:solidFill>
-          <a:schemeClr val="accent4">
-            <a:lumMod val="20000"/>
-            <a:lumOff val="80000"/>
-          </a:schemeClr>
-        </a:solidFill>
-        <a:effectLst/>
-      </p:bgPr>
-    </p:bg>
-    <p:spTree>
-      <p:nvGrpSpPr>
-        <p:cNvPr id="1" name="Shape 291"/>
-        <p:cNvGrpSpPr/>
-        <p:nvPr/>
-      </p:nvGrpSpPr>
-      <p:grpSpPr>
-        <a:xfrm>
-          <a:off x="0" y="0"/>
-          <a:ext cx="0" cy="0"/>
-          <a:chOff x="0" y="0"/>
-          <a:chExt cx="0" cy="0"/>
-        </a:xfrm>
-      </p:grpSpPr>
-      <p:sp>
-        <p:nvSpPr>
-          <p:cNvPr id="292" name="Google Shape;292;p29"/>
-          <p:cNvSpPr txBox="1">
-            <a:spLocks noGrp="1"/>
-          </p:cNvSpPr>
-          <p:nvPr>
-            <p:ph type="body" idx="1"/>
-          </p:nvPr>
-        </p:nvSpPr>
-        <p:spPr>
-          <a:xfrm>
-            <a:off x="2818002" y="2766218"/>
-            <a:ext cx="6149829" cy="1325563"/>
-          </a:xfrm>
-          <a:prstGeom prst="rect">
-            <a:avLst/>
-          </a:prstGeom>
-          <a:noFill/>
-          <a:ln>
-            <a:noFill/>
-          </a:ln>
-        </p:spPr>
-        <p:txBody>
-          <a:bodyPr spcFirstLastPara="1" wrap="square" lIns="91425" tIns="45700" rIns="91425" bIns="45700" anchor="t" anchorCtr="0">
-            <a:normAutofit/>
-          </a:bodyPr>
-          <a:lstStyle/>
-          <a:p>
-            <a:pPr marL="0" lvl="0" indent="0" algn="l" rtl="0">
-              <a:lnSpc>
-                <a:spcPct val="90000"/>
-              </a:lnSpc>
-              <a:spcBef>
-                <a:spcPts val="0"/>
-              </a:spcBef>
-              <a:spcAft>
-                <a:spcPts val="0"/>
-              </a:spcAft>
-              <a:buClr>
-                <a:schemeClr val="dk1"/>
-              </a:buClr>
-              <a:buSzPts val="3200"/>
-              <a:buNone/>
-            </a:pPr>
-            <a:r>
-              <a:rPr lang="en-US" sz="3200"/>
-              <a:t>txt = “The best class in Saint Louis”</a:t>
-            </a:r>
-            <a:endParaRPr/>
-          </a:p>
-          <a:p>
-            <a:pPr marL="0" lvl="0" indent="0" algn="l" rtl="0">
-              <a:lnSpc>
-                <a:spcPct val="90000"/>
-              </a:lnSpc>
-              <a:spcBef>
-                <a:spcPts val="1000"/>
-              </a:spcBef>
-              <a:spcAft>
-                <a:spcPts val="0"/>
-              </a:spcAft>
-              <a:buClr>
-                <a:schemeClr val="dk1"/>
-              </a:buClr>
-              <a:buSzPts val="3200"/>
-              <a:buNone/>
-            </a:pPr>
-            <a:r>
-              <a:rPr lang="en-US" sz="3200"/>
-              <a:t>Print(“best” in txt)</a:t>
-            </a:r>
-            <a:endParaRPr/>
-          </a:p>
-          <a:p>
-            <a:pPr marL="228600" lvl="0" indent="-50800" algn="l" rtl="0">
-              <a:lnSpc>
-                <a:spcPct val="90000"/>
-              </a:lnSpc>
-              <a:spcBef>
-                <a:spcPts val="1000"/>
-              </a:spcBef>
-              <a:spcAft>
-                <a:spcPts val="0"/>
-              </a:spcAft>
-              <a:buClr>
-                <a:schemeClr val="dk1"/>
-              </a:buClr>
-              <a:buSzPts val="2800"/>
-              <a:buNone/>
-            </a:pPr>
-            <a:endParaRPr/>
-          </a:p>
-        </p:txBody>
-      </p:sp>
-      <p:sp>
-        <p:nvSpPr>
-          <p:cNvPr id="293" name="Google Shape;293;p29"/>
-          <p:cNvSpPr txBox="1">
-            <a:spLocks noGrp="1"/>
-          </p:cNvSpPr>
-          <p:nvPr>
-            <p:ph type="title"/>
-          </p:nvPr>
-        </p:nvSpPr>
-        <p:spPr>
-          <a:xfrm>
-            <a:off x="838200" y="365125"/>
-            <a:ext cx="10515600" cy="1325563"/>
-          </a:xfrm>
-          <a:prstGeom prst="rect">
-            <a:avLst/>
-          </a:prstGeom>
-          <a:noFill/>
-          <a:ln>
-            <a:noFill/>
-          </a:ln>
-        </p:spPr>
-        <p:txBody>
-          <a:bodyPr spcFirstLastPara="1" wrap="square" lIns="91425" tIns="45700" rIns="91425" bIns="45700" anchor="ctr" anchorCtr="0">
-            <a:noAutofit/>
-          </a:bodyPr>
-          <a:lstStyle/>
-          <a:p>
-            <a:pPr marL="0" marR="0" lvl="0" indent="0" algn="ctr" rtl="0">
-              <a:lnSpc>
-                <a:spcPct val="90000"/>
-              </a:lnSpc>
-              <a:spcBef>
-                <a:spcPts val="0"/>
-              </a:spcBef>
-              <a:spcAft>
-                <a:spcPts val="0"/>
-              </a:spcAft>
-              <a:buClr>
-                <a:schemeClr val="dk1"/>
-              </a:buClr>
-              <a:buSzPts val="4800"/>
-              <a:buFont typeface="Arial"/>
-              <a:buNone/>
-            </a:pPr>
-            <a:r>
-              <a:rPr lang="en-US" sz="4800" b="0" i="0" u="none" strike="noStrike" cap="none">
-                <a:solidFill>
-                  <a:schemeClr val="dk1"/>
-                </a:solidFill>
-                <a:latin typeface="Calibri"/>
-                <a:ea typeface="Calibri"/>
-                <a:cs typeface="Calibri"/>
-                <a:sym typeface="Calibri"/>
-              </a:rPr>
-              <a:t>Checking a string = boolean</a:t>
-            </a:r>
-            <a:endParaRPr sz="4800" b="0" i="0" u="none" strike="noStrike" cap="none">
-              <a:solidFill>
-                <a:schemeClr val="dk1"/>
-              </a:solidFill>
-              <a:latin typeface="Calibri"/>
-              <a:ea typeface="Calibri"/>
-              <a:cs typeface="Calibri"/>
-              <a:sym typeface="Calibri"/>
-            </a:endParaRPr>
-          </a:p>
-        </p:txBody>
-      </p:sp>
-    </p:spTree>
-  </p:cSld>
-  <p:clrMapOvr>
-    <a:masterClrMapping/>
-  </p:clrMapOvr>
-  <mc:AlternateContent xmlns:mc="http://schemas.openxmlformats.org/markup-compatibility/2006" xmlns:p14="http://schemas.microsoft.com/office/powerpoint/2010/main">
-    <mc:Choice Requires="p14">
-      <p:transition spd="slow" p14:dur="1500">
-        <p:split orient="vert"/>
-      </p:transition>
-    </mc:Choice>
-    <mc:Fallback xmlns="">
-      <p:transition spd="slow">
-        <p:split orient="vert"/>
-      </p:transition>
-    </mc:Fallback>
-  </mc:AlternateContent>
-  <p:timing>
-    <p:tnLst>
-      <p:par>
-        <p:cTn id="1" dur="indefinite" restart="never" nodeType="tmRoot">
-          <p:childTnLst>
-            <p:seq concurrent="1" nextAc="seek">
-              <p:cTn id="2" dur="indefinite" nodeType="mainSeq">
-                <p:childTnLst>
-                  <p:par>
-                    <p:cTn id="3" fill="hold">
-                      <p:stCondLst>
-                        <p:cond delay="indefinite"/>
-                      </p:stCondLst>
-                      <p:childTnLst>
-                        <p:par>
-                          <p:cTn id="4" fill="hold">
-                            <p:stCondLst>
-                              <p:cond delay="0"/>
-                            </p:stCondLst>
-                            <p:childTnLst>
-                              <p:par>
-                                <p:cTn id="5" presetID="2" presetClass="entr" presetSubtype="4" fill="hold" nodeType="clickEffect">
-                                  <p:stCondLst>
-                                    <p:cond delay="0"/>
-                                  </p:stCondLst>
-                                  <p:childTnLst>
-                                    <p:set>
-                                      <p:cBhvr>
-                                        <p:cTn id="6" dur="1" fill="hold">
-                                          <p:stCondLst>
-                                            <p:cond delay="0"/>
-                                          </p:stCondLst>
-                                        </p:cTn>
-                                        <p:tgtEl>
-                                          <p:spTgt spid="292">
-                                            <p:txEl>
-                                              <p:pRg st="0" end="0"/>
-                                            </p:txEl>
-                                          </p:spTgt>
-                                        </p:tgtEl>
-                                        <p:attrNameLst>
-                                          <p:attrName>style.visibility</p:attrName>
-                                        </p:attrNameLst>
-                                      </p:cBhvr>
-                                      <p:to>
-                                        <p:strVal val="visible"/>
-                                      </p:to>
-                                    </p:set>
-                                    <p:anim calcmode="lin" valueType="num">
-                                      <p:cBhvr additive="base">
-                                        <p:cTn id="7" dur="500"/>
-                                        <p:tgtEl>
-                                          <p:spTgt spid="292">
-                                            <p:txEl>
-                                              <p:pRg st="0" end="0"/>
-                                            </p:txEl>
-                                          </p:spTgt>
-                                        </p:tgtEl>
-                                        <p:attrNameLst>
-                                          <p:attrName>ppt_y</p:attrName>
-                                        </p:attrNameLst>
-                                      </p:cBhvr>
-                                      <p:tavLst>
-                                        <p:tav tm="0">
-                                          <p:val>
-                                            <p:strVal val="#ppt_y+1"/>
-                                          </p:val>
-                                        </p:tav>
-                                        <p:tav tm="100000">
-                                          <p:val>
-                                            <p:strVal val="#ppt_y"/>
-                                          </p:val>
-                                        </p:tav>
-                                      </p:tavLst>
-                                    </p:anim>
-                                  </p:childTnLst>
-                                </p:cTn>
-                              </p:par>
-                            </p:childTnLst>
-                          </p:cTn>
-                        </p:par>
-                      </p:childTnLst>
-                    </p:cTn>
-                  </p:par>
-                  <p:par>
-                    <p:cTn id="8" fill="hold">
-                      <p:stCondLst>
-                        <p:cond delay="indefinite"/>
-                      </p:stCondLst>
-                      <p:childTnLst>
-                        <p:par>
-                          <p:cTn id="9" fill="hold">
-                            <p:stCondLst>
-                              <p:cond delay="0"/>
-                            </p:stCondLst>
-                            <p:childTnLst>
-                              <p:par>
-                                <p:cTn id="10" presetID="2" presetClass="entr" presetSubtype="4" fill="hold" nodeType="clickEffect">
-                                  <p:stCondLst>
-                                    <p:cond delay="0"/>
-                                  </p:stCondLst>
-                                  <p:childTnLst>
-                                    <p:set>
-                                      <p:cBhvr>
-                                        <p:cTn id="11" dur="1" fill="hold">
-                                          <p:stCondLst>
-                                            <p:cond delay="0"/>
-                                          </p:stCondLst>
-                                        </p:cTn>
-                                        <p:tgtEl>
-                                          <p:spTgt spid="292">
-                                            <p:txEl>
-                                              <p:pRg st="1" end="1"/>
-                                            </p:txEl>
-                                          </p:spTgt>
-                                        </p:tgtEl>
-                                        <p:attrNameLst>
-                                          <p:attrName>style.visibility</p:attrName>
-                                        </p:attrNameLst>
-                                      </p:cBhvr>
-                                      <p:to>
-                                        <p:strVal val="visible"/>
-                                      </p:to>
-                                    </p:set>
-                                    <p:anim calcmode="lin" valueType="num">
-                                      <p:cBhvr additive="base">
-                                        <p:cTn id="12" dur="500"/>
-                                        <p:tgtEl>
-                                          <p:spTgt spid="292">
-                                            <p:txEl>
-                                              <p:pRg st="1" end="1"/>
-                                            </p:txEl>
-                                          </p:spTgt>
-                                        </p:tgtEl>
-                                        <p:attrNameLst>
-                                          <p:attrName>ppt_y</p:attrName>
-                                        </p:attrNameLst>
-                                      </p:cBhvr>
-                                      <p:tavLst>
-                                        <p:tav tm="0">
-                                          <p:val>
-                                            <p:strVal val="#ppt_y+1"/>
-                                          </p:val>
-                                        </p:tav>
-                                        <p:tav tm="100000">
-                                          <p:val>
-                                            <p:strVal val="#ppt_y"/>
-                                          </p:val>
-                                        </p:tav>
-                                      </p:tavLst>
-                                    </p:anim>
-                                  </p:childTnLst>
-                                </p:cTn>
-                              </p:par>
-                            </p:childTnLst>
-                          </p:cTn>
-                        </p:par>
-                      </p:childTnLst>
-                    </p:cTn>
-                  </p:par>
-                  <p:par>
-                    <p:cTn id="13" fill="hold">
-                      <p:stCondLst>
-                        <p:cond delay="indefinite"/>
-                      </p:stCondLst>
-                      <p:childTnLst>
-                        <p:par>
-                          <p:cTn id="14" fill="hold">
-                            <p:stCondLst>
-                              <p:cond delay="0"/>
-                            </p:stCondLst>
-                            <p:childTnLst>
-                              <p:par>
-                                <p:cTn id="15" presetID="2" presetClass="entr" presetSubtype="4" fill="hold" nodeType="clickEffect">
-                                  <p:stCondLst>
-                                    <p:cond delay="0"/>
-                                  </p:stCondLst>
-                                  <p:childTnLst>
-                                    <p:set>
-                                      <p:cBhvr>
-                                        <p:cTn id="16" dur="1" fill="hold">
-                                          <p:stCondLst>
-                                            <p:cond delay="0"/>
-                                          </p:stCondLst>
-                                        </p:cTn>
-                                        <p:tgtEl>
-                                          <p:spTgt spid="292">
-                                            <p:txEl>
-                                              <p:pRg st="2" end="2"/>
-                                            </p:txEl>
-                                          </p:spTgt>
-                                        </p:tgtEl>
-                                        <p:attrNameLst>
-                                          <p:attrName>style.visibility</p:attrName>
-                                        </p:attrNameLst>
-                                      </p:cBhvr>
-                                      <p:to>
-                                        <p:strVal val="visible"/>
-                                      </p:to>
-                                    </p:set>
-                                    <p:anim calcmode="lin" valueType="num">
-                                      <p:cBhvr additive="base">
-                                        <p:cTn id="17" dur="500"/>
-                                        <p:tgtEl>
-                                          <p:spTgt spid="292">
-                                            <p:txEl>
-                                              <p:pRg st="2" end="2"/>
+                                              <p:pRg st="6" end="6"/>
                                             </p:txEl>
                                           </p:spTgt>
                                         </p:tgtEl>
@@ -31341,6 +30990,73 @@
               <a:t>print(y)</a:t>
             </a:r>
             <a:endParaRPr dirty="0"/>
+          </a:p>
+        </p:txBody>
+      </p:sp>
+      <p:sp>
+        <p:nvSpPr>
+          <p:cNvPr id="2" name="Date Placeholder 1">
+            <a:extLst>
+              <a:ext uri="{FF2B5EF4-FFF2-40B4-BE49-F238E27FC236}">
+                <a16:creationId xmlns:a16="http://schemas.microsoft.com/office/drawing/2014/main" id="{511206DC-E315-2DC3-4D52-4E911EDC7B17}"/>
+              </a:ext>
+            </a:extLst>
+          </p:cNvPr>
+          <p:cNvSpPr>
+            <a:spLocks noGrp="1"/>
+          </p:cNvSpPr>
+          <p:nvPr>
+            <p:ph type="dt" idx="10"/>
+          </p:nvPr>
+        </p:nvSpPr>
+        <p:spPr/>
+        <p:txBody>
+          <a:bodyPr/>
+          <a:lstStyle/>
+          <a:p>
+            <a:fld id="{F8C7AF1C-F304-428E-9082-B98B3E838300}" type="datetime1">
+              <a:rPr lang="en-US" smtClean="0"/>
+              <a:t>10/20/2022</a:t>
+            </a:fld>
+            <a:endParaRPr lang="en-US"/>
+          </a:p>
+        </p:txBody>
+      </p:sp>
+      <p:sp>
+        <p:nvSpPr>
+          <p:cNvPr id="3" name="Slide Number Placeholder 2">
+            <a:extLst>
+              <a:ext uri="{FF2B5EF4-FFF2-40B4-BE49-F238E27FC236}">
+                <a16:creationId xmlns:a16="http://schemas.microsoft.com/office/drawing/2014/main" id="{ADA204BC-5C38-2B5B-6C6E-85053B8D6574}"/>
+              </a:ext>
+            </a:extLst>
+          </p:cNvPr>
+          <p:cNvSpPr>
+            <a:spLocks noGrp="1"/>
+          </p:cNvSpPr>
+          <p:nvPr>
+            <p:ph type="sldNum" idx="12"/>
+          </p:nvPr>
+        </p:nvSpPr>
+        <p:spPr/>
+        <p:txBody>
+          <a:bodyPr/>
+          <a:lstStyle/>
+          <a:p>
+            <a:pPr marL="0" lvl="0" indent="0" algn="r" rtl="0">
+              <a:spcBef>
+                <a:spcPts val="0"/>
+              </a:spcBef>
+              <a:spcAft>
+                <a:spcPts val="0"/>
+              </a:spcAft>
+              <a:buNone/>
+            </a:pPr>
+            <a:fld id="{00000000-1234-1234-1234-123412341234}" type="slidenum">
+              <a:rPr lang="en-US" smtClean="0"/>
+              <a:t>2</a:t>
+            </a:fld>
+            <a:endParaRPr lang="en-US"/>
           </a:p>
         </p:txBody>
       </p:sp>
@@ -32325,6 +32041,73 @@
               <a:t>)</a:t>
             </a:r>
             <a:endParaRPr sz="4000" dirty="0"/>
+          </a:p>
+        </p:txBody>
+      </p:sp>
+      <p:sp>
+        <p:nvSpPr>
+          <p:cNvPr id="2" name="Date Placeholder 1">
+            <a:extLst>
+              <a:ext uri="{FF2B5EF4-FFF2-40B4-BE49-F238E27FC236}">
+                <a16:creationId xmlns:a16="http://schemas.microsoft.com/office/drawing/2014/main" id="{E9783683-104D-7B31-56FA-896BE85CBEFD}"/>
+              </a:ext>
+            </a:extLst>
+          </p:cNvPr>
+          <p:cNvSpPr>
+            <a:spLocks noGrp="1"/>
+          </p:cNvSpPr>
+          <p:nvPr>
+            <p:ph type="dt" idx="10"/>
+          </p:nvPr>
+        </p:nvSpPr>
+        <p:spPr/>
+        <p:txBody>
+          <a:bodyPr/>
+          <a:lstStyle/>
+          <a:p>
+            <a:fld id="{CF062165-911C-46E8-9F2A-FA3B9F88592A}" type="datetime1">
+              <a:rPr lang="en-US" smtClean="0"/>
+              <a:t>10/20/2022</a:t>
+            </a:fld>
+            <a:endParaRPr lang="en-US"/>
+          </a:p>
+        </p:txBody>
+      </p:sp>
+      <p:sp>
+        <p:nvSpPr>
+          <p:cNvPr id="3" name="Slide Number Placeholder 2">
+            <a:extLst>
+              <a:ext uri="{FF2B5EF4-FFF2-40B4-BE49-F238E27FC236}">
+                <a16:creationId xmlns:a16="http://schemas.microsoft.com/office/drawing/2014/main" id="{E642B03D-5717-4053-3024-85C0825F946D}"/>
+              </a:ext>
+            </a:extLst>
+          </p:cNvPr>
+          <p:cNvSpPr>
+            <a:spLocks noGrp="1"/>
+          </p:cNvSpPr>
+          <p:nvPr>
+            <p:ph type="sldNum" idx="12"/>
+          </p:nvPr>
+        </p:nvSpPr>
+        <p:spPr/>
+        <p:txBody>
+          <a:bodyPr/>
+          <a:lstStyle/>
+          <a:p>
+            <a:pPr marL="0" lvl="0" indent="0" algn="r" rtl="0">
+              <a:spcBef>
+                <a:spcPts val="0"/>
+              </a:spcBef>
+              <a:spcAft>
+                <a:spcPts val="0"/>
+              </a:spcAft>
+              <a:buNone/>
+            </a:pPr>
+            <a:fld id="{00000000-1234-1234-1234-123412341234}" type="slidenum">
+              <a:rPr lang="en-US" smtClean="0"/>
+              <a:t>3</a:t>
+            </a:fld>
+            <a:endParaRPr lang="en-US"/>
           </a:p>
         </p:txBody>
       </p:sp>
@@ -33523,6 +33306,73 @@
               <a:t>Print(x + y)</a:t>
             </a:r>
             <a:endParaRPr sz="3600" dirty="0"/>
+          </a:p>
+        </p:txBody>
+      </p:sp>
+      <p:sp>
+        <p:nvSpPr>
+          <p:cNvPr id="2" name="Date Placeholder 1">
+            <a:extLst>
+              <a:ext uri="{FF2B5EF4-FFF2-40B4-BE49-F238E27FC236}">
+                <a16:creationId xmlns:a16="http://schemas.microsoft.com/office/drawing/2014/main" id="{9A7D8FE1-03E8-3D79-0630-7A74150A5814}"/>
+              </a:ext>
+            </a:extLst>
+          </p:cNvPr>
+          <p:cNvSpPr>
+            <a:spLocks noGrp="1"/>
+          </p:cNvSpPr>
+          <p:nvPr>
+            <p:ph type="dt" idx="10"/>
+          </p:nvPr>
+        </p:nvSpPr>
+        <p:spPr/>
+        <p:txBody>
+          <a:bodyPr/>
+          <a:lstStyle/>
+          <a:p>
+            <a:fld id="{2A7A4FCA-606B-44C0-922F-0B05BE6FA2DA}" type="datetime1">
+              <a:rPr lang="en-US" smtClean="0"/>
+              <a:t>10/20/2022</a:t>
+            </a:fld>
+            <a:endParaRPr lang="en-US"/>
+          </a:p>
+        </p:txBody>
+      </p:sp>
+      <p:sp>
+        <p:nvSpPr>
+          <p:cNvPr id="3" name="Slide Number Placeholder 2">
+            <a:extLst>
+              <a:ext uri="{FF2B5EF4-FFF2-40B4-BE49-F238E27FC236}">
+                <a16:creationId xmlns:a16="http://schemas.microsoft.com/office/drawing/2014/main" id="{366F0CBB-1D3A-B6B0-3FC4-3C053481184A}"/>
+              </a:ext>
+            </a:extLst>
+          </p:cNvPr>
+          <p:cNvSpPr>
+            <a:spLocks noGrp="1"/>
+          </p:cNvSpPr>
+          <p:nvPr>
+            <p:ph type="sldNum" idx="12"/>
+          </p:nvPr>
+        </p:nvSpPr>
+        <p:spPr/>
+        <p:txBody>
+          <a:bodyPr/>
+          <a:lstStyle/>
+          <a:p>
+            <a:pPr marL="0" lvl="0" indent="0" algn="r" rtl="0">
+              <a:spcBef>
+                <a:spcPts val="0"/>
+              </a:spcBef>
+              <a:spcAft>
+                <a:spcPts val="0"/>
+              </a:spcAft>
+              <a:buNone/>
+            </a:pPr>
+            <a:fld id="{00000000-1234-1234-1234-123412341234}" type="slidenum">
+              <a:rPr lang="en-US" smtClean="0"/>
+              <a:t>4</a:t>
+            </a:fld>
+            <a:endParaRPr lang="en-US"/>
           </a:p>
         </p:txBody>
       </p:sp>
@@ -35052,6 +34902,73 @@
           </a:p>
         </p:txBody>
       </p:sp>
+      <p:sp>
+        <p:nvSpPr>
+          <p:cNvPr id="2" name="Date Placeholder 1">
+            <a:extLst>
+              <a:ext uri="{FF2B5EF4-FFF2-40B4-BE49-F238E27FC236}">
+                <a16:creationId xmlns:a16="http://schemas.microsoft.com/office/drawing/2014/main" id="{95C725C7-7B51-024D-112C-48226EA582B8}"/>
+              </a:ext>
+            </a:extLst>
+          </p:cNvPr>
+          <p:cNvSpPr>
+            <a:spLocks noGrp="1"/>
+          </p:cNvSpPr>
+          <p:nvPr>
+            <p:ph type="dt" idx="10"/>
+          </p:nvPr>
+        </p:nvSpPr>
+        <p:spPr/>
+        <p:txBody>
+          <a:bodyPr/>
+          <a:lstStyle/>
+          <a:p>
+            <a:fld id="{AB8B3BF7-0403-44AA-B860-A85164A6C435}" type="datetime1">
+              <a:rPr lang="en-US" smtClean="0"/>
+              <a:t>10/20/2022</a:t>
+            </a:fld>
+            <a:endParaRPr lang="en-US"/>
+          </a:p>
+        </p:txBody>
+      </p:sp>
+      <p:sp>
+        <p:nvSpPr>
+          <p:cNvPr id="3" name="Slide Number Placeholder 2">
+            <a:extLst>
+              <a:ext uri="{FF2B5EF4-FFF2-40B4-BE49-F238E27FC236}">
+                <a16:creationId xmlns:a16="http://schemas.microsoft.com/office/drawing/2014/main" id="{012C9270-249E-7A68-E251-3EE028AFEF3A}"/>
+              </a:ext>
+            </a:extLst>
+          </p:cNvPr>
+          <p:cNvSpPr>
+            <a:spLocks noGrp="1"/>
+          </p:cNvSpPr>
+          <p:nvPr>
+            <p:ph type="sldNum" idx="12"/>
+          </p:nvPr>
+        </p:nvSpPr>
+        <p:spPr/>
+        <p:txBody>
+          <a:bodyPr/>
+          <a:lstStyle/>
+          <a:p>
+            <a:pPr marL="0" lvl="0" indent="0" algn="r" rtl="0">
+              <a:spcBef>
+                <a:spcPts val="0"/>
+              </a:spcBef>
+              <a:spcAft>
+                <a:spcPts val="0"/>
+              </a:spcAft>
+              <a:buNone/>
+            </a:pPr>
+            <a:fld id="{00000000-1234-1234-1234-123412341234}" type="slidenum">
+              <a:rPr lang="en-US" smtClean="0"/>
+              <a:t>5</a:t>
+            </a:fld>
+            <a:endParaRPr lang="en-US"/>
+          </a:p>
+        </p:txBody>
+      </p:sp>
     </p:spTree>
   </p:cSld>
   <p:clrMapOvr>
@@ -35867,6 +35784,73 @@
               <a:t>  </a:t>
             </a:r>
             <a:endParaRPr dirty="0"/>
+          </a:p>
+        </p:txBody>
+      </p:sp>
+      <p:sp>
+        <p:nvSpPr>
+          <p:cNvPr id="2" name="Date Placeholder 1">
+            <a:extLst>
+              <a:ext uri="{FF2B5EF4-FFF2-40B4-BE49-F238E27FC236}">
+                <a16:creationId xmlns:a16="http://schemas.microsoft.com/office/drawing/2014/main" id="{EE3BBCC2-9A55-26D7-B2EC-5E68BFF6FCAA}"/>
+              </a:ext>
+            </a:extLst>
+          </p:cNvPr>
+          <p:cNvSpPr>
+            <a:spLocks noGrp="1"/>
+          </p:cNvSpPr>
+          <p:nvPr>
+            <p:ph type="dt" idx="10"/>
+          </p:nvPr>
+        </p:nvSpPr>
+        <p:spPr/>
+        <p:txBody>
+          <a:bodyPr/>
+          <a:lstStyle/>
+          <a:p>
+            <a:fld id="{0743BAB7-426D-4162-93D8-EDBA4458AB13}" type="datetime1">
+              <a:rPr lang="en-US" smtClean="0"/>
+              <a:t>10/20/2022</a:t>
+            </a:fld>
+            <a:endParaRPr lang="en-US"/>
+          </a:p>
+        </p:txBody>
+      </p:sp>
+      <p:sp>
+        <p:nvSpPr>
+          <p:cNvPr id="3" name="Slide Number Placeholder 2">
+            <a:extLst>
+              <a:ext uri="{FF2B5EF4-FFF2-40B4-BE49-F238E27FC236}">
+                <a16:creationId xmlns:a16="http://schemas.microsoft.com/office/drawing/2014/main" id="{EA520DCD-1D51-6ACD-3E4B-81CCBEE18FC8}"/>
+              </a:ext>
+            </a:extLst>
+          </p:cNvPr>
+          <p:cNvSpPr>
+            <a:spLocks noGrp="1"/>
+          </p:cNvSpPr>
+          <p:nvPr>
+            <p:ph type="sldNum" idx="12"/>
+          </p:nvPr>
+        </p:nvSpPr>
+        <p:spPr/>
+        <p:txBody>
+          <a:bodyPr/>
+          <a:lstStyle/>
+          <a:p>
+            <a:pPr marL="0" lvl="0" indent="0" algn="r" rtl="0">
+              <a:spcBef>
+                <a:spcPts val="0"/>
+              </a:spcBef>
+              <a:spcAft>
+                <a:spcPts val="0"/>
+              </a:spcAft>
+              <a:buNone/>
+            </a:pPr>
+            <a:fld id="{00000000-1234-1234-1234-123412341234}" type="slidenum">
+              <a:rPr lang="en-US" smtClean="0"/>
+              <a:t>6</a:t>
+            </a:fld>
+            <a:endParaRPr lang="en-US"/>
           </a:p>
         </p:txBody>
       </p:sp>
@@ -37175,6 +37159,73 @@
               <a:t>Casting!</a:t>
             </a:r>
             <a:endParaRPr/>
+          </a:p>
+        </p:txBody>
+      </p:sp>
+      <p:sp>
+        <p:nvSpPr>
+          <p:cNvPr id="2" name="Date Placeholder 1">
+            <a:extLst>
+              <a:ext uri="{FF2B5EF4-FFF2-40B4-BE49-F238E27FC236}">
+                <a16:creationId xmlns:a16="http://schemas.microsoft.com/office/drawing/2014/main" id="{9B0BB2E0-9310-B03C-5A0E-1703E929AC0B}"/>
+              </a:ext>
+            </a:extLst>
+          </p:cNvPr>
+          <p:cNvSpPr>
+            <a:spLocks noGrp="1"/>
+          </p:cNvSpPr>
+          <p:nvPr>
+            <p:ph type="dt" idx="10"/>
+          </p:nvPr>
+        </p:nvSpPr>
+        <p:spPr/>
+        <p:txBody>
+          <a:bodyPr/>
+          <a:lstStyle/>
+          <a:p>
+            <a:fld id="{59CE3A16-0738-4DF0-AF65-FF4562815DC4}" type="datetime1">
+              <a:rPr lang="en-US" smtClean="0"/>
+              <a:t>10/20/2022</a:t>
+            </a:fld>
+            <a:endParaRPr lang="en-US"/>
+          </a:p>
+        </p:txBody>
+      </p:sp>
+      <p:sp>
+        <p:nvSpPr>
+          <p:cNvPr id="3" name="Slide Number Placeholder 2">
+            <a:extLst>
+              <a:ext uri="{FF2B5EF4-FFF2-40B4-BE49-F238E27FC236}">
+                <a16:creationId xmlns:a16="http://schemas.microsoft.com/office/drawing/2014/main" id="{D204655C-5F05-DF23-FD2B-C87ACAF9111F}"/>
+              </a:ext>
+            </a:extLst>
+          </p:cNvPr>
+          <p:cNvSpPr>
+            <a:spLocks noGrp="1"/>
+          </p:cNvSpPr>
+          <p:nvPr>
+            <p:ph type="sldNum" idx="12"/>
+          </p:nvPr>
+        </p:nvSpPr>
+        <p:spPr/>
+        <p:txBody>
+          <a:bodyPr/>
+          <a:lstStyle/>
+          <a:p>
+            <a:pPr marL="0" lvl="0" indent="0" algn="r" rtl="0">
+              <a:spcBef>
+                <a:spcPts val="0"/>
+              </a:spcBef>
+              <a:spcAft>
+                <a:spcPts val="0"/>
+              </a:spcAft>
+              <a:buNone/>
+            </a:pPr>
+            <a:fld id="{00000000-1234-1234-1234-123412341234}" type="slidenum">
+              <a:rPr lang="en-US" smtClean="0"/>
+              <a:t>7</a:t>
+            </a:fld>
+            <a:endParaRPr lang="en-US"/>
           </a:p>
         </p:txBody>
       </p:sp>
@@ -37998,8 +38049,8 @@
         </p:nvSpPr>
         <p:spPr>
           <a:xfrm>
-            <a:off x="838200" y="1"/>
-            <a:ext cx="10515600" cy="1690688"/>
+            <a:off x="838200" y="256478"/>
+            <a:ext cx="10515600" cy="925551"/>
           </a:xfrm>
           <a:prstGeom prst="rect">
             <a:avLst/>
@@ -38033,13 +38084,10 @@
               <a:buNone/>
             </a:pPr>
             <a:r>
-              <a:rPr lang="en-US" sz="6600"/>
+              <a:rPr lang="en-US" sz="6600" dirty="0"/>
               <a:t>Strings</a:t>
             </a:r>
-            <a:br>
-              <a:rPr lang="en-US" sz="6600"/>
-            </a:br>
-            <a:endParaRPr sz="6600"/>
+            <a:endParaRPr sz="6600" dirty="0"/>
           </a:p>
         </p:txBody>
       </p:sp>
@@ -38190,6 +38238,73 @@
               <a:t>Multi-line strings are designated with “””””/”””” or ‘’’/’’’</a:t>
             </a:r>
             <a:endParaRPr dirty="0"/>
+          </a:p>
+        </p:txBody>
+      </p:sp>
+      <p:sp>
+        <p:nvSpPr>
+          <p:cNvPr id="2" name="Date Placeholder 1">
+            <a:extLst>
+              <a:ext uri="{FF2B5EF4-FFF2-40B4-BE49-F238E27FC236}">
+                <a16:creationId xmlns:a16="http://schemas.microsoft.com/office/drawing/2014/main" id="{AE46CD75-B91C-2011-E42B-236EFC62D1EC}"/>
+              </a:ext>
+            </a:extLst>
+          </p:cNvPr>
+          <p:cNvSpPr>
+            <a:spLocks noGrp="1"/>
+          </p:cNvSpPr>
+          <p:nvPr>
+            <p:ph type="dt" idx="10"/>
+          </p:nvPr>
+        </p:nvSpPr>
+        <p:spPr/>
+        <p:txBody>
+          <a:bodyPr/>
+          <a:lstStyle/>
+          <a:p>
+            <a:fld id="{94A8B813-444D-4969-97B9-7569F7F2A706}" type="datetime1">
+              <a:rPr lang="en-US" smtClean="0"/>
+              <a:t>10/20/2022</a:t>
+            </a:fld>
+            <a:endParaRPr lang="en-US"/>
+          </a:p>
+        </p:txBody>
+      </p:sp>
+      <p:sp>
+        <p:nvSpPr>
+          <p:cNvPr id="3" name="Slide Number Placeholder 2">
+            <a:extLst>
+              <a:ext uri="{FF2B5EF4-FFF2-40B4-BE49-F238E27FC236}">
+                <a16:creationId xmlns:a16="http://schemas.microsoft.com/office/drawing/2014/main" id="{62DCC93C-F886-F8BC-D749-27F6E3581FF6}"/>
+              </a:ext>
+            </a:extLst>
+          </p:cNvPr>
+          <p:cNvSpPr>
+            <a:spLocks noGrp="1"/>
+          </p:cNvSpPr>
+          <p:nvPr>
+            <p:ph type="sldNum" idx="12"/>
+          </p:nvPr>
+        </p:nvSpPr>
+        <p:spPr/>
+        <p:txBody>
+          <a:bodyPr/>
+          <a:lstStyle/>
+          <a:p>
+            <a:pPr marL="0" lvl="0" indent="0" algn="r" rtl="0">
+              <a:spcBef>
+                <a:spcPts val="0"/>
+              </a:spcBef>
+              <a:spcAft>
+                <a:spcPts val="0"/>
+              </a:spcAft>
+              <a:buNone/>
+            </a:pPr>
+            <a:fld id="{00000000-1234-1234-1234-123412341234}" type="slidenum">
+              <a:rPr lang="en-US" smtClean="0"/>
+              <a:t>8</a:t>
+            </a:fld>
+            <a:endParaRPr lang="en-US"/>
           </a:p>
         </p:txBody>
       </p:sp>
@@ -39010,8 +39125,8 @@
         </p:nvSpPr>
         <p:spPr>
           <a:xfrm>
-            <a:off x="931492" y="3298677"/>
-            <a:ext cx="4683095" cy="2837203"/>
+            <a:off x="814039" y="3298677"/>
+            <a:ext cx="4908071" cy="2837203"/>
           </a:xfrm>
           <a:prstGeom prst="doubleWave">
             <a:avLst>
@@ -39021,7 +39136,8 @@
           </a:prstGeom>
           <a:solidFill>
             <a:schemeClr val="accent5">
-              <a:lumMod val="75000"/>
+              <a:lumMod val="20000"/>
+              <a:lumOff val="80000"/>
             </a:schemeClr>
           </a:solidFill>
           <a:ln w="12700" cap="flat" cmpd="sng">
@@ -39098,7 +39214,9 @@
             <a:r>
               <a:rPr lang="en-US" sz="2400" b="1" dirty="0">
                 <a:solidFill>
-                  <a:schemeClr val="accent4"/>
+                  <a:schemeClr val="accent5">
+                    <a:lumMod val="50000"/>
+                  </a:schemeClr>
                 </a:solidFill>
                 <a:latin typeface="Calibri"/>
                 <a:ea typeface="Calibri"/>
@@ -39109,7 +39227,9 @@
             </a:r>
             <a:endParaRPr b="1" dirty="0">
               <a:solidFill>
-                <a:schemeClr val="accent4"/>
+                <a:schemeClr val="accent5">
+                  <a:lumMod val="50000"/>
+                </a:schemeClr>
               </a:solidFill>
             </a:endParaRPr>
           </a:p>
@@ -39126,7 +39246,9 @@
             <a:r>
               <a:rPr lang="en-US" sz="2400" b="1" dirty="0">
                 <a:solidFill>
-                  <a:schemeClr val="accent4"/>
+                  <a:schemeClr val="accent5">
+                    <a:lumMod val="50000"/>
+                  </a:schemeClr>
                 </a:solidFill>
                 <a:latin typeface="Calibri"/>
                 <a:ea typeface="Calibri"/>
@@ -39137,7 +39259,9 @@
             </a:r>
             <a:endParaRPr b="1" dirty="0">
               <a:solidFill>
-                <a:schemeClr val="accent4"/>
+                <a:schemeClr val="accent5">
+                  <a:lumMod val="50000"/>
+                </a:schemeClr>
               </a:solidFill>
             </a:endParaRPr>
           </a:p>
@@ -39153,7 +39277,9 @@
             </a:pPr>
             <a:endParaRPr sz="2400" b="1" dirty="0">
               <a:solidFill>
-                <a:schemeClr val="accent4"/>
+                <a:schemeClr val="accent5">
+                  <a:lumMod val="50000"/>
+                </a:schemeClr>
               </a:solidFill>
               <a:latin typeface="Calibri"/>
               <a:ea typeface="Calibri"/>
@@ -39174,7 +39300,9 @@
             <a:r>
               <a:rPr lang="en-US" sz="2400" b="1" dirty="0">
                 <a:solidFill>
-                  <a:schemeClr val="accent4"/>
+                  <a:schemeClr val="accent5">
+                    <a:lumMod val="50000"/>
+                  </a:schemeClr>
                 </a:solidFill>
                 <a:latin typeface="Calibri"/>
                 <a:ea typeface="Calibri"/>
@@ -39185,7 +39313,9 @@
             </a:r>
             <a:endParaRPr b="1" dirty="0">
               <a:solidFill>
-                <a:schemeClr val="accent4"/>
+                <a:schemeClr val="accent5">
+                  <a:lumMod val="50000"/>
+                </a:schemeClr>
               </a:solidFill>
             </a:endParaRPr>
           </a:p>
